--- a/Tema6/TEMA 6 Sesion 4.pptx
+++ b/Tema6/TEMA 6 Sesion 4.pptx
@@ -5,23 +5,20 @@
     <p:sldMasterId id="2147483673" r:id="rId1"/>
   </p:sldMasterIdLst>
   <p:notesMasterIdLst>
-    <p:notesMasterId r:id="rId16"/>
+    <p:notesMasterId r:id="rId13"/>
   </p:notesMasterIdLst>
   <p:sldIdLst>
     <p:sldId id="256" r:id="rId2"/>
     <p:sldId id="296" r:id="rId3"/>
     <p:sldId id="297" r:id="rId4"/>
     <p:sldId id="314" r:id="rId5"/>
-    <p:sldId id="315" r:id="rId6"/>
-    <p:sldId id="316" r:id="rId7"/>
-    <p:sldId id="317" r:id="rId8"/>
-    <p:sldId id="318" r:id="rId9"/>
-    <p:sldId id="320" r:id="rId10"/>
-    <p:sldId id="319" r:id="rId11"/>
-    <p:sldId id="321" r:id="rId12"/>
-    <p:sldId id="322" r:id="rId13"/>
-    <p:sldId id="323" r:id="rId14"/>
-    <p:sldId id="324" r:id="rId15"/>
+    <p:sldId id="316" r:id="rId6"/>
+    <p:sldId id="317" r:id="rId7"/>
+    <p:sldId id="325" r:id="rId8"/>
+    <p:sldId id="326" r:id="rId9"/>
+    <p:sldId id="321" r:id="rId10"/>
+    <p:sldId id="327" r:id="rId11"/>
+    <p:sldId id="328" r:id="rId12"/>
   </p:sldIdLst>
   <p:sldSz cx="12192000" cy="6858000"/>
   <p:notesSz cx="6858000" cy="9144000"/>
@@ -129,16 +126,13 @@
             <p14:sldId id="296"/>
             <p14:sldId id="297"/>
             <p14:sldId id="314"/>
-            <p14:sldId id="315"/>
             <p14:sldId id="316"/>
             <p14:sldId id="317"/>
-            <p14:sldId id="318"/>
-            <p14:sldId id="320"/>
-            <p14:sldId id="319"/>
+            <p14:sldId id="325"/>
+            <p14:sldId id="326"/>
             <p14:sldId id="321"/>
-            <p14:sldId id="322"/>
-            <p14:sldId id="323"/>
-            <p14:sldId id="324"/>
+            <p14:sldId id="327"/>
+            <p14:sldId id="328"/>
           </p14:sldIdLst>
         </p14:section>
         <p14:section name="Sección sin título" id="{9D61BBAC-79B6-428B-85CB-8421213A89E5}">
@@ -238,7 +232,7 @@
           <a:p>
             <a:fld id="{731AF1D6-995E-4A6F-9914-507B54D26760}" type="datetimeFigureOut">
               <a:rPr lang="es-ES" smtClean="0"/>
-              <a:t>08/05/2023</a:t>
+              <a:t>12/05/2024</a:t>
             </a:fld>
             <a:endParaRPr lang="es-ES"/>
           </a:p>
@@ -2171,7 +2165,7 @@
           <a:p>
             <a:fld id="{8F72BA41-EC5B-4197-BCC8-0FD2E523CD7A}" type="datetimeFigureOut">
               <a:rPr lang="en-US" smtClean="0"/>
-              <a:t>5/8/2023</a:t>
+              <a:t>5/12/2024</a:t>
             </a:fld>
             <a:endParaRPr lang="en-US"/>
           </a:p>
@@ -2374,7 +2368,7 @@
           <a:p>
             <a:fld id="{8F72BA41-EC5B-4197-BCC8-0FD2E523CD7A}" type="datetimeFigureOut">
               <a:rPr lang="en-US" smtClean="0"/>
-              <a:t>5/8/2023</a:t>
+              <a:t>5/12/2024</a:t>
             </a:fld>
             <a:endParaRPr lang="en-US"/>
           </a:p>
@@ -4095,7 +4089,7 @@
           <a:p>
             <a:fld id="{8F72BA41-EC5B-4197-BCC8-0FD2E523CD7A}" type="datetimeFigureOut">
               <a:rPr lang="en-US" smtClean="0"/>
-              <a:t>5/8/2023</a:t>
+              <a:t>5/12/2024</a:t>
             </a:fld>
             <a:endParaRPr lang="en-US"/>
           </a:p>
@@ -4303,7 +4297,7 @@
           <a:p>
             <a:fld id="{8F72BA41-EC5B-4197-BCC8-0FD2E523CD7A}" type="datetimeFigureOut">
               <a:rPr lang="en-US" smtClean="0"/>
-              <a:t>5/8/2023</a:t>
+              <a:t>5/12/2024</a:t>
             </a:fld>
             <a:endParaRPr lang="en-US"/>
           </a:p>
@@ -6093,7 +6087,7 @@
           <a:p>
             <a:fld id="{8F72BA41-EC5B-4197-BCC8-0FD2E523CD7A}" type="datetimeFigureOut">
               <a:rPr lang="en-US" smtClean="0"/>
-              <a:t>5/8/2023</a:t>
+              <a:t>5/12/2024</a:t>
             </a:fld>
             <a:endParaRPr lang="en-US"/>
           </a:p>
@@ -6366,7 +6360,7 @@
           <a:p>
             <a:fld id="{8F72BA41-EC5B-4197-BCC8-0FD2E523CD7A}" type="datetimeFigureOut">
               <a:rPr lang="en-US" smtClean="0"/>
-              <a:t>5/8/2023</a:t>
+              <a:t>5/12/2024</a:t>
             </a:fld>
             <a:endParaRPr lang="en-US"/>
           </a:p>
@@ -6786,7 +6780,7 @@
           <a:p>
             <a:fld id="{8F72BA41-EC5B-4197-BCC8-0FD2E523CD7A}" type="datetimeFigureOut">
               <a:rPr lang="en-US" smtClean="0"/>
-              <a:t>5/8/2023</a:t>
+              <a:t>5/12/2024</a:t>
             </a:fld>
             <a:endParaRPr lang="en-US"/>
           </a:p>
@@ -6942,7 +6936,7 @@
           <a:p>
             <a:fld id="{8F72BA41-EC5B-4197-BCC8-0FD2E523CD7A}" type="datetimeFigureOut">
               <a:rPr lang="en-US" smtClean="0"/>
-              <a:t>5/8/2023</a:t>
+              <a:t>5/12/2024</a:t>
             </a:fld>
             <a:endParaRPr lang="en-US"/>
           </a:p>
@@ -8510,7 +8504,7 @@
           <a:p>
             <a:fld id="{8F72BA41-EC5B-4197-BCC8-0FD2E523CD7A}" type="datetimeFigureOut">
               <a:rPr lang="en-US" smtClean="0"/>
-              <a:t>5/8/2023</a:t>
+              <a:t>5/12/2024</a:t>
             </a:fld>
             <a:endParaRPr lang="en-US"/>
           </a:p>
@@ -10361,7 +10355,7 @@
           <a:p>
             <a:fld id="{8F72BA41-EC5B-4197-BCC8-0FD2E523CD7A}" type="datetimeFigureOut">
               <a:rPr lang="en-US" smtClean="0"/>
-              <a:t>5/8/2023</a:t>
+              <a:t>5/12/2024</a:t>
             </a:fld>
             <a:endParaRPr lang="en-US"/>
           </a:p>
@@ -12174,7 +12168,7 @@
           <a:p>
             <a:fld id="{8F72BA41-EC5B-4197-BCC8-0FD2E523CD7A}" type="datetimeFigureOut">
               <a:rPr lang="en-US" smtClean="0"/>
-              <a:t>5/8/2023</a:t>
+              <a:t>5/12/2024</a:t>
             </a:fld>
             <a:endParaRPr lang="en-US"/>
           </a:p>
@@ -13868,7 +13862,7 @@
             <a:fld id="{8F72BA41-EC5B-4197-BCC8-0FD2E523CD7A}" type="datetimeFigureOut">
               <a:rPr lang="en-US" smtClean="0"/>
               <a:pPr/>
-              <a:t>5/8/2023</a:t>
+              <a:t>5/12/2024</a:t>
             </a:fld>
             <a:endParaRPr lang="en-US" dirty="0"/>
           </a:p>
@@ -16443,1171 +16437,6 @@
           <p:cNvPr id="2" name="Título 1">
             <a:extLst>
               <a:ext uri="{FF2B5EF4-FFF2-40B4-BE49-F238E27FC236}">
-                <a16:creationId xmlns:a16="http://schemas.microsoft.com/office/drawing/2014/main" id="{9262F78A-45C9-A9CD-D050-E13F598E554D}"/>
-              </a:ext>
-            </a:extLst>
-          </p:cNvPr>
-          <p:cNvSpPr>
-            <a:spLocks noGrp="1"/>
-          </p:cNvSpPr>
-          <p:nvPr>
-            <p:ph type="title"/>
-          </p:nvPr>
-        </p:nvSpPr>
-        <p:spPr/>
-        <p:txBody>
-          <a:bodyPr>
-            <a:noAutofit/>
-          </a:bodyPr>
-          <a:lstStyle/>
-          <a:p>
-            <a:r>
-              <a:rPr lang="es-ES" sz="3600" b="1" dirty="0">
-                <a:latin typeface="Arial"/>
-                <a:ea typeface="Arial"/>
-                <a:cs typeface="Arial"/>
-                <a:sym typeface="Arial"/>
-              </a:rPr>
-              <a:t>3.- Desarrollo de procedimientos almacenados</a:t>
-            </a:r>
-            <a:endParaRPr lang="es-ES" sz="3600" dirty="0"/>
-          </a:p>
-        </p:txBody>
-      </p:sp>
-      <p:sp>
-        <p:nvSpPr>
-          <p:cNvPr id="5" name="CuadroTexto 4">
-            <a:extLst>
-              <a:ext uri="{FF2B5EF4-FFF2-40B4-BE49-F238E27FC236}">
-                <a16:creationId xmlns:a16="http://schemas.microsoft.com/office/drawing/2014/main" id="{0A8F578D-2B63-80BF-E8F5-50443D31623B}"/>
-              </a:ext>
-            </a:extLst>
-          </p:cNvPr>
-          <p:cNvSpPr txBox="1"/>
-          <p:nvPr/>
-        </p:nvSpPr>
-        <p:spPr>
-          <a:xfrm>
-            <a:off x="784484" y="1875104"/>
-            <a:ext cx="9778741" cy="4801314"/>
-          </a:xfrm>
-          <a:prstGeom prst="rect">
-            <a:avLst/>
-          </a:prstGeom>
-          <a:noFill/>
-          <a:ln>
-            <a:solidFill>
-              <a:schemeClr val="accent1"/>
-            </a:solidFill>
-          </a:ln>
-        </p:spPr>
-        <p:txBody>
-          <a:bodyPr wrap="square">
-            <a:spAutoFit/>
-          </a:bodyPr>
-          <a:lstStyle/>
-          <a:p>
-            <a:r>
-              <a:rPr lang="en-US" dirty="0">
-                <a:solidFill>
-                  <a:schemeClr val="dk1"/>
-                </a:solidFill>
-                <a:latin typeface="Calibri"/>
-                <a:ea typeface="Calibri"/>
-                <a:cs typeface="Calibri"/>
-                <a:sym typeface="Calibri"/>
-              </a:rPr>
-              <a:t>CREATE PROCEDURE ejemplo11 ()</a:t>
-            </a:r>
-            <a:endParaRPr lang="en-US" dirty="0"/>
-          </a:p>
-          <a:p>
-            <a:r>
-              <a:rPr lang="en-US" dirty="0">
-                <a:solidFill>
-                  <a:schemeClr val="dk1"/>
-                </a:solidFill>
-                <a:latin typeface="Calibri"/>
-                <a:ea typeface="Calibri"/>
-                <a:cs typeface="Calibri"/>
-                <a:sym typeface="Calibri"/>
-              </a:rPr>
-              <a:t>BEGIN</a:t>
-            </a:r>
-            <a:endParaRPr lang="en-US" dirty="0"/>
-          </a:p>
-          <a:p>
-            <a:r>
-              <a:rPr lang="en-US" dirty="0">
-                <a:solidFill>
-                  <a:schemeClr val="dk1"/>
-                </a:solidFill>
-                <a:latin typeface="Calibri"/>
-                <a:ea typeface="Calibri"/>
-                <a:cs typeface="Calibri"/>
-                <a:sym typeface="Calibri"/>
-              </a:rPr>
-              <a:t>  DECLARE n INT default 0;</a:t>
-            </a:r>
-            <a:endParaRPr lang="en-US" dirty="0"/>
-          </a:p>
-          <a:p>
-            <a:r>
-              <a:rPr lang="en-US" dirty="0">
-                <a:solidFill>
-                  <a:schemeClr val="dk1"/>
-                </a:solidFill>
-                <a:latin typeface="Calibri"/>
-                <a:ea typeface="Calibri"/>
-                <a:cs typeface="Calibri"/>
-                <a:sym typeface="Calibri"/>
-              </a:rPr>
-              <a:t>  DECLARE c INT;</a:t>
-            </a:r>
-            <a:endParaRPr lang="en-US" dirty="0"/>
-          </a:p>
-          <a:p>
-            <a:r>
-              <a:rPr lang="en-US" dirty="0">
-                <a:solidFill>
-                  <a:schemeClr val="dk1"/>
-                </a:solidFill>
-                <a:latin typeface="Calibri"/>
-                <a:ea typeface="Calibri"/>
-                <a:cs typeface="Calibri"/>
-                <a:sym typeface="Calibri"/>
-              </a:rPr>
-              <a:t>  DECLARE nom VARCHAR(15);</a:t>
-            </a:r>
-            <a:endParaRPr lang="en-US" dirty="0"/>
-          </a:p>
-          <a:p>
-            <a:r>
-              <a:rPr lang="en-US" dirty="0">
-                <a:solidFill>
-                  <a:schemeClr val="dk1"/>
-                </a:solidFill>
-                <a:latin typeface="Calibri"/>
-                <a:ea typeface="Calibri"/>
-                <a:cs typeface="Calibri"/>
-                <a:sym typeface="Calibri"/>
-              </a:rPr>
-              <a:t>  DECLARE ape VARCHAR(40);</a:t>
-            </a:r>
-            <a:endParaRPr lang="en-US" dirty="0"/>
-          </a:p>
-          <a:p>
-            <a:r>
-              <a:rPr lang="en-US" dirty="0">
-                <a:solidFill>
-                  <a:schemeClr val="dk1"/>
-                </a:solidFill>
-                <a:latin typeface="Calibri"/>
-                <a:ea typeface="Calibri"/>
-                <a:cs typeface="Calibri"/>
-                <a:sym typeface="Calibri"/>
-              </a:rPr>
-              <a:t>  </a:t>
-            </a:r>
-            <a:r>
-              <a:rPr lang="en-US" dirty="0">
-                <a:solidFill>
-                  <a:srgbClr val="FF0000"/>
-                </a:solidFill>
-                <a:latin typeface="Calibri"/>
-                <a:ea typeface="Calibri"/>
-                <a:cs typeface="Calibri"/>
-                <a:sym typeface="Calibri"/>
-              </a:rPr>
-              <a:t>DROP TABLE IF EXISTS temporal;</a:t>
-            </a:r>
-            <a:endParaRPr lang="en-US" dirty="0"/>
-          </a:p>
-          <a:p>
-            <a:r>
-              <a:rPr lang="en-US" dirty="0">
-                <a:solidFill>
-                  <a:srgbClr val="FF0000"/>
-                </a:solidFill>
-                <a:latin typeface="Calibri"/>
-                <a:ea typeface="Calibri"/>
-                <a:cs typeface="Calibri"/>
-                <a:sym typeface="Calibri"/>
-              </a:rPr>
-              <a:t>  CREATE TABLE temporal ( </a:t>
-            </a:r>
-            <a:r>
-              <a:rPr lang="en-US" dirty="0" err="1">
-                <a:solidFill>
-                  <a:srgbClr val="FF0000"/>
-                </a:solidFill>
-                <a:latin typeface="Calibri"/>
-                <a:ea typeface="Calibri"/>
-                <a:cs typeface="Calibri"/>
-                <a:sym typeface="Calibri"/>
-              </a:rPr>
-              <a:t>nombre</a:t>
-            </a:r>
-            <a:r>
-              <a:rPr lang="en-US" dirty="0">
-                <a:solidFill>
-                  <a:srgbClr val="FF0000"/>
-                </a:solidFill>
-                <a:latin typeface="Calibri"/>
-                <a:ea typeface="Calibri"/>
-                <a:cs typeface="Calibri"/>
-                <a:sym typeface="Calibri"/>
-              </a:rPr>
-              <a:t> VARCHAR(25), </a:t>
-            </a:r>
-            <a:r>
-              <a:rPr lang="en-US" dirty="0" err="1">
-                <a:solidFill>
-                  <a:srgbClr val="FF0000"/>
-                </a:solidFill>
-                <a:latin typeface="Calibri"/>
-                <a:ea typeface="Calibri"/>
-                <a:cs typeface="Calibri"/>
-                <a:sym typeface="Calibri"/>
-              </a:rPr>
-              <a:t>apellidos</a:t>
-            </a:r>
-            <a:r>
-              <a:rPr lang="en-US" dirty="0">
-                <a:solidFill>
-                  <a:srgbClr val="FF0000"/>
-                </a:solidFill>
-                <a:latin typeface="Calibri"/>
-                <a:ea typeface="Calibri"/>
-                <a:cs typeface="Calibri"/>
-                <a:sym typeface="Calibri"/>
-              </a:rPr>
-              <a:t> VARCHAR(40));</a:t>
-            </a:r>
-            <a:endParaRPr lang="en-US" dirty="0"/>
-          </a:p>
-          <a:p>
-            <a:r>
-              <a:rPr lang="en-US" dirty="0">
-                <a:solidFill>
-                  <a:schemeClr val="dk1"/>
-                </a:solidFill>
-                <a:latin typeface="Calibri"/>
-                <a:ea typeface="Calibri"/>
-                <a:cs typeface="Calibri"/>
-                <a:sym typeface="Calibri"/>
-              </a:rPr>
-              <a:t> REPEAT</a:t>
-            </a:r>
-          </a:p>
-          <a:p>
-            <a:r>
-              <a:rPr lang="en-US" dirty="0">
-                <a:solidFill>
-                  <a:schemeClr val="dk1"/>
-                </a:solidFill>
-                <a:latin typeface="Calibri"/>
-                <a:ea typeface="Calibri"/>
-                <a:cs typeface="Calibri"/>
-                <a:sym typeface="Calibri"/>
-              </a:rPr>
-              <a:t>	SELECT </a:t>
-            </a:r>
-            <a:r>
-              <a:rPr lang="en-US" dirty="0" err="1">
-                <a:solidFill>
-                  <a:schemeClr val="dk1"/>
-                </a:solidFill>
-                <a:latin typeface="Calibri"/>
-                <a:ea typeface="Calibri"/>
-                <a:cs typeface="Calibri"/>
-                <a:sym typeface="Calibri"/>
-              </a:rPr>
-              <a:t>nombre</a:t>
-            </a:r>
-            <a:r>
-              <a:rPr lang="en-US" dirty="0">
-                <a:solidFill>
-                  <a:schemeClr val="dk1"/>
-                </a:solidFill>
-                <a:latin typeface="Calibri"/>
-                <a:ea typeface="Calibri"/>
-                <a:cs typeface="Calibri"/>
-                <a:sym typeface="Calibri"/>
-              </a:rPr>
-              <a:t>, </a:t>
-            </a:r>
-            <a:r>
-              <a:rPr lang="en-US" dirty="0" err="1">
-                <a:solidFill>
-                  <a:schemeClr val="dk1"/>
-                </a:solidFill>
-                <a:latin typeface="Calibri"/>
-                <a:ea typeface="Calibri"/>
-                <a:cs typeface="Calibri"/>
-                <a:sym typeface="Calibri"/>
-              </a:rPr>
-              <a:t>apellidos</a:t>
-            </a:r>
-            <a:r>
-              <a:rPr lang="en-US" dirty="0">
-                <a:solidFill>
-                  <a:schemeClr val="dk1"/>
-                </a:solidFill>
-                <a:latin typeface="Calibri"/>
-                <a:ea typeface="Calibri"/>
-                <a:cs typeface="Calibri"/>
-                <a:sym typeface="Calibri"/>
-              </a:rPr>
-              <a:t> INTO </a:t>
-            </a:r>
-            <a:r>
-              <a:rPr lang="en-US" dirty="0" err="1">
-                <a:solidFill>
-                  <a:schemeClr val="dk1"/>
-                </a:solidFill>
-                <a:latin typeface="Calibri"/>
-                <a:ea typeface="Calibri"/>
-                <a:cs typeface="Calibri"/>
-                <a:sym typeface="Calibri"/>
-              </a:rPr>
-              <a:t>nom,ape</a:t>
-            </a:r>
-            <a:r>
-              <a:rPr lang="en-US" dirty="0">
-                <a:solidFill>
-                  <a:schemeClr val="dk1"/>
-                </a:solidFill>
-                <a:latin typeface="Calibri"/>
-                <a:ea typeface="Calibri"/>
-                <a:cs typeface="Calibri"/>
-                <a:sym typeface="Calibri"/>
-              </a:rPr>
-              <a:t> FROM </a:t>
-            </a:r>
-            <a:r>
-              <a:rPr lang="en-US" dirty="0" err="1">
-                <a:solidFill>
-                  <a:schemeClr val="dk1"/>
-                </a:solidFill>
-                <a:latin typeface="Calibri"/>
-                <a:ea typeface="Calibri"/>
-                <a:cs typeface="Calibri"/>
-                <a:sym typeface="Calibri"/>
-              </a:rPr>
-              <a:t>clientes</a:t>
-            </a:r>
-            <a:r>
-              <a:rPr lang="en-US" dirty="0">
-                <a:solidFill>
-                  <a:schemeClr val="dk1"/>
-                </a:solidFill>
-                <a:latin typeface="Calibri"/>
-                <a:ea typeface="Calibri"/>
-                <a:cs typeface="Calibri"/>
-                <a:sym typeface="Calibri"/>
-              </a:rPr>
-              <a:t> ORDER BY rand() LIMIT 1;</a:t>
-            </a:r>
-          </a:p>
-          <a:p>
-            <a:r>
-              <a:rPr lang="en-US" dirty="0">
-                <a:solidFill>
-                  <a:schemeClr val="dk1"/>
-                </a:solidFill>
-                <a:latin typeface="Calibri"/>
-                <a:ea typeface="Calibri"/>
-                <a:cs typeface="Calibri"/>
-                <a:sym typeface="Calibri"/>
-              </a:rPr>
-              <a:t>    	SELECT count(*) INTO c FROM temporal WHERE </a:t>
-            </a:r>
-            <a:r>
-              <a:rPr lang="en-US" dirty="0" err="1">
-                <a:solidFill>
-                  <a:schemeClr val="dk1"/>
-                </a:solidFill>
-                <a:latin typeface="Calibri"/>
-                <a:ea typeface="Calibri"/>
-                <a:cs typeface="Calibri"/>
-                <a:sym typeface="Calibri"/>
-              </a:rPr>
-              <a:t>nombre</a:t>
-            </a:r>
-            <a:r>
-              <a:rPr lang="en-US" dirty="0">
-                <a:solidFill>
-                  <a:schemeClr val="dk1"/>
-                </a:solidFill>
-                <a:latin typeface="Calibri"/>
-                <a:ea typeface="Calibri"/>
-                <a:cs typeface="Calibri"/>
-                <a:sym typeface="Calibri"/>
-              </a:rPr>
-              <a:t>=nom AND </a:t>
-            </a:r>
-            <a:r>
-              <a:rPr lang="en-US" dirty="0" err="1">
-                <a:solidFill>
-                  <a:schemeClr val="dk1"/>
-                </a:solidFill>
-                <a:latin typeface="Calibri"/>
-                <a:ea typeface="Calibri"/>
-                <a:cs typeface="Calibri"/>
-                <a:sym typeface="Calibri"/>
-              </a:rPr>
-              <a:t>apellidos</a:t>
-            </a:r>
-            <a:r>
-              <a:rPr lang="en-US" dirty="0">
-                <a:solidFill>
-                  <a:schemeClr val="dk1"/>
-                </a:solidFill>
-                <a:latin typeface="Calibri"/>
-                <a:ea typeface="Calibri"/>
-                <a:cs typeface="Calibri"/>
-                <a:sym typeface="Calibri"/>
-              </a:rPr>
-              <a:t>=ape;</a:t>
-            </a:r>
-            <a:endParaRPr lang="en-US" dirty="0"/>
-          </a:p>
-          <a:p>
-            <a:r>
-              <a:rPr lang="en-US" dirty="0">
-                <a:solidFill>
-                  <a:schemeClr val="dk1"/>
-                </a:solidFill>
-                <a:latin typeface="Calibri"/>
-                <a:ea typeface="Calibri"/>
-                <a:cs typeface="Calibri"/>
-                <a:sym typeface="Calibri"/>
-              </a:rPr>
-              <a:t>    	IF c=0 THEN</a:t>
-            </a:r>
-            <a:endParaRPr lang="en-US" dirty="0"/>
-          </a:p>
-          <a:p>
-            <a:r>
-              <a:rPr lang="en-US" dirty="0">
-                <a:solidFill>
-                  <a:schemeClr val="dk1"/>
-                </a:solidFill>
-                <a:latin typeface="Calibri"/>
-                <a:ea typeface="Calibri"/>
-                <a:cs typeface="Calibri"/>
-                <a:sym typeface="Calibri"/>
-              </a:rPr>
-              <a:t>        		SET n=n+1;</a:t>
-            </a:r>
-            <a:endParaRPr lang="en-US" dirty="0"/>
-          </a:p>
-          <a:p>
-            <a:r>
-              <a:rPr lang="en-US" dirty="0">
-                <a:solidFill>
-                  <a:schemeClr val="dk1"/>
-                </a:solidFill>
-                <a:latin typeface="Calibri"/>
-                <a:ea typeface="Calibri"/>
-                <a:cs typeface="Calibri"/>
-                <a:sym typeface="Calibri"/>
-              </a:rPr>
-              <a:t>        		INSERT INTO temporal VALUES (</a:t>
-            </a:r>
-            <a:r>
-              <a:rPr lang="en-US" dirty="0" err="1">
-                <a:solidFill>
-                  <a:schemeClr val="dk1"/>
-                </a:solidFill>
-                <a:latin typeface="Calibri"/>
-                <a:ea typeface="Calibri"/>
-                <a:cs typeface="Calibri"/>
-                <a:sym typeface="Calibri"/>
-              </a:rPr>
-              <a:t>nom,ape</a:t>
-            </a:r>
-            <a:r>
-              <a:rPr lang="en-US" dirty="0">
-                <a:solidFill>
-                  <a:schemeClr val="dk1"/>
-                </a:solidFill>
-                <a:latin typeface="Calibri"/>
-                <a:ea typeface="Calibri"/>
-                <a:cs typeface="Calibri"/>
-                <a:sym typeface="Calibri"/>
-              </a:rPr>
-              <a:t>);</a:t>
-            </a:r>
-            <a:endParaRPr lang="en-US" dirty="0"/>
-          </a:p>
-          <a:p>
-            <a:r>
-              <a:rPr lang="en-US" dirty="0">
-                <a:solidFill>
-                  <a:schemeClr val="dk1"/>
-                </a:solidFill>
-                <a:latin typeface="Calibri"/>
-                <a:ea typeface="Calibri"/>
-                <a:cs typeface="Calibri"/>
-                <a:sym typeface="Calibri"/>
-              </a:rPr>
-              <a:t>    	END IF;</a:t>
-            </a:r>
-            <a:endParaRPr lang="en-US" dirty="0"/>
-          </a:p>
-          <a:p>
-            <a:r>
-              <a:rPr lang="en-US" dirty="0">
-                <a:solidFill>
-                  <a:schemeClr val="dk1"/>
-                </a:solidFill>
-                <a:latin typeface="Calibri"/>
-                <a:ea typeface="Calibri"/>
-                <a:cs typeface="Calibri"/>
-                <a:sym typeface="Calibri"/>
-              </a:rPr>
-              <a:t>  UNTIL n=10 END REPEAT;</a:t>
-            </a:r>
-            <a:endParaRPr lang="en-US" dirty="0"/>
-          </a:p>
-          <a:p>
-            <a:r>
-              <a:rPr lang="en-US" dirty="0">
-                <a:solidFill>
-                  <a:schemeClr val="dk1"/>
-                </a:solidFill>
-                <a:latin typeface="Calibri"/>
-                <a:ea typeface="Calibri"/>
-                <a:cs typeface="Calibri"/>
-                <a:sym typeface="Calibri"/>
-              </a:rPr>
-              <a:t> END</a:t>
-            </a:r>
-            <a:endParaRPr lang="es-ES" sz="1200" dirty="0">
-              <a:solidFill>
-                <a:schemeClr val="dk1"/>
-              </a:solidFill>
-              <a:latin typeface="Calibri"/>
-              <a:ea typeface="Calibri"/>
-              <a:cs typeface="Calibri"/>
-              <a:sym typeface="Calibri"/>
-            </a:endParaRPr>
-          </a:p>
-        </p:txBody>
-      </p:sp>
-      <p:sp>
-        <p:nvSpPr>
-          <p:cNvPr id="6" name="Marcador de contenido 2">
-            <a:extLst>
-              <a:ext uri="{FF2B5EF4-FFF2-40B4-BE49-F238E27FC236}">
-                <a16:creationId xmlns:a16="http://schemas.microsoft.com/office/drawing/2014/main" id="{F055FD31-77FB-07C3-2F4E-3A331FF33EEF}"/>
-              </a:ext>
-            </a:extLst>
-          </p:cNvPr>
-          <p:cNvSpPr txBox="1">
-            <a:spLocks/>
-          </p:cNvSpPr>
-          <p:nvPr/>
-        </p:nvSpPr>
-        <p:spPr>
-          <a:xfrm>
-            <a:off x="784485" y="1420555"/>
-            <a:ext cx="1786650" cy="559324"/>
-          </a:xfrm>
-          <a:prstGeom prst="rect">
-            <a:avLst/>
-          </a:prstGeom>
-        </p:spPr>
-        <p:txBody>
-          <a:bodyPr vert="horz" lIns="91440" tIns="45720" rIns="91440" bIns="45720" rtlCol="0">
-            <a:normAutofit/>
-          </a:bodyPr>
-          <a:lstStyle>
-            <a:lvl1pPr marL="228600" indent="-228600" algn="l" defTabSz="914400" rtl="0" eaLnBrk="1" latinLnBrk="0" hangingPunct="1">
-              <a:lnSpc>
-                <a:spcPct val="110000"/>
-              </a:lnSpc>
-              <a:spcBef>
-                <a:spcPts val="1000"/>
-              </a:spcBef>
-              <a:buClr>
-                <a:schemeClr val="tx2">
-                  <a:lumMod val="50000"/>
-                  <a:lumOff val="50000"/>
-                </a:schemeClr>
-              </a:buClr>
-              <a:buSzPct val="75000"/>
-              <a:buFont typeface="Wingdings" panose="05000000000000000000" pitchFamily="2" charset="2"/>
-              <a:buChar char="§"/>
-              <a:defRPr sz="2000" kern="1200">
-                <a:solidFill>
-                  <a:schemeClr val="tx2"/>
-                </a:solidFill>
-                <a:latin typeface="+mn-lt"/>
-                <a:ea typeface="+mn-ea"/>
-                <a:cs typeface="+mn-cs"/>
-              </a:defRPr>
-            </a:lvl1pPr>
-            <a:lvl2pPr marL="457200" indent="-228600" algn="l" defTabSz="914400" rtl="0" eaLnBrk="1" latinLnBrk="0" hangingPunct="1">
-              <a:lnSpc>
-                <a:spcPct val="110000"/>
-              </a:lnSpc>
-              <a:spcBef>
-                <a:spcPts val="500"/>
-              </a:spcBef>
-              <a:buClr>
-                <a:schemeClr val="tx2">
-                  <a:lumMod val="50000"/>
-                  <a:lumOff val="50000"/>
-                </a:schemeClr>
-              </a:buClr>
-              <a:buSzPct val="75000"/>
-              <a:buFont typeface="Wingdings" panose="05000000000000000000" pitchFamily="2" charset="2"/>
-              <a:buChar char="§"/>
-              <a:defRPr sz="1800" kern="1200">
-                <a:solidFill>
-                  <a:schemeClr val="tx2"/>
-                </a:solidFill>
-                <a:latin typeface="+mn-lt"/>
-                <a:ea typeface="+mn-ea"/>
-                <a:cs typeface="+mn-cs"/>
-              </a:defRPr>
-            </a:lvl2pPr>
-            <a:lvl3pPr marL="685800" indent="-228600" algn="l" defTabSz="914400" rtl="0" eaLnBrk="1" latinLnBrk="0" hangingPunct="1">
-              <a:lnSpc>
-                <a:spcPct val="110000"/>
-              </a:lnSpc>
-              <a:spcBef>
-                <a:spcPts val="500"/>
-              </a:spcBef>
-              <a:buClr>
-                <a:schemeClr val="tx2">
-                  <a:lumMod val="50000"/>
-                  <a:lumOff val="50000"/>
-                </a:schemeClr>
-              </a:buClr>
-              <a:buSzPct val="75000"/>
-              <a:buFont typeface="Wingdings" panose="05000000000000000000" pitchFamily="2" charset="2"/>
-              <a:buChar char="§"/>
-              <a:defRPr sz="1600" kern="1200">
-                <a:solidFill>
-                  <a:schemeClr val="tx2"/>
-                </a:solidFill>
-                <a:latin typeface="+mn-lt"/>
-                <a:ea typeface="+mn-ea"/>
-                <a:cs typeface="+mn-cs"/>
-              </a:defRPr>
-            </a:lvl3pPr>
-            <a:lvl4pPr marL="914400" indent="-228600" algn="l" defTabSz="914400" rtl="0" eaLnBrk="1" latinLnBrk="0" hangingPunct="1">
-              <a:lnSpc>
-                <a:spcPct val="110000"/>
-              </a:lnSpc>
-              <a:spcBef>
-                <a:spcPts val="500"/>
-              </a:spcBef>
-              <a:buClr>
-                <a:schemeClr val="tx2">
-                  <a:lumMod val="50000"/>
-                  <a:lumOff val="50000"/>
-                </a:schemeClr>
-              </a:buClr>
-              <a:buSzPct val="75000"/>
-              <a:buFont typeface="Wingdings" panose="05000000000000000000" pitchFamily="2" charset="2"/>
-              <a:buChar char="§"/>
-              <a:defRPr sz="1400" kern="1200">
-                <a:solidFill>
-                  <a:schemeClr val="tx2"/>
-                </a:solidFill>
-                <a:latin typeface="+mn-lt"/>
-                <a:ea typeface="+mn-ea"/>
-                <a:cs typeface="+mn-cs"/>
-              </a:defRPr>
-            </a:lvl4pPr>
-            <a:lvl5pPr marL="1143000" indent="-228600" algn="l" defTabSz="914400" rtl="0" eaLnBrk="1" latinLnBrk="0" hangingPunct="1">
-              <a:lnSpc>
-                <a:spcPct val="110000"/>
-              </a:lnSpc>
-              <a:spcBef>
-                <a:spcPts val="500"/>
-              </a:spcBef>
-              <a:buClr>
-                <a:schemeClr val="tx2">
-                  <a:lumMod val="50000"/>
-                  <a:lumOff val="50000"/>
-                </a:schemeClr>
-              </a:buClr>
-              <a:buSzPct val="75000"/>
-              <a:buFont typeface="Wingdings" panose="05000000000000000000" pitchFamily="2" charset="2"/>
-              <a:buChar char="§"/>
-              <a:defRPr sz="1400" kern="1200">
-                <a:solidFill>
-                  <a:schemeClr val="tx2"/>
-                </a:solidFill>
-                <a:latin typeface="+mn-lt"/>
-                <a:ea typeface="+mn-ea"/>
-                <a:cs typeface="+mn-cs"/>
-              </a:defRPr>
-            </a:lvl5pPr>
-            <a:lvl6pPr marL="2514600" indent="-228600" algn="l" defTabSz="914400" rtl="0" eaLnBrk="1" latinLnBrk="0" hangingPunct="1">
-              <a:lnSpc>
-                <a:spcPct val="90000"/>
-              </a:lnSpc>
-              <a:spcBef>
-                <a:spcPts val="500"/>
-              </a:spcBef>
-              <a:buFont typeface="Arial" panose="020B0604020202020204" pitchFamily="34" charset="0"/>
-              <a:buChar char="•"/>
-              <a:defRPr sz="1800" kern="1200">
-                <a:solidFill>
-                  <a:schemeClr val="tx1"/>
-                </a:solidFill>
-                <a:latin typeface="+mn-lt"/>
-                <a:ea typeface="+mn-ea"/>
-                <a:cs typeface="+mn-cs"/>
-              </a:defRPr>
-            </a:lvl6pPr>
-            <a:lvl7pPr marL="2971800" indent="-228600" algn="l" defTabSz="914400" rtl="0" eaLnBrk="1" latinLnBrk="0" hangingPunct="1">
-              <a:lnSpc>
-                <a:spcPct val="90000"/>
-              </a:lnSpc>
-              <a:spcBef>
-                <a:spcPts val="500"/>
-              </a:spcBef>
-              <a:buFont typeface="Arial" panose="020B0604020202020204" pitchFamily="34" charset="0"/>
-              <a:buChar char="•"/>
-              <a:defRPr sz="1800" kern="1200">
-                <a:solidFill>
-                  <a:schemeClr val="tx1"/>
-                </a:solidFill>
-                <a:latin typeface="+mn-lt"/>
-                <a:ea typeface="+mn-ea"/>
-                <a:cs typeface="+mn-cs"/>
-              </a:defRPr>
-            </a:lvl7pPr>
-            <a:lvl8pPr marL="3429000" indent="-228600" algn="l" defTabSz="914400" rtl="0" eaLnBrk="1" latinLnBrk="0" hangingPunct="1">
-              <a:lnSpc>
-                <a:spcPct val="90000"/>
-              </a:lnSpc>
-              <a:spcBef>
-                <a:spcPts val="500"/>
-              </a:spcBef>
-              <a:buFont typeface="Arial" panose="020B0604020202020204" pitchFamily="34" charset="0"/>
-              <a:buChar char="•"/>
-              <a:defRPr sz="1800" kern="1200">
-                <a:solidFill>
-                  <a:schemeClr val="tx1"/>
-                </a:solidFill>
-                <a:latin typeface="+mn-lt"/>
-                <a:ea typeface="+mn-ea"/>
-                <a:cs typeface="+mn-cs"/>
-              </a:defRPr>
-            </a:lvl8pPr>
-            <a:lvl9pPr marL="3886200" indent="-228600" algn="l" defTabSz="914400" rtl="0" eaLnBrk="1" latinLnBrk="0" hangingPunct="1">
-              <a:lnSpc>
-                <a:spcPct val="90000"/>
-              </a:lnSpc>
-              <a:spcBef>
-                <a:spcPts val="500"/>
-              </a:spcBef>
-              <a:buFont typeface="Arial" panose="020B0604020202020204" pitchFamily="34" charset="0"/>
-              <a:buChar char="•"/>
-              <a:defRPr sz="1800" kern="1200">
-                <a:solidFill>
-                  <a:schemeClr val="tx1"/>
-                </a:solidFill>
-                <a:latin typeface="+mn-lt"/>
-                <a:ea typeface="+mn-ea"/>
-                <a:cs typeface="+mn-cs"/>
-              </a:defRPr>
-            </a:lvl9pPr>
-          </a:lstStyle>
-          <a:p>
-            <a:r>
-              <a:rPr lang="es-ES" dirty="0"/>
-              <a:t>Ejemplo 11:</a:t>
-            </a:r>
-          </a:p>
-        </p:txBody>
-      </p:sp>
-    </p:spTree>
-    <p:extLst>
-      <p:ext uri="{BB962C8B-B14F-4D97-AF65-F5344CB8AC3E}">
-        <p14:creationId xmlns:p14="http://schemas.microsoft.com/office/powerpoint/2010/main" val="604235270"/>
-      </p:ext>
-    </p:extLst>
-  </p:cSld>
-  <p:clrMapOvr>
-    <a:masterClrMapping/>
-  </p:clrMapOvr>
-</p:sld>
-</file>
-
-<file path=ppt/slides/slide11.xml><?xml version="1.0" encoding="utf-8"?>
-<p:sld xmlns:a="http://schemas.openxmlformats.org/drawingml/2006/main" xmlns:r="http://schemas.openxmlformats.org/officeDocument/2006/relationships" xmlns:p="http://schemas.openxmlformats.org/presentationml/2006/main">
-  <p:cSld>
-    <p:spTree>
-      <p:nvGrpSpPr>
-        <p:cNvPr id="1" name=""/>
-        <p:cNvGrpSpPr/>
-        <p:nvPr/>
-      </p:nvGrpSpPr>
-      <p:grpSpPr>
-        <a:xfrm>
-          <a:off x="0" y="0"/>
-          <a:ext cx="0" cy="0"/>
-          <a:chOff x="0" y="0"/>
-          <a:chExt cx="0" cy="0"/>
-        </a:xfrm>
-      </p:grpSpPr>
-      <p:sp>
-        <p:nvSpPr>
-          <p:cNvPr id="2" name="Título 1">
-            <a:extLst>
-              <a:ext uri="{FF2B5EF4-FFF2-40B4-BE49-F238E27FC236}">
-                <a16:creationId xmlns:a16="http://schemas.microsoft.com/office/drawing/2014/main" id="{CFD82EBC-C182-359B-EC13-75F87D5FAB0D}"/>
-              </a:ext>
-            </a:extLst>
-          </p:cNvPr>
-          <p:cNvSpPr>
-            <a:spLocks noGrp="1"/>
-          </p:cNvSpPr>
-          <p:nvPr>
-            <p:ph type="title"/>
-          </p:nvPr>
-        </p:nvSpPr>
-        <p:spPr/>
-        <p:txBody>
-          <a:bodyPr>
-            <a:noAutofit/>
-          </a:bodyPr>
-          <a:lstStyle/>
-          <a:p>
-            <a:r>
-              <a:rPr lang="es-ES" sz="3600" b="1" dirty="0">
-                <a:latin typeface="Arial"/>
-                <a:ea typeface="Arial"/>
-                <a:cs typeface="Arial"/>
-                <a:sym typeface="Arial"/>
-              </a:rPr>
-              <a:t>3.- Desarrollo de procedimientos almacenados</a:t>
-            </a:r>
-            <a:endParaRPr lang="es-ES" sz="3600" dirty="0"/>
-          </a:p>
-        </p:txBody>
-      </p:sp>
-      <p:sp>
-        <p:nvSpPr>
-          <p:cNvPr id="3" name="Marcador de contenido 2">
-            <a:extLst>
-              <a:ext uri="{FF2B5EF4-FFF2-40B4-BE49-F238E27FC236}">
-                <a16:creationId xmlns:a16="http://schemas.microsoft.com/office/drawing/2014/main" id="{30182A45-6C59-2D2F-28B9-B60D77762E2F}"/>
-              </a:ext>
-            </a:extLst>
-          </p:cNvPr>
-          <p:cNvSpPr>
-            <a:spLocks noGrp="1"/>
-          </p:cNvSpPr>
-          <p:nvPr>
-            <p:ph idx="1"/>
-          </p:nvPr>
-        </p:nvSpPr>
-        <p:spPr>
-          <a:xfrm>
-            <a:off x="691080" y="1574276"/>
-            <a:ext cx="10215044" cy="4330291"/>
-          </a:xfrm>
-        </p:spPr>
-        <p:txBody>
-          <a:bodyPr>
-            <a:normAutofit/>
-          </a:bodyPr>
-          <a:lstStyle/>
-          <a:p>
-            <a:r>
-              <a:rPr lang="es-ES" sz="2400" u="sng" dirty="0">
-                <a:solidFill>
-                  <a:schemeClr val="dk1"/>
-                </a:solidFill>
-                <a:latin typeface="Calibri"/>
-                <a:ea typeface="Calibri"/>
-                <a:cs typeface="Calibri"/>
-                <a:sym typeface="Calibri"/>
-              </a:rPr>
-              <a:t>Bucle </a:t>
-            </a:r>
-            <a:r>
-              <a:rPr lang="es-ES" sz="2400" u="sng" dirty="0" err="1">
-                <a:solidFill>
-                  <a:schemeClr val="dk1"/>
-                </a:solidFill>
-                <a:latin typeface="Calibri"/>
-                <a:ea typeface="Calibri"/>
-                <a:cs typeface="Calibri"/>
-                <a:sym typeface="Calibri"/>
-              </a:rPr>
-              <a:t>While</a:t>
-            </a:r>
-            <a:endParaRPr lang="es-ES" dirty="0"/>
-          </a:p>
-          <a:p>
-            <a:pPr algn="just"/>
-            <a:r>
-              <a:rPr lang="es-ES" dirty="0">
-                <a:solidFill>
-                  <a:schemeClr val="dk1"/>
-                </a:solidFill>
-                <a:latin typeface="Calibri"/>
-                <a:ea typeface="Calibri"/>
-                <a:cs typeface="Calibri"/>
-                <a:sym typeface="Calibri"/>
-              </a:rPr>
-              <a:t>En este bucle, se evalúa inicialmente una condición y, si esta se cumple, se ejecutan las instrucciones que hay dentro del bucle. </a:t>
-            </a:r>
-          </a:p>
-          <a:p>
-            <a:pPr algn="just"/>
-            <a:r>
-              <a:rPr lang="es-ES" dirty="0">
-                <a:solidFill>
-                  <a:schemeClr val="dk1"/>
-                </a:solidFill>
-                <a:latin typeface="Calibri"/>
-                <a:ea typeface="Calibri"/>
-                <a:cs typeface="Calibri"/>
-                <a:sym typeface="Calibri"/>
-              </a:rPr>
-              <a:t>Cuando se llega al final del bucle </a:t>
-            </a:r>
-            <a:r>
-              <a:rPr lang="es-ES" dirty="0" err="1">
-                <a:solidFill>
-                  <a:schemeClr val="dk1"/>
-                </a:solidFill>
-                <a:latin typeface="Calibri"/>
-                <a:ea typeface="Calibri"/>
-                <a:cs typeface="Calibri"/>
-                <a:sym typeface="Calibri"/>
-              </a:rPr>
-              <a:t>while</a:t>
-            </a:r>
-            <a:r>
-              <a:rPr lang="es-ES" dirty="0">
-                <a:solidFill>
-                  <a:schemeClr val="dk1"/>
-                </a:solidFill>
-                <a:latin typeface="Calibri"/>
-                <a:ea typeface="Calibri"/>
-                <a:cs typeface="Calibri"/>
-                <a:sym typeface="Calibri"/>
-              </a:rPr>
-              <a:t> (END WHILE) se vuelve al principio del bucle para evaluar la condición del WHILE, repitiéndose el proceso anterior si la condición se cumple. </a:t>
-            </a:r>
-            <a:endParaRPr lang="es-ES" dirty="0"/>
-          </a:p>
-          <a:p>
-            <a:pPr algn="just"/>
-            <a:r>
-              <a:rPr lang="es-ES" dirty="0">
-                <a:solidFill>
-                  <a:schemeClr val="dk1"/>
-                </a:solidFill>
-                <a:latin typeface="Calibri"/>
-                <a:ea typeface="Calibri"/>
-                <a:cs typeface="Calibri"/>
-                <a:sym typeface="Calibri"/>
-              </a:rPr>
-              <a:t>Cuando la condición del WHILE no se cumpla, se produce la salida del bucle.</a:t>
-            </a:r>
-            <a:endParaRPr lang="es-ES" dirty="0"/>
-          </a:p>
-          <a:p>
-            <a:pPr algn="just"/>
-            <a:r>
-              <a:rPr lang="es-ES" dirty="0">
-                <a:solidFill>
-                  <a:schemeClr val="dk1"/>
-                </a:solidFill>
-                <a:latin typeface="Calibri"/>
-                <a:ea typeface="Calibri"/>
-                <a:cs typeface="Calibri"/>
-                <a:sym typeface="Calibri"/>
-              </a:rPr>
-              <a:t> La sintaxis de WHILE es:</a:t>
-            </a:r>
-            <a:endParaRPr lang="es-ES" dirty="0"/>
-          </a:p>
-          <a:p>
-            <a:endParaRPr lang="es-ES" dirty="0"/>
-          </a:p>
-        </p:txBody>
-      </p:sp>
-      <p:sp>
-        <p:nvSpPr>
-          <p:cNvPr id="6" name="CuadroTexto 5">
-            <a:extLst>
-              <a:ext uri="{FF2B5EF4-FFF2-40B4-BE49-F238E27FC236}">
-                <a16:creationId xmlns:a16="http://schemas.microsoft.com/office/drawing/2014/main" id="{10D147B5-7014-AB3D-74ED-F20C84CD1C41}"/>
-              </a:ext>
-            </a:extLst>
-          </p:cNvPr>
-          <p:cNvSpPr txBox="1"/>
-          <p:nvPr/>
-        </p:nvSpPr>
-        <p:spPr>
-          <a:xfrm>
-            <a:off x="5476874" y="4586018"/>
-            <a:ext cx="4200525" cy="954107"/>
-          </a:xfrm>
-          <a:prstGeom prst="rect">
-            <a:avLst/>
-          </a:prstGeom>
-          <a:noFill/>
-          <a:ln>
-            <a:solidFill>
-              <a:schemeClr val="accent1"/>
-            </a:solidFill>
-          </a:ln>
-        </p:spPr>
-        <p:txBody>
-          <a:bodyPr wrap="square">
-            <a:spAutoFit/>
-          </a:bodyPr>
-          <a:lstStyle/>
-          <a:p>
-            <a:pPr algn="just"/>
-            <a:r>
-              <a:rPr lang="en-US" sz="1800" b="1" dirty="0">
-                <a:solidFill>
-                  <a:schemeClr val="dk1"/>
-                </a:solidFill>
-                <a:latin typeface="Calibri"/>
-                <a:ea typeface="Calibri"/>
-                <a:cs typeface="Calibri"/>
-                <a:sym typeface="Calibri"/>
-              </a:rPr>
-              <a:t>WHILE </a:t>
-            </a:r>
-            <a:r>
-              <a:rPr lang="en-US" sz="1800" b="1" i="1" dirty="0" err="1">
-                <a:solidFill>
-                  <a:schemeClr val="dk1"/>
-                </a:solidFill>
-                <a:latin typeface="Calibri"/>
-                <a:ea typeface="Calibri"/>
-                <a:cs typeface="Calibri"/>
-                <a:sym typeface="Calibri"/>
-              </a:rPr>
-              <a:t>condicion</a:t>
-            </a:r>
-            <a:r>
-              <a:rPr lang="en-US" sz="1800" b="1" dirty="0">
-                <a:solidFill>
-                  <a:schemeClr val="dk1"/>
-                </a:solidFill>
-                <a:latin typeface="Calibri"/>
-                <a:ea typeface="Calibri"/>
-                <a:cs typeface="Calibri"/>
-                <a:sym typeface="Calibri"/>
-              </a:rPr>
-              <a:t> DO</a:t>
-            </a:r>
-            <a:endParaRPr lang="en-US" dirty="0"/>
-          </a:p>
-          <a:p>
-            <a:pPr algn="just"/>
-            <a:r>
-              <a:rPr lang="en-US" sz="1800" b="1" dirty="0">
-                <a:solidFill>
-                  <a:schemeClr val="dk1"/>
-                </a:solidFill>
-                <a:latin typeface="Calibri"/>
-                <a:ea typeface="Calibri"/>
-                <a:cs typeface="Calibri"/>
-                <a:sym typeface="Calibri"/>
-              </a:rPr>
-              <a:t>    </a:t>
-            </a:r>
-            <a:r>
-              <a:rPr lang="en-US" sz="1800" b="1" i="1" dirty="0" err="1">
-                <a:solidFill>
-                  <a:schemeClr val="dk1"/>
-                </a:solidFill>
-                <a:latin typeface="Calibri"/>
-                <a:ea typeface="Calibri"/>
-                <a:cs typeface="Calibri"/>
-                <a:sym typeface="Calibri"/>
-              </a:rPr>
-              <a:t>instrucciones</a:t>
-            </a:r>
-            <a:endParaRPr lang="en-US" dirty="0"/>
-          </a:p>
-          <a:p>
-            <a:pPr algn="just"/>
-            <a:r>
-              <a:rPr lang="en-US" sz="1800" b="1" dirty="0">
-                <a:solidFill>
-                  <a:schemeClr val="dk1"/>
-                </a:solidFill>
-                <a:latin typeface="Calibri"/>
-                <a:ea typeface="Calibri"/>
-                <a:cs typeface="Calibri"/>
-                <a:sym typeface="Calibri"/>
-              </a:rPr>
-              <a:t>END WHILE;</a:t>
-            </a:r>
-            <a:r>
-              <a:rPr lang="es-ES" sz="2000" b="1" dirty="0">
-                <a:solidFill>
-                  <a:schemeClr val="dk1"/>
-                </a:solidFill>
-                <a:latin typeface="Calibri"/>
-                <a:ea typeface="Calibri"/>
-                <a:cs typeface="Calibri"/>
-                <a:sym typeface="Calibri"/>
-              </a:rPr>
-              <a:t>	</a:t>
-            </a:r>
-            <a:endParaRPr lang="es-ES" dirty="0"/>
-          </a:p>
-        </p:txBody>
-      </p:sp>
-    </p:spTree>
-    <p:extLst>
-      <p:ext uri="{BB962C8B-B14F-4D97-AF65-F5344CB8AC3E}">
-        <p14:creationId xmlns:p14="http://schemas.microsoft.com/office/powerpoint/2010/main" val="3211271813"/>
-      </p:ext>
-    </p:extLst>
-  </p:cSld>
-  <p:clrMapOvr>
-    <a:masterClrMapping/>
-  </p:clrMapOvr>
-</p:sld>
-</file>
-
-<file path=ppt/slides/slide12.xml><?xml version="1.0" encoding="utf-8"?>
-<p:sld xmlns:a="http://schemas.openxmlformats.org/drawingml/2006/main" xmlns:r="http://schemas.openxmlformats.org/officeDocument/2006/relationships" xmlns:p="http://schemas.openxmlformats.org/presentationml/2006/main">
-  <p:cSld>
-    <p:spTree>
-      <p:nvGrpSpPr>
-        <p:cNvPr id="1" name=""/>
-        <p:cNvGrpSpPr/>
-        <p:nvPr/>
-      </p:nvGrpSpPr>
-      <p:grpSpPr>
-        <a:xfrm>
-          <a:off x="0" y="0"/>
-          <a:ext cx="0" cy="0"/>
-          <a:chOff x="0" y="0"/>
-          <a:chExt cx="0" cy="0"/>
-        </a:xfrm>
-      </p:grpSpPr>
-      <p:sp>
-        <p:nvSpPr>
-          <p:cNvPr id="2" name="Título 1">
-            <a:extLst>
-              <a:ext uri="{FF2B5EF4-FFF2-40B4-BE49-F238E27FC236}">
                 <a16:creationId xmlns:a16="http://schemas.microsoft.com/office/drawing/2014/main" id="{49F3053A-A964-FCDC-C3BB-66E5818F506F}"/>
               </a:ext>
             </a:extLst>
@@ -17655,7 +16484,12 @@
             <p:ph idx="1"/>
           </p:nvPr>
         </p:nvSpPr>
-        <p:spPr/>
+        <p:spPr>
+          <a:xfrm>
+            <a:off x="691079" y="1574276"/>
+            <a:ext cx="10325000" cy="772119"/>
+          </a:xfrm>
+        </p:spPr>
         <p:txBody>
           <a:bodyPr/>
           <a:lstStyle/>
@@ -17671,7 +16505,31 @@
                 <a:cs typeface="Calibri"/>
                 <a:sym typeface="Calibri"/>
               </a:rPr>
-              <a:t>Ejemplo 12: </a:t>
+              <a:t>Ejemplo 8 </a:t>
+            </a:r>
+            <a:r>
+              <a:rPr lang="es-ES" b="1" i="1" dirty="0" err="1">
+                <a:solidFill>
+                  <a:schemeClr val="dk1"/>
+                </a:solidFill>
+                <a:latin typeface="Calibri"/>
+                <a:ea typeface="Calibri"/>
+                <a:cs typeface="Calibri"/>
+                <a:sym typeface="Calibri"/>
+              </a:rPr>
+              <a:t>while</a:t>
+            </a:r>
+            <a:r>
+              <a:rPr lang="es-ES" b="1" i="1" dirty="0">
+                <a:solidFill>
+                  <a:schemeClr val="dk1"/>
+                </a:solidFill>
+                <a:latin typeface="Calibri"/>
+                <a:ea typeface="Calibri"/>
+                <a:cs typeface="Calibri"/>
+                <a:sym typeface="Calibri"/>
+              </a:rPr>
+              <a:t>: </a:t>
             </a:r>
             <a:r>
               <a:rPr lang="es-ES" dirty="0">
@@ -17683,35 +16541,11 @@
                 <a:cs typeface="Calibri"/>
                 <a:sym typeface="Calibri"/>
               </a:rPr>
-              <a:t>Realiza un procedimiento para obtener cuantos divisores tiene un número entero.</a:t>
+              <a:t>Realiza un procedimiento para insertar en una tabla números los números del 1 al 10. El procedimiento se hace en la base de datos prueba. Muestra la tabla al finalizar.</a:t>
             </a:r>
           </a:p>
           <a:p>
             <a:pPr algn="just"/>
-            <a:r>
-              <a:rPr lang="es-ES" sz="2000" b="1" i="1" dirty="0">
-                <a:solidFill>
-                  <a:schemeClr val="dk1"/>
-                </a:solidFill>
-                <a:latin typeface="Calibri"/>
-                <a:ea typeface="Calibri"/>
-                <a:cs typeface="Calibri"/>
-                <a:sym typeface="Calibri"/>
-              </a:rPr>
-              <a:t>Ejemplo 13: </a:t>
-            </a:r>
-            <a:r>
-              <a:rPr lang="es-ES" sz="2000" dirty="0">
-                <a:solidFill>
-                  <a:schemeClr val="dk1"/>
-                </a:solidFill>
-                <a:latin typeface="Calibri"/>
-                <a:ea typeface="Calibri"/>
-                <a:cs typeface="Calibri"/>
-                <a:sym typeface="Calibri"/>
-              </a:rPr>
-              <a:t>Realiza un procedimiento que crea una tabla en la base de datos ALQUILERES con los nombres y apellidos de tantas personas como se indique en un parámetro. Los nombres y apellidos se  obtendrán al azar barajando los nombres y apellidos de todos los usuarios de la tabla usuarios de la base de datos CONCURSOMUSICA.</a:t>
-            </a:r>
             <a:endParaRPr lang="es-ES" dirty="0">
               <a:solidFill>
                 <a:schemeClr val="dk1"/>
@@ -17723,8 +16557,413 @@
             </a:endParaRPr>
           </a:p>
           <a:p>
-            <a:pPr algn="just"/>
-            <a:endParaRPr lang="es-ES" dirty="0">
+            <a:endParaRPr lang="es-ES" sz="3200" dirty="0">
+              <a:solidFill>
+                <a:schemeClr val="dk1"/>
+              </a:solidFill>
+              <a:latin typeface="Arial"/>
+              <a:ea typeface="Arial"/>
+              <a:cs typeface="Arial"/>
+              <a:sym typeface="Arial"/>
+            </a:endParaRPr>
+          </a:p>
+          <a:p>
+            <a:endParaRPr lang="es-ES" dirty="0"/>
+          </a:p>
+        </p:txBody>
+      </p:sp>
+      <p:sp>
+        <p:nvSpPr>
+          <p:cNvPr id="4" name="CuadroTexto 3">
+            <a:extLst>
+              <a:ext uri="{FF2B5EF4-FFF2-40B4-BE49-F238E27FC236}">
+                <a16:creationId xmlns:a16="http://schemas.microsoft.com/office/drawing/2014/main" id="{4015700E-6A2D-F5D5-5F29-3C47E9DB2F92}"/>
+              </a:ext>
+            </a:extLst>
+          </p:cNvPr>
+          <p:cNvSpPr txBox="1"/>
+          <p:nvPr/>
+        </p:nvSpPr>
+        <p:spPr>
+          <a:xfrm>
+            <a:off x="1066586" y="2346395"/>
+            <a:ext cx="9591582" cy="3785652"/>
+          </a:xfrm>
+          <a:prstGeom prst="rect">
+            <a:avLst/>
+          </a:prstGeom>
+          <a:noFill/>
+          <a:ln w="25400">
+            <a:solidFill>
+              <a:schemeClr val="accent1"/>
+            </a:solidFill>
+          </a:ln>
+        </p:spPr>
+        <p:txBody>
+          <a:bodyPr wrap="square">
+            <a:spAutoFit/>
+          </a:bodyPr>
+          <a:lstStyle/>
+          <a:p>
+            <a:r>
+              <a:rPr lang="en-US" sz="2000" i="1" dirty="0">
+                <a:solidFill>
+                  <a:schemeClr val="dk1"/>
+                </a:solidFill>
+                <a:latin typeface="Calibri"/>
+                <a:ea typeface="Calibri"/>
+                <a:cs typeface="Calibri"/>
+                <a:sym typeface="Calibri"/>
+              </a:rPr>
+              <a:t>CREATE PROCEDURE ejemplo8_while()</a:t>
+            </a:r>
+          </a:p>
+          <a:p>
+            <a:r>
+              <a:rPr lang="en-US" sz="2000" i="1" dirty="0">
+                <a:solidFill>
+                  <a:schemeClr val="dk1"/>
+                </a:solidFill>
+                <a:latin typeface="Calibri"/>
+                <a:ea typeface="Calibri"/>
+                <a:cs typeface="Calibri"/>
+                <a:sym typeface="Calibri"/>
+              </a:rPr>
+              <a:t>BEGIN</a:t>
+            </a:r>
+          </a:p>
+          <a:p>
+            <a:r>
+              <a:rPr lang="en-US" sz="2000" i="1" dirty="0">
+                <a:solidFill>
+                  <a:schemeClr val="dk1"/>
+                </a:solidFill>
+                <a:latin typeface="Calibri"/>
+                <a:ea typeface="Calibri"/>
+                <a:cs typeface="Calibri"/>
+                <a:sym typeface="Calibri"/>
+              </a:rPr>
+              <a:t>DECLARE </a:t>
+            </a:r>
+            <a:r>
+              <a:rPr lang="en-US" sz="2000" i="1" dirty="0" err="1">
+                <a:solidFill>
+                  <a:schemeClr val="dk1"/>
+                </a:solidFill>
+                <a:latin typeface="Calibri"/>
+                <a:ea typeface="Calibri"/>
+                <a:cs typeface="Calibri"/>
+                <a:sym typeface="Calibri"/>
+              </a:rPr>
+              <a:t>i</a:t>
+            </a:r>
+            <a:r>
+              <a:rPr lang="en-US" sz="2000" i="1" dirty="0">
+                <a:solidFill>
+                  <a:schemeClr val="dk1"/>
+                </a:solidFill>
+                <a:latin typeface="Calibri"/>
+                <a:ea typeface="Calibri"/>
+                <a:cs typeface="Calibri"/>
+                <a:sym typeface="Calibri"/>
+              </a:rPr>
+              <a:t> INT;</a:t>
+            </a:r>
+          </a:p>
+          <a:p>
+            <a:r>
+              <a:rPr lang="en-US" sz="2000" i="1" dirty="0">
+                <a:solidFill>
+                  <a:schemeClr val="dk1"/>
+                </a:solidFill>
+                <a:latin typeface="Calibri"/>
+                <a:ea typeface="Calibri"/>
+                <a:cs typeface="Calibri"/>
+                <a:sym typeface="Calibri"/>
+              </a:rPr>
+              <a:t>CREATE TABLE </a:t>
+            </a:r>
+            <a:r>
+              <a:rPr lang="en-US" sz="2000" i="1" dirty="0" err="1">
+                <a:solidFill>
+                  <a:schemeClr val="dk1"/>
+                </a:solidFill>
+                <a:latin typeface="Calibri"/>
+                <a:ea typeface="Calibri"/>
+                <a:cs typeface="Calibri"/>
+                <a:sym typeface="Calibri"/>
+              </a:rPr>
+              <a:t>numeros</a:t>
+            </a:r>
+            <a:r>
+              <a:rPr lang="en-US" sz="2000" i="1" dirty="0">
+                <a:solidFill>
+                  <a:schemeClr val="dk1"/>
+                </a:solidFill>
+                <a:latin typeface="Calibri"/>
+                <a:ea typeface="Calibri"/>
+                <a:cs typeface="Calibri"/>
+                <a:sym typeface="Calibri"/>
+              </a:rPr>
+              <a:t>(</a:t>
+            </a:r>
+          </a:p>
+          <a:p>
+            <a:r>
+              <a:rPr lang="en-US" sz="2000" i="1" dirty="0">
+                <a:solidFill>
+                  <a:schemeClr val="dk1"/>
+                </a:solidFill>
+                <a:latin typeface="Calibri"/>
+                <a:ea typeface="Calibri"/>
+                <a:cs typeface="Calibri"/>
+                <a:sym typeface="Calibri"/>
+              </a:rPr>
+              <a:t>num INT);</a:t>
+            </a:r>
+          </a:p>
+          <a:p>
+            <a:r>
+              <a:rPr lang="en-US" sz="2000" i="1" dirty="0">
+                <a:solidFill>
+                  <a:schemeClr val="dk1"/>
+                </a:solidFill>
+                <a:latin typeface="Calibri"/>
+                <a:ea typeface="Calibri"/>
+                <a:cs typeface="Calibri"/>
+                <a:sym typeface="Calibri"/>
+              </a:rPr>
+              <a:t>SET </a:t>
+            </a:r>
+            <a:r>
+              <a:rPr lang="en-US" sz="2000" i="1" dirty="0" err="1">
+                <a:solidFill>
+                  <a:schemeClr val="dk1"/>
+                </a:solidFill>
+                <a:latin typeface="Calibri"/>
+                <a:ea typeface="Calibri"/>
+                <a:cs typeface="Calibri"/>
+                <a:sym typeface="Calibri"/>
+              </a:rPr>
+              <a:t>i</a:t>
+            </a:r>
+            <a:r>
+              <a:rPr lang="en-US" sz="2000" i="1" dirty="0">
+                <a:solidFill>
+                  <a:schemeClr val="dk1"/>
+                </a:solidFill>
+                <a:latin typeface="Calibri"/>
+                <a:ea typeface="Calibri"/>
+                <a:cs typeface="Calibri"/>
+                <a:sym typeface="Calibri"/>
+              </a:rPr>
+              <a:t>=1;</a:t>
+            </a:r>
+          </a:p>
+          <a:p>
+            <a:r>
+              <a:rPr lang="en-US" sz="2000" i="1" dirty="0">
+                <a:solidFill>
+                  <a:schemeClr val="dk1"/>
+                </a:solidFill>
+                <a:latin typeface="Calibri"/>
+                <a:ea typeface="Calibri"/>
+                <a:cs typeface="Calibri"/>
+                <a:sym typeface="Calibri"/>
+              </a:rPr>
+              <a:t>WHILE </a:t>
+            </a:r>
+            <a:r>
+              <a:rPr lang="en-US" sz="2000" i="1" dirty="0" err="1">
+                <a:solidFill>
+                  <a:schemeClr val="dk1"/>
+                </a:solidFill>
+                <a:latin typeface="Calibri"/>
+                <a:ea typeface="Calibri"/>
+                <a:cs typeface="Calibri"/>
+                <a:sym typeface="Calibri"/>
+              </a:rPr>
+              <a:t>i</a:t>
+            </a:r>
+            <a:r>
+              <a:rPr lang="en-US" sz="2000" i="1" dirty="0">
+                <a:solidFill>
+                  <a:schemeClr val="dk1"/>
+                </a:solidFill>
+                <a:latin typeface="Calibri"/>
+                <a:ea typeface="Calibri"/>
+                <a:cs typeface="Calibri"/>
+                <a:sym typeface="Calibri"/>
+              </a:rPr>
+              <a:t>&lt;=10 DO			</a:t>
+            </a:r>
+          </a:p>
+          <a:p>
+            <a:r>
+              <a:rPr lang="en-US" sz="2000" i="1" dirty="0">
+                <a:solidFill>
+                  <a:schemeClr val="dk1"/>
+                </a:solidFill>
+                <a:latin typeface="Calibri"/>
+                <a:ea typeface="Calibri"/>
+                <a:cs typeface="Calibri"/>
+                <a:sym typeface="Calibri"/>
+              </a:rPr>
+              <a:t>	INSERT INTO </a:t>
+            </a:r>
+            <a:r>
+              <a:rPr lang="en-US" sz="2000" i="1" dirty="0" err="1">
+                <a:solidFill>
+                  <a:schemeClr val="dk1"/>
+                </a:solidFill>
+                <a:latin typeface="Calibri"/>
+                <a:ea typeface="Calibri"/>
+                <a:cs typeface="Calibri"/>
+                <a:sym typeface="Calibri"/>
+              </a:rPr>
+              <a:t>numeros</a:t>
+            </a:r>
+            <a:r>
+              <a:rPr lang="en-US" sz="2000" i="1" dirty="0">
+                <a:solidFill>
+                  <a:schemeClr val="dk1"/>
+                </a:solidFill>
+                <a:latin typeface="Calibri"/>
+                <a:ea typeface="Calibri"/>
+                <a:cs typeface="Calibri"/>
+                <a:sym typeface="Calibri"/>
+              </a:rPr>
+              <a:t> VALUES (</a:t>
+            </a:r>
+            <a:r>
+              <a:rPr lang="en-US" sz="2000" i="1" dirty="0" err="1">
+                <a:solidFill>
+                  <a:schemeClr val="dk1"/>
+                </a:solidFill>
+                <a:latin typeface="Calibri"/>
+                <a:ea typeface="Calibri"/>
+                <a:cs typeface="Calibri"/>
+                <a:sym typeface="Calibri"/>
+              </a:rPr>
+              <a:t>i</a:t>
+            </a:r>
+            <a:r>
+              <a:rPr lang="en-US" sz="2000" i="1" dirty="0">
+                <a:solidFill>
+                  <a:schemeClr val="dk1"/>
+                </a:solidFill>
+                <a:latin typeface="Calibri"/>
+                <a:ea typeface="Calibri"/>
+                <a:cs typeface="Calibri"/>
+                <a:sym typeface="Calibri"/>
+              </a:rPr>
+              <a:t>);    		</a:t>
+            </a:r>
+          </a:p>
+          <a:p>
+            <a:r>
+              <a:rPr lang="en-US" sz="2000" i="1" dirty="0">
+                <a:solidFill>
+                  <a:schemeClr val="dk1"/>
+                </a:solidFill>
+                <a:latin typeface="Calibri"/>
+                <a:ea typeface="Calibri"/>
+                <a:cs typeface="Calibri"/>
+                <a:sym typeface="Calibri"/>
+              </a:rPr>
+              <a:t>	SET </a:t>
+            </a:r>
+            <a:r>
+              <a:rPr lang="en-US" sz="2000" i="1" dirty="0" err="1">
+                <a:solidFill>
+                  <a:schemeClr val="dk1"/>
+                </a:solidFill>
+                <a:latin typeface="Calibri"/>
+                <a:ea typeface="Calibri"/>
+                <a:cs typeface="Calibri"/>
+                <a:sym typeface="Calibri"/>
+              </a:rPr>
+              <a:t>i</a:t>
+            </a:r>
+            <a:r>
+              <a:rPr lang="en-US" sz="2000" i="1" dirty="0">
+                <a:solidFill>
+                  <a:schemeClr val="dk1"/>
+                </a:solidFill>
+                <a:latin typeface="Calibri"/>
+                <a:ea typeface="Calibri"/>
+                <a:cs typeface="Calibri"/>
+                <a:sym typeface="Calibri"/>
+              </a:rPr>
+              <a:t>=i+1;    </a:t>
+            </a:r>
+          </a:p>
+          <a:p>
+            <a:r>
+              <a:rPr lang="en-US" sz="2000" i="1" dirty="0">
+                <a:solidFill>
+                  <a:schemeClr val="dk1"/>
+                </a:solidFill>
+                <a:latin typeface="Calibri"/>
+                <a:ea typeface="Calibri"/>
+                <a:cs typeface="Calibri"/>
+                <a:sym typeface="Calibri"/>
+              </a:rPr>
+              <a:t>END WHILE;</a:t>
+            </a:r>
+          </a:p>
+          <a:p>
+            <a:r>
+              <a:rPr lang="en-US" sz="2000" i="1" dirty="0">
+                <a:solidFill>
+                  <a:schemeClr val="dk1"/>
+                </a:solidFill>
+                <a:latin typeface="Calibri"/>
+                <a:ea typeface="Calibri"/>
+                <a:cs typeface="Calibri"/>
+                <a:sym typeface="Calibri"/>
+              </a:rPr>
+              <a:t>SELECT * FROM </a:t>
+            </a:r>
+            <a:r>
+              <a:rPr lang="en-US" sz="2000" i="1" dirty="0" err="1">
+                <a:solidFill>
+                  <a:schemeClr val="dk1"/>
+                </a:solidFill>
+                <a:latin typeface="Calibri"/>
+                <a:ea typeface="Calibri"/>
+                <a:cs typeface="Calibri"/>
+                <a:sym typeface="Calibri"/>
+              </a:rPr>
+              <a:t>numeros</a:t>
+            </a:r>
+            <a:r>
+              <a:rPr lang="en-US" sz="2000" i="1" dirty="0">
+                <a:solidFill>
+                  <a:schemeClr val="dk1"/>
+                </a:solidFill>
+                <a:latin typeface="Calibri"/>
+                <a:ea typeface="Calibri"/>
+                <a:cs typeface="Calibri"/>
+                <a:sym typeface="Calibri"/>
+              </a:rPr>
+              <a:t>;</a:t>
+            </a:r>
+          </a:p>
+          <a:p>
+            <a:r>
+              <a:rPr lang="en-US" sz="2000" i="1" dirty="0">
+                <a:solidFill>
+                  <a:schemeClr val="dk1"/>
+                </a:solidFill>
+                <a:latin typeface="Calibri"/>
+                <a:ea typeface="Calibri"/>
+                <a:cs typeface="Calibri"/>
+                <a:sym typeface="Calibri"/>
+              </a:rPr>
+              <a:t>END</a:t>
+            </a:r>
+            <a:endParaRPr lang="es-ES" sz="2000" dirty="0">
               <a:solidFill>
                 <a:schemeClr val="dk1"/>
               </a:solidFill>
@@ -17734,38 +16973,12 @@
               <a:sym typeface="Calibri"/>
             </a:endParaRPr>
           </a:p>
-          <a:p>
-            <a:pPr algn="just"/>
-            <a:endParaRPr lang="es-ES" dirty="0">
-              <a:solidFill>
-                <a:schemeClr val="dk1"/>
-              </a:solidFill>
-              <a:latin typeface="Calibri"/>
-              <a:ea typeface="Calibri"/>
-              <a:cs typeface="Calibri"/>
-              <a:sym typeface="Calibri"/>
-            </a:endParaRPr>
-          </a:p>
-          <a:p>
-            <a:endParaRPr lang="es-ES" sz="3200" dirty="0">
-              <a:solidFill>
-                <a:schemeClr val="dk1"/>
-              </a:solidFill>
-              <a:latin typeface="Arial"/>
-              <a:ea typeface="Arial"/>
-              <a:cs typeface="Arial"/>
-              <a:sym typeface="Arial"/>
-            </a:endParaRPr>
-          </a:p>
-          <a:p>
-            <a:endParaRPr lang="es-ES" dirty="0"/>
-          </a:p>
         </p:txBody>
       </p:sp>
     </p:spTree>
     <p:extLst>
       <p:ext uri="{BB962C8B-B14F-4D97-AF65-F5344CB8AC3E}">
-        <p14:creationId xmlns:p14="http://schemas.microsoft.com/office/powerpoint/2010/main" val="1534087774"/>
+        <p14:creationId xmlns:p14="http://schemas.microsoft.com/office/powerpoint/2010/main" val="2866424039"/>
       </p:ext>
     </p:extLst>
   </p:cSld>
@@ -17775,7 +16988,7 @@
 </p:sld>
 </file>
 
-<file path=ppt/slides/slide13.xml><?xml version="1.0" encoding="utf-8"?>
+<file path=ppt/slides/slide11.xml><?xml version="1.0" encoding="utf-8"?>
 <p:sld xmlns:a="http://schemas.openxmlformats.org/drawingml/2006/main" xmlns:r="http://schemas.openxmlformats.org/officeDocument/2006/relationships" xmlns:p="http://schemas.openxmlformats.org/presentationml/2006/main">
   <p:cSld>
     <p:spTree>
@@ -17842,8 +17055,8 @@
         </p:nvSpPr>
         <p:spPr>
           <a:xfrm>
-            <a:off x="784484" y="1875104"/>
-            <a:ext cx="9778741" cy="4801314"/>
+            <a:off x="196458" y="2266545"/>
+            <a:ext cx="5700802" cy="3477875"/>
           </a:xfrm>
           <a:prstGeom prst="rect">
             <a:avLst/>
@@ -17851,7 +17064,9 @@
           <a:noFill/>
           <a:ln>
             <a:solidFill>
-              <a:schemeClr val="accent1"/>
+              <a:schemeClr val="accent1">
+                <a:shade val="15000"/>
+              </a:schemeClr>
             </a:solidFill>
           </a:ln>
         </p:spPr>
@@ -17862,22 +17077,45 @@
           <a:lstStyle/>
           <a:p>
             <a:r>
-              <a:rPr lang="en-US" sz="1800" dirty="0">
-                <a:solidFill>
-                  <a:schemeClr val="dk1"/>
-                </a:solidFill>
-                <a:latin typeface="Calibri"/>
-                <a:ea typeface="Calibri"/>
-                <a:cs typeface="Calibri"/>
-                <a:sym typeface="Calibri"/>
-              </a:rPr>
-              <a:t>CREATE PROCEDURE ejemplo12 (IN num INT, OUT c INT)</a:t>
-            </a:r>
-            <a:endParaRPr lang="en-US" dirty="0"/>
-          </a:p>
-          <a:p>
-            <a:r>
-              <a:rPr lang="en-US" sz="1800" dirty="0">
+              <a:rPr lang="en-US" sz="2000" dirty="0">
+                <a:solidFill>
+                  <a:schemeClr val="dk1"/>
+                </a:solidFill>
+                <a:latin typeface="Calibri"/>
+                <a:ea typeface="Calibri"/>
+                <a:cs typeface="Calibri"/>
+                <a:sym typeface="Calibri"/>
+              </a:rPr>
+              <a:t>CREATE PROCEDURE ejemplo9_repeat(OUT </a:t>
+            </a:r>
+            <a:r>
+              <a:rPr lang="en-US" sz="2000" dirty="0" err="1">
+                <a:solidFill>
+                  <a:schemeClr val="dk1"/>
+                </a:solidFill>
+                <a:latin typeface="Calibri"/>
+                <a:ea typeface="Calibri"/>
+                <a:cs typeface="Calibri"/>
+                <a:sym typeface="Calibri"/>
+              </a:rPr>
+              <a:t>texto</a:t>
+            </a:r>
+            <a:r>
+              <a:rPr lang="en-US" sz="2000" dirty="0">
+                <a:solidFill>
+                  <a:schemeClr val="dk1"/>
+                </a:solidFill>
+                <a:latin typeface="Calibri"/>
+                <a:ea typeface="Calibri"/>
+                <a:cs typeface="Calibri"/>
+                <a:sym typeface="Calibri"/>
+              </a:rPr>
+              <a:t> VARCHAR(100))</a:t>
+            </a:r>
+          </a:p>
+          <a:p>
+            <a:r>
+              <a:rPr lang="en-US" sz="2000" dirty="0">
                 <a:solidFill>
                   <a:schemeClr val="dk1"/>
                 </a:solidFill>
@@ -17888,256 +17126,285 @@
               </a:rPr>
               <a:t>BEGIN</a:t>
             </a:r>
-            <a:endParaRPr lang="en-US" dirty="0"/>
-          </a:p>
-          <a:p>
-            <a:r>
-              <a:rPr lang="en-US" sz="1800" dirty="0">
-                <a:solidFill>
-                  <a:schemeClr val="dk1"/>
-                </a:solidFill>
-                <a:latin typeface="Calibri"/>
-                <a:ea typeface="Calibri"/>
-                <a:cs typeface="Calibri"/>
-                <a:sym typeface="Calibri"/>
-              </a:rPr>
-              <a:t>  DECLARE d INT;</a:t>
-            </a:r>
-            <a:endParaRPr lang="en-US" dirty="0"/>
-          </a:p>
-          <a:p>
-            <a:r>
-              <a:rPr lang="en-US" sz="1800" dirty="0">
-                <a:solidFill>
-                  <a:schemeClr val="dk1"/>
-                </a:solidFill>
-                <a:latin typeface="Calibri"/>
-                <a:ea typeface="Calibri"/>
-                <a:cs typeface="Calibri"/>
-                <a:sym typeface="Calibri"/>
-              </a:rPr>
-              <a:t>  DECLARE n INT;</a:t>
-            </a:r>
-            <a:endParaRPr lang="en-US" dirty="0"/>
-          </a:p>
-          <a:p>
-            <a:r>
-              <a:rPr lang="en-US" sz="1800" dirty="0">
-                <a:solidFill>
-                  <a:schemeClr val="dk1"/>
-                </a:solidFill>
-                <a:latin typeface="Calibri"/>
-                <a:ea typeface="Calibri"/>
-                <a:cs typeface="Calibri"/>
-                <a:sym typeface="Calibri"/>
-              </a:rPr>
-              <a:t>  SET c=0;</a:t>
-            </a:r>
-            <a:endParaRPr lang="en-US" dirty="0"/>
-          </a:p>
-          <a:p>
-            <a:r>
-              <a:rPr lang="en-US" sz="1800" dirty="0">
-                <a:solidFill>
-                  <a:schemeClr val="dk1"/>
-                </a:solidFill>
-                <a:latin typeface="Calibri"/>
-                <a:ea typeface="Calibri"/>
-                <a:cs typeface="Calibri"/>
-                <a:sym typeface="Calibri"/>
-              </a:rPr>
-              <a:t>  SET n=num;</a:t>
-            </a:r>
-            <a:endParaRPr lang="en-US" dirty="0"/>
-          </a:p>
-          <a:p>
-            <a:r>
-              <a:rPr lang="en-US" sz="1800" dirty="0">
-                <a:solidFill>
-                  <a:schemeClr val="dk1"/>
-                </a:solidFill>
-                <a:latin typeface="Calibri"/>
-                <a:ea typeface="Calibri"/>
-                <a:cs typeface="Calibri"/>
-                <a:sym typeface="Calibri"/>
-              </a:rPr>
-              <a:t>  IF n&lt;0 THEN</a:t>
-            </a:r>
-            <a:endParaRPr lang="en-US" dirty="0"/>
-          </a:p>
-          <a:p>
-            <a:r>
-              <a:rPr lang="en-US" sz="1800" dirty="0">
-                <a:solidFill>
-                  <a:schemeClr val="dk1"/>
-                </a:solidFill>
-                <a:latin typeface="Calibri"/>
-                <a:ea typeface="Calibri"/>
-                <a:cs typeface="Calibri"/>
-                <a:sym typeface="Calibri"/>
-              </a:rPr>
-              <a:t>    	SET n=-n;</a:t>
-            </a:r>
-            <a:endParaRPr lang="en-US" dirty="0"/>
-          </a:p>
-          <a:p>
-            <a:r>
-              <a:rPr lang="en-US" sz="1800" dirty="0">
-                <a:solidFill>
-                  <a:schemeClr val="dk1"/>
-                </a:solidFill>
-                <a:latin typeface="Calibri"/>
-                <a:ea typeface="Calibri"/>
-                <a:cs typeface="Calibri"/>
-                <a:sym typeface="Calibri"/>
-              </a:rPr>
-              <a:t>  END IF;</a:t>
-            </a:r>
-            <a:endParaRPr lang="en-US" dirty="0"/>
-          </a:p>
-          <a:p>
-            <a:r>
-              <a:rPr lang="en-US" sz="1800" dirty="0">
-                <a:solidFill>
-                  <a:schemeClr val="dk1"/>
-                </a:solidFill>
-                <a:latin typeface="Calibri"/>
-                <a:ea typeface="Calibri"/>
-                <a:cs typeface="Calibri"/>
-                <a:sym typeface="Calibri"/>
-              </a:rPr>
-              <a:t>  SET d=n;</a:t>
-            </a:r>
-            <a:endParaRPr lang="en-US" dirty="0"/>
-          </a:p>
-          <a:p>
-            <a:r>
-              <a:rPr lang="en-US" sz="1800" dirty="0">
-                <a:solidFill>
-                  <a:schemeClr val="dk1"/>
-                </a:solidFill>
-                <a:latin typeface="Calibri"/>
-                <a:ea typeface="Calibri"/>
-                <a:cs typeface="Calibri"/>
-                <a:sym typeface="Calibri"/>
-              </a:rPr>
-              <a:t>  WHILE d&gt;0 DO</a:t>
-            </a:r>
-            <a:endParaRPr lang="en-US" dirty="0"/>
-          </a:p>
-          <a:p>
-            <a:r>
-              <a:rPr lang="en-US" sz="1800" dirty="0">
-                <a:solidFill>
-                  <a:schemeClr val="dk1"/>
-                </a:solidFill>
-                <a:latin typeface="Calibri"/>
-                <a:ea typeface="Calibri"/>
-                <a:cs typeface="Calibri"/>
-                <a:sym typeface="Calibri"/>
-              </a:rPr>
-              <a:t>	IF </a:t>
-            </a:r>
-            <a:r>
-              <a:rPr lang="en-US" sz="1800" dirty="0" err="1">
-                <a:solidFill>
-                  <a:schemeClr val="dk1"/>
-                </a:solidFill>
-                <a:latin typeface="Calibri"/>
-                <a:ea typeface="Calibri"/>
-                <a:cs typeface="Calibri"/>
-                <a:sym typeface="Calibri"/>
-              </a:rPr>
-              <a:t>n%d</a:t>
-            </a:r>
-            <a:r>
-              <a:rPr lang="en-US" sz="1800" dirty="0">
-                <a:solidFill>
-                  <a:schemeClr val="dk1"/>
-                </a:solidFill>
-                <a:latin typeface="Calibri"/>
-                <a:ea typeface="Calibri"/>
-                <a:cs typeface="Calibri"/>
-                <a:sym typeface="Calibri"/>
-              </a:rPr>
-              <a:t>=0 THEN</a:t>
-            </a:r>
-            <a:endParaRPr lang="en-US" dirty="0"/>
-          </a:p>
-          <a:p>
-            <a:r>
-              <a:rPr lang="en-US" sz="1800" dirty="0">
-                <a:solidFill>
-                  <a:schemeClr val="dk1"/>
-                </a:solidFill>
-                <a:latin typeface="Calibri"/>
-                <a:ea typeface="Calibri"/>
-                <a:cs typeface="Calibri"/>
-                <a:sym typeface="Calibri"/>
-              </a:rPr>
-              <a:t>      		 SET c=c+1;</a:t>
-            </a:r>
-            <a:endParaRPr lang="en-US" dirty="0"/>
-          </a:p>
-          <a:p>
-            <a:r>
-              <a:rPr lang="en-US" sz="1800" dirty="0">
-                <a:solidFill>
-                  <a:schemeClr val="dk1"/>
-                </a:solidFill>
-                <a:latin typeface="Calibri"/>
-                <a:ea typeface="Calibri"/>
-                <a:cs typeface="Calibri"/>
-                <a:sym typeface="Calibri"/>
-              </a:rPr>
-              <a:t>	END IF;</a:t>
-            </a:r>
-            <a:endParaRPr lang="en-US" dirty="0"/>
-          </a:p>
-          <a:p>
-            <a:r>
-              <a:rPr lang="en-US" sz="1800" dirty="0">
-                <a:solidFill>
-                  <a:schemeClr val="dk1"/>
-                </a:solidFill>
-                <a:latin typeface="Calibri"/>
-                <a:ea typeface="Calibri"/>
-                <a:cs typeface="Calibri"/>
-                <a:sym typeface="Calibri"/>
-              </a:rPr>
-              <a:t>	SET d=d-1;</a:t>
-            </a:r>
-            <a:endParaRPr lang="en-US" dirty="0"/>
-          </a:p>
-          <a:p>
-            <a:r>
-              <a:rPr lang="en-US" sz="1800" dirty="0">
-                <a:solidFill>
-                  <a:schemeClr val="dk1"/>
-                </a:solidFill>
-                <a:latin typeface="Calibri"/>
-                <a:ea typeface="Calibri"/>
-                <a:cs typeface="Calibri"/>
-                <a:sym typeface="Calibri"/>
-              </a:rPr>
-              <a:t>  END WHILE;</a:t>
-            </a:r>
-            <a:endParaRPr lang="en-US" dirty="0"/>
-          </a:p>
-          <a:p>
-            <a:r>
-              <a:rPr lang="en-US" sz="1800" dirty="0">
-                <a:solidFill>
-                  <a:schemeClr val="dk1"/>
-                </a:solidFill>
-                <a:latin typeface="Calibri"/>
-                <a:ea typeface="Calibri"/>
-                <a:cs typeface="Calibri"/>
-                <a:sym typeface="Calibri"/>
-              </a:rPr>
-              <a:t>END</a:t>
-            </a:r>
-            <a:endParaRPr lang="es-ES" sz="1200" dirty="0">
+          </a:p>
+          <a:p>
+            <a:r>
+              <a:rPr lang="en-US" sz="2000" dirty="0">
+                <a:solidFill>
+                  <a:schemeClr val="dk1"/>
+                </a:solidFill>
+                <a:latin typeface="Calibri"/>
+                <a:ea typeface="Calibri"/>
+                <a:cs typeface="Calibri"/>
+                <a:sym typeface="Calibri"/>
+              </a:rPr>
+              <a:t>DECLARE </a:t>
+            </a:r>
+            <a:r>
+              <a:rPr lang="en-US" sz="2000" dirty="0" err="1">
+                <a:solidFill>
+                  <a:schemeClr val="dk1"/>
+                </a:solidFill>
+                <a:latin typeface="Calibri"/>
+                <a:ea typeface="Calibri"/>
+                <a:cs typeface="Calibri"/>
+                <a:sym typeface="Calibri"/>
+              </a:rPr>
+              <a:t>ncontratos</a:t>
+            </a:r>
+            <a:r>
+              <a:rPr lang="en-US" sz="2000" dirty="0">
+                <a:solidFill>
+                  <a:schemeClr val="dk1"/>
+                </a:solidFill>
+                <a:latin typeface="Calibri"/>
+                <a:ea typeface="Calibri"/>
+                <a:cs typeface="Calibri"/>
+                <a:sym typeface="Calibri"/>
+              </a:rPr>
+              <a:t> INT;</a:t>
+            </a:r>
+          </a:p>
+          <a:p>
+            <a:r>
+              <a:rPr lang="en-US" sz="2000" dirty="0">
+                <a:solidFill>
+                  <a:schemeClr val="dk1"/>
+                </a:solidFill>
+                <a:latin typeface="Calibri"/>
+                <a:ea typeface="Calibri"/>
+                <a:cs typeface="Calibri"/>
+                <a:sym typeface="Calibri"/>
+              </a:rPr>
+              <a:t>DECLARE </a:t>
+            </a:r>
+            <a:r>
+              <a:rPr lang="en-US" sz="2000" dirty="0" err="1">
+                <a:solidFill>
+                  <a:schemeClr val="dk1"/>
+                </a:solidFill>
+                <a:latin typeface="Calibri"/>
+                <a:ea typeface="Calibri"/>
+                <a:cs typeface="Calibri"/>
+                <a:sym typeface="Calibri"/>
+              </a:rPr>
+              <a:t>i</a:t>
+            </a:r>
+            <a:r>
+              <a:rPr lang="en-US" sz="2000" dirty="0">
+                <a:solidFill>
+                  <a:schemeClr val="dk1"/>
+                </a:solidFill>
+                <a:latin typeface="Calibri"/>
+                <a:ea typeface="Calibri"/>
+                <a:cs typeface="Calibri"/>
+                <a:sym typeface="Calibri"/>
+              </a:rPr>
+              <a:t> INT; </a:t>
+            </a:r>
+          </a:p>
+          <a:p>
+            <a:r>
+              <a:rPr lang="en-US" sz="2000" dirty="0">
+                <a:solidFill>
+                  <a:schemeClr val="dk1"/>
+                </a:solidFill>
+                <a:latin typeface="Calibri"/>
+                <a:ea typeface="Calibri"/>
+                <a:cs typeface="Calibri"/>
+                <a:sym typeface="Calibri"/>
+              </a:rPr>
+              <a:t>DECLARE aux INT;</a:t>
+            </a:r>
+          </a:p>
+          <a:p>
+            <a:r>
+              <a:rPr lang="en-US" sz="2000" dirty="0">
+                <a:solidFill>
+                  <a:schemeClr val="dk1"/>
+                </a:solidFill>
+                <a:latin typeface="Calibri"/>
+                <a:ea typeface="Calibri"/>
+                <a:cs typeface="Calibri"/>
+                <a:sym typeface="Calibri"/>
+              </a:rPr>
+              <a:t>SET </a:t>
+            </a:r>
+            <a:r>
+              <a:rPr lang="en-US" sz="2000" dirty="0" err="1">
+                <a:solidFill>
+                  <a:schemeClr val="dk1"/>
+                </a:solidFill>
+                <a:latin typeface="Calibri"/>
+                <a:ea typeface="Calibri"/>
+                <a:cs typeface="Calibri"/>
+                <a:sym typeface="Calibri"/>
+              </a:rPr>
+              <a:t>i</a:t>
+            </a:r>
+            <a:r>
+              <a:rPr lang="en-US" sz="2000" dirty="0">
+                <a:solidFill>
+                  <a:schemeClr val="dk1"/>
+                </a:solidFill>
+                <a:latin typeface="Calibri"/>
+                <a:ea typeface="Calibri"/>
+                <a:cs typeface="Calibri"/>
+                <a:sym typeface="Calibri"/>
+              </a:rPr>
+              <a:t>=1;</a:t>
+            </a:r>
+          </a:p>
+          <a:p>
+            <a:r>
+              <a:rPr lang="en-US" sz="2000" dirty="0">
+                <a:solidFill>
+                  <a:schemeClr val="dk1"/>
+                </a:solidFill>
+                <a:latin typeface="Calibri"/>
+                <a:ea typeface="Calibri"/>
+                <a:cs typeface="Calibri"/>
+                <a:sym typeface="Calibri"/>
+              </a:rPr>
+              <a:t>SET </a:t>
+            </a:r>
+            <a:r>
+              <a:rPr lang="en-US" sz="2000" dirty="0" err="1">
+                <a:solidFill>
+                  <a:schemeClr val="dk1"/>
+                </a:solidFill>
+                <a:latin typeface="Calibri"/>
+                <a:ea typeface="Calibri"/>
+                <a:cs typeface="Calibri"/>
+                <a:sym typeface="Calibri"/>
+              </a:rPr>
+              <a:t>texto</a:t>
+            </a:r>
+            <a:r>
+              <a:rPr lang="en-US" sz="2000" dirty="0">
+                <a:solidFill>
+                  <a:schemeClr val="dk1"/>
+                </a:solidFill>
+                <a:latin typeface="Calibri"/>
+                <a:ea typeface="Calibri"/>
+                <a:cs typeface="Calibri"/>
+                <a:sym typeface="Calibri"/>
+              </a:rPr>
+              <a:t>='</a:t>
+            </a:r>
+            <a:r>
+              <a:rPr lang="en-US" sz="2000" dirty="0" err="1">
+                <a:solidFill>
+                  <a:schemeClr val="dk1"/>
+                </a:solidFill>
+                <a:latin typeface="Calibri"/>
+                <a:ea typeface="Calibri"/>
+                <a:cs typeface="Calibri"/>
+                <a:sym typeface="Calibri"/>
+              </a:rPr>
+              <a:t>resultado</a:t>
+            </a:r>
+            <a:r>
+              <a:rPr lang="en-US" sz="2000" dirty="0">
+                <a:solidFill>
+                  <a:schemeClr val="dk1"/>
+                </a:solidFill>
+                <a:latin typeface="Calibri"/>
+                <a:ea typeface="Calibri"/>
+                <a:cs typeface="Calibri"/>
+                <a:sym typeface="Calibri"/>
+              </a:rPr>
+              <a:t>: ‘;</a:t>
+            </a:r>
+          </a:p>
+          <a:p>
+            <a:r>
+              <a:rPr lang="en-US" sz="2000" dirty="0">
+                <a:solidFill>
+                  <a:schemeClr val="dk1"/>
+                </a:solidFill>
+                <a:latin typeface="Calibri"/>
+                <a:ea typeface="Calibri"/>
+                <a:cs typeface="Calibri"/>
+                <a:sym typeface="Calibri"/>
+              </a:rPr>
+              <a:t>SELECT MAX(</a:t>
+            </a:r>
+            <a:r>
+              <a:rPr lang="en-US" sz="2000" dirty="0" err="1">
+                <a:solidFill>
+                  <a:schemeClr val="dk1"/>
+                </a:solidFill>
+                <a:latin typeface="Calibri"/>
+                <a:ea typeface="Calibri"/>
+                <a:cs typeface="Calibri"/>
+                <a:sym typeface="Calibri"/>
+              </a:rPr>
+              <a:t>numcontrato</a:t>
+            </a:r>
+            <a:r>
+              <a:rPr lang="en-US" sz="2000" dirty="0">
+                <a:solidFill>
+                  <a:schemeClr val="dk1"/>
+                </a:solidFill>
+                <a:latin typeface="Calibri"/>
+                <a:ea typeface="Calibri"/>
+                <a:cs typeface="Calibri"/>
+                <a:sym typeface="Calibri"/>
+              </a:rPr>
+              <a:t>) INTO </a:t>
+            </a:r>
+            <a:r>
+              <a:rPr lang="en-US" sz="2000" dirty="0" err="1">
+                <a:solidFill>
+                  <a:schemeClr val="dk1"/>
+                </a:solidFill>
+                <a:latin typeface="Calibri"/>
+                <a:ea typeface="Calibri"/>
+                <a:cs typeface="Calibri"/>
+                <a:sym typeface="Calibri"/>
+              </a:rPr>
+              <a:t>ncontratos</a:t>
+            </a:r>
+            <a:r>
+              <a:rPr lang="en-US" sz="2000" dirty="0">
+                <a:solidFill>
+                  <a:schemeClr val="dk1"/>
+                </a:solidFill>
+                <a:latin typeface="Calibri"/>
+                <a:ea typeface="Calibri"/>
+                <a:cs typeface="Calibri"/>
+                <a:sym typeface="Calibri"/>
+              </a:rPr>
+              <a:t> FROM </a:t>
+            </a:r>
+            <a:r>
+              <a:rPr lang="en-US" sz="2000" dirty="0" err="1">
+                <a:solidFill>
+                  <a:schemeClr val="dk1"/>
+                </a:solidFill>
+                <a:latin typeface="Calibri"/>
+                <a:ea typeface="Calibri"/>
+                <a:cs typeface="Calibri"/>
+                <a:sym typeface="Calibri"/>
+              </a:rPr>
+              <a:t>contratos</a:t>
+            </a:r>
+            <a:r>
+              <a:rPr lang="en-US" sz="2000" dirty="0">
+                <a:solidFill>
+                  <a:schemeClr val="dk1"/>
+                </a:solidFill>
+                <a:latin typeface="Calibri"/>
+                <a:ea typeface="Calibri"/>
+                <a:cs typeface="Calibri"/>
+                <a:sym typeface="Calibri"/>
+              </a:rPr>
+              <a:t>;    </a:t>
+            </a:r>
+          </a:p>
+          <a:p>
+            <a:endParaRPr lang="en-US" sz="2000" dirty="0">
               <a:solidFill>
                 <a:schemeClr val="dk1"/>
               </a:solidFill>
@@ -18166,7 +17433,7 @@
         <p:spPr>
           <a:xfrm>
             <a:off x="784485" y="1420555"/>
-            <a:ext cx="1786650" cy="559324"/>
+            <a:ext cx="9643566" cy="845990"/>
           </a:xfrm>
           <a:prstGeom prst="rect">
             <a:avLst/>
@@ -18377,94 +17644,75 @@
           </a:lstStyle>
           <a:p>
             <a:r>
-              <a:rPr lang="es-ES" dirty="0"/>
-              <a:t>Ejemplo 12:</a:t>
-            </a:r>
-          </a:p>
-        </p:txBody>
-      </p:sp>
-    </p:spTree>
-    <p:extLst>
-      <p:ext uri="{BB962C8B-B14F-4D97-AF65-F5344CB8AC3E}">
-        <p14:creationId xmlns:p14="http://schemas.microsoft.com/office/powerpoint/2010/main" val="3556930881"/>
-      </p:ext>
-    </p:extLst>
-  </p:cSld>
-  <p:clrMapOvr>
-    <a:masterClrMapping/>
-  </p:clrMapOvr>
-</p:sld>
-</file>
-
-<file path=ppt/slides/slide14.xml><?xml version="1.0" encoding="utf-8"?>
-<p:sld xmlns:a="http://schemas.openxmlformats.org/drawingml/2006/main" xmlns:r="http://schemas.openxmlformats.org/officeDocument/2006/relationships" xmlns:p="http://schemas.openxmlformats.org/presentationml/2006/main">
-  <p:cSld>
-    <p:spTree>
-      <p:nvGrpSpPr>
-        <p:cNvPr id="1" name=""/>
-        <p:cNvGrpSpPr/>
-        <p:nvPr/>
-      </p:nvGrpSpPr>
-      <p:grpSpPr>
-        <a:xfrm>
-          <a:off x="0" y="0"/>
-          <a:ext cx="0" cy="0"/>
-          <a:chOff x="0" y="0"/>
-          <a:chExt cx="0" cy="0"/>
-        </a:xfrm>
-      </p:grpSpPr>
-      <p:sp>
-        <p:nvSpPr>
-          <p:cNvPr id="2" name="Título 1">
-            <a:extLst>
-              <a:ext uri="{FF2B5EF4-FFF2-40B4-BE49-F238E27FC236}">
-                <a16:creationId xmlns:a16="http://schemas.microsoft.com/office/drawing/2014/main" id="{9262F78A-45C9-A9CD-D050-E13F598E554D}"/>
-              </a:ext>
-            </a:extLst>
-          </p:cNvPr>
-          <p:cNvSpPr>
-            <a:spLocks noGrp="1"/>
-          </p:cNvSpPr>
-          <p:nvPr>
-            <p:ph type="title"/>
-          </p:nvPr>
-        </p:nvSpPr>
-        <p:spPr/>
-        <p:txBody>
-          <a:bodyPr>
-            <a:noAutofit/>
-          </a:bodyPr>
-          <a:lstStyle/>
-          <a:p>
-            <a:r>
-              <a:rPr lang="es-ES" sz="3600" b="1" dirty="0">
-                <a:latin typeface="Arial"/>
-                <a:ea typeface="Arial"/>
-                <a:cs typeface="Arial"/>
-                <a:sym typeface="Arial"/>
-              </a:rPr>
-              <a:t>3.- Desarrollo de procedimientos almacenados</a:t>
-            </a:r>
-            <a:endParaRPr lang="es-ES" sz="3600" dirty="0"/>
+              <a:rPr lang="es-ES" b="1" i="1" dirty="0">
+                <a:solidFill>
+                  <a:schemeClr val="dk1"/>
+                </a:solidFill>
+                <a:latin typeface="Calibri"/>
+                <a:ea typeface="Calibri"/>
+                <a:cs typeface="Calibri"/>
+                <a:sym typeface="Calibri"/>
+              </a:rPr>
+              <a:t>Ejemplo 9 </a:t>
+            </a:r>
+            <a:r>
+              <a:rPr lang="es-ES" b="1" i="1" dirty="0" err="1">
+                <a:solidFill>
+                  <a:schemeClr val="dk1"/>
+                </a:solidFill>
+                <a:latin typeface="Calibri"/>
+                <a:ea typeface="Calibri"/>
+                <a:cs typeface="Calibri"/>
+                <a:sym typeface="Calibri"/>
+              </a:rPr>
+              <a:t>repeat</a:t>
+            </a:r>
+            <a:r>
+              <a:rPr lang="es-ES" b="1" i="1" dirty="0">
+                <a:solidFill>
+                  <a:schemeClr val="dk1"/>
+                </a:solidFill>
+                <a:latin typeface="Calibri"/>
+                <a:ea typeface="Calibri"/>
+                <a:cs typeface="Calibri"/>
+                <a:sym typeface="Calibri"/>
+              </a:rPr>
+              <a:t>: </a:t>
+            </a:r>
+            <a:r>
+              <a:rPr lang="es-ES" dirty="0">
+                <a:solidFill>
+                  <a:schemeClr val="dk1"/>
+                </a:solidFill>
+                <a:latin typeface="Calibri"/>
+                <a:ea typeface="Calibri"/>
+                <a:cs typeface="Calibri"/>
+                <a:sym typeface="Calibri"/>
+              </a:rPr>
+              <a:t>Realiza un procedimiento que devuelve en una variable de texto los números de contrato pares de la base de datos alquileres.</a:t>
+            </a:r>
+          </a:p>
+          <a:p>
+            <a:endParaRPr lang="es-ES" dirty="0"/>
           </a:p>
         </p:txBody>
       </p:sp>
       <p:sp>
         <p:nvSpPr>
-          <p:cNvPr id="5" name="CuadroTexto 4">
+          <p:cNvPr id="7" name="Rectángulo 6">
             <a:extLst>
               <a:ext uri="{FF2B5EF4-FFF2-40B4-BE49-F238E27FC236}">
-                <a16:creationId xmlns:a16="http://schemas.microsoft.com/office/drawing/2014/main" id="{0A8F578D-2B63-80BF-E8F5-50443D31623B}"/>
+                <a16:creationId xmlns:a16="http://schemas.microsoft.com/office/drawing/2014/main" id="{7646128F-847A-D3B6-FC55-DB95D8BA6A66}"/>
               </a:ext>
             </a:extLst>
           </p:cNvPr>
-          <p:cNvSpPr txBox="1"/>
+          <p:cNvSpPr/>
           <p:nvPr/>
         </p:nvSpPr>
         <p:spPr>
           <a:xfrm>
-            <a:off x="784484" y="1875104"/>
-            <a:ext cx="9778741" cy="4524315"/>
+            <a:off x="5897259" y="2266545"/>
+            <a:ext cx="6294741" cy="3477875"/>
           </a:xfrm>
           <a:prstGeom prst="rect">
             <a:avLst/>
@@ -18472,14 +17720,30 @@
           <a:noFill/>
           <a:ln>
             <a:solidFill>
-              <a:schemeClr val="accent1"/>
+              <a:schemeClr val="accent1">
+                <a:shade val="15000"/>
+              </a:schemeClr>
             </a:solidFill>
           </a:ln>
         </p:spPr>
+        <p:style>
+          <a:lnRef idx="2">
+            <a:schemeClr val="accent1">
+              <a:shade val="15000"/>
+            </a:schemeClr>
+          </a:lnRef>
+          <a:fillRef idx="1">
+            <a:schemeClr val="accent1"/>
+          </a:fillRef>
+          <a:effectRef idx="0">
+            <a:schemeClr val="accent1"/>
+          </a:effectRef>
+          <a:fontRef idx="minor">
+            <a:schemeClr val="lt1"/>
+          </a:fontRef>
+        </p:style>
         <p:txBody>
-          <a:bodyPr wrap="square">
-            <a:spAutoFit/>
-          </a:bodyPr>
+          <a:bodyPr rtlCol="0" anchor="ctr"/>
           <a:lstStyle/>
           <a:p>
             <a:r>
@@ -18492,7 +17756,35 @@
                 <a:cs typeface="Calibri"/>
                 <a:sym typeface="Calibri"/>
               </a:rPr>
-              <a:t>CREATE PROCEDURE ejemplo13 (IN </a:t>
+              <a:t>REPEAT	</a:t>
+            </a:r>
+          </a:p>
+          <a:p>
+            <a:r>
+              <a:rPr lang="en-US" sz="1800" dirty="0">
+                <a:solidFill>
+                  <a:schemeClr val="dk1"/>
+                </a:solidFill>
+                <a:latin typeface="Calibri"/>
+                <a:ea typeface="Calibri"/>
+                <a:cs typeface="Calibri"/>
+                <a:sym typeface="Calibri"/>
+              </a:rPr>
+              <a:t>	IF i%2=0 THEN		</a:t>
+            </a:r>
+          </a:p>
+          <a:p>
+            <a:r>
+              <a:rPr lang="en-US" sz="1800" dirty="0">
+                <a:solidFill>
+                  <a:schemeClr val="dk1"/>
+                </a:solidFill>
+                <a:latin typeface="Calibri"/>
+                <a:ea typeface="Calibri"/>
+                <a:cs typeface="Calibri"/>
+                <a:sym typeface="Calibri"/>
+              </a:rPr>
+              <a:t>		SELECT count(*) INTO aux FROM </a:t>
             </a:r>
             <a:r>
               <a:rPr lang="en-US" sz="1800" dirty="0" err="1">
@@ -18504,7 +17796,7 @@
                 <a:cs typeface="Calibri"/>
                 <a:sym typeface="Calibri"/>
               </a:rPr>
-              <a:t>numero</a:t>
+              <a:t>contratos</a:t>
             </a:r>
             <a:r>
               <a:rPr lang="en-US" sz="1800" dirty="0">
@@ -18516,11 +17808,20 @@
                 <a:cs typeface="Calibri"/>
                 <a:sym typeface="Calibri"/>
               </a:rPr>
-              <a:t> INT)</a:t>
-            </a:r>
-            <a:endParaRPr lang="en-US" dirty="0"/>
-          </a:p>
-          <a:p>
+              <a:t> 		WHERE </a:t>
+            </a:r>
+            <a:r>
+              <a:rPr lang="en-US" sz="1800" dirty="0" err="1">
+                <a:solidFill>
+                  <a:schemeClr val="dk1"/>
+                </a:solidFill>
+                <a:latin typeface="Calibri"/>
+                <a:ea typeface="Calibri"/>
+                <a:cs typeface="Calibri"/>
+                <a:sym typeface="Calibri"/>
+              </a:rPr>
+              <a:t>numcontrato</a:t>
+            </a:r>
             <a:r>
               <a:rPr lang="en-US" sz="1800" dirty="0">
                 <a:solidFill>
@@ -18531,11 +17832,20 @@
                 <a:cs typeface="Calibri"/>
                 <a:sym typeface="Calibri"/>
               </a:rPr>
-              <a:t>BEGIN</a:t>
-            </a:r>
-            <a:endParaRPr lang="en-US" dirty="0"/>
-          </a:p>
-          <a:p>
+              <a:t>=</a:t>
+            </a:r>
+            <a:r>
+              <a:rPr lang="en-US" sz="1800" dirty="0" err="1">
+                <a:solidFill>
+                  <a:schemeClr val="dk1"/>
+                </a:solidFill>
+                <a:latin typeface="Calibri"/>
+                <a:ea typeface="Calibri"/>
+                <a:cs typeface="Calibri"/>
+                <a:sym typeface="Calibri"/>
+              </a:rPr>
+              <a:t>i</a:t>
+            </a:r>
             <a:r>
               <a:rPr lang="en-US" sz="1800" dirty="0">
                 <a:solidFill>
@@ -18546,9 +17856,8 @@
                 <a:cs typeface="Calibri"/>
                 <a:sym typeface="Calibri"/>
               </a:rPr>
-              <a:t>  DECLARE c INT DEFAULT 0;</a:t>
-            </a:r>
-            <a:endParaRPr lang="en-US" dirty="0"/>
+              <a:t>;        </a:t>
+            </a:r>
           </a:p>
           <a:p>
             <a:r>
@@ -18561,9 +17870,8 @@
                 <a:cs typeface="Calibri"/>
                 <a:sym typeface="Calibri"/>
               </a:rPr>
-              <a:t>  DECLARE nom VARCHAR(15);</a:t>
-            </a:r>
-            <a:endParaRPr lang="en-US" dirty="0"/>
+              <a:t>		IF aux=1 THEN			</a:t>
+            </a:r>
           </a:p>
           <a:p>
             <a:r>
@@ -18576,11 +17884,20 @@
                 <a:cs typeface="Calibri"/>
                 <a:sym typeface="Calibri"/>
               </a:rPr>
-              <a:t>  DECLARE ape VARCHAR(40);</a:t>
-            </a:r>
-            <a:endParaRPr lang="en-US" dirty="0"/>
-          </a:p>
-          <a:p>
+              <a:t>			set </a:t>
+            </a:r>
+            <a:r>
+              <a:rPr lang="en-US" sz="1800" dirty="0" err="1">
+                <a:solidFill>
+                  <a:schemeClr val="dk1"/>
+                </a:solidFill>
+                <a:latin typeface="Calibri"/>
+                <a:ea typeface="Calibri"/>
+                <a:cs typeface="Calibri"/>
+                <a:sym typeface="Calibri"/>
+              </a:rPr>
+              <a:t>texto</a:t>
+            </a:r>
             <a:r>
               <a:rPr lang="en-US" sz="1800" dirty="0">
                 <a:solidFill>
@@ -18591,116 +17908,196 @@
                 <a:cs typeface="Calibri"/>
                 <a:sym typeface="Calibri"/>
               </a:rPr>
-              <a:t>  </a:t>
+              <a:t>=</a:t>
+            </a:r>
+            <a:r>
+              <a:rPr lang="en-US" sz="1800" dirty="0" err="1">
+                <a:solidFill>
+                  <a:schemeClr val="dk1"/>
+                </a:solidFill>
+                <a:latin typeface="Calibri"/>
+                <a:ea typeface="Calibri"/>
+                <a:cs typeface="Calibri"/>
+                <a:sym typeface="Calibri"/>
+              </a:rPr>
+              <a:t>concat</a:t>
             </a:r>
             <a:r>
               <a:rPr lang="en-US" sz="1800" dirty="0">
                 <a:solidFill>
-                  <a:srgbClr val="FF0000"/>
-                </a:solidFill>
-                <a:latin typeface="Calibri"/>
-                <a:ea typeface="Calibri"/>
-                <a:cs typeface="Calibri"/>
-                <a:sym typeface="Calibri"/>
-              </a:rPr>
-              <a:t>DROP TABLE IF EXISTS temporal;</a:t>
-            </a:r>
-            <a:endParaRPr lang="en-US" dirty="0"/>
-          </a:p>
-          <a:p>
+                  <a:schemeClr val="dk1"/>
+                </a:solidFill>
+                <a:latin typeface="Calibri"/>
+                <a:ea typeface="Calibri"/>
+                <a:cs typeface="Calibri"/>
+                <a:sym typeface="Calibri"/>
+              </a:rPr>
+              <a:t>(</a:t>
+            </a:r>
+            <a:r>
+              <a:rPr lang="en-US" sz="1800" dirty="0" err="1">
+                <a:solidFill>
+                  <a:schemeClr val="dk1"/>
+                </a:solidFill>
+                <a:latin typeface="Calibri"/>
+                <a:ea typeface="Calibri"/>
+                <a:cs typeface="Calibri"/>
+                <a:sym typeface="Calibri"/>
+              </a:rPr>
+              <a:t>texto</a:t>
+            </a:r>
             <a:r>
               <a:rPr lang="en-US" sz="1800" dirty="0">
                 <a:solidFill>
-                  <a:srgbClr val="FF0000"/>
-                </a:solidFill>
-                <a:latin typeface="Calibri"/>
-                <a:ea typeface="Calibri"/>
-                <a:cs typeface="Calibri"/>
-                <a:sym typeface="Calibri"/>
-              </a:rPr>
-              <a:t>  CREATE TABLE temporal (</a:t>
-            </a:r>
-            <a:endParaRPr lang="en-US" dirty="0"/>
-          </a:p>
-          <a:p>
+                  <a:schemeClr val="dk1"/>
+                </a:solidFill>
+                <a:latin typeface="Calibri"/>
+                <a:ea typeface="Calibri"/>
+                <a:cs typeface="Calibri"/>
+                <a:sym typeface="Calibri"/>
+              </a:rPr>
+              <a:t>,' ', </a:t>
+            </a:r>
+            <a:r>
+              <a:rPr lang="en-US" sz="1800" dirty="0" err="1">
+                <a:solidFill>
+                  <a:schemeClr val="dk1"/>
+                </a:solidFill>
+                <a:latin typeface="Calibri"/>
+                <a:ea typeface="Calibri"/>
+                <a:cs typeface="Calibri"/>
+                <a:sym typeface="Calibri"/>
+              </a:rPr>
+              <a:t>i</a:t>
+            </a:r>
             <a:r>
               <a:rPr lang="en-US" sz="1800" dirty="0">
                 <a:solidFill>
-                  <a:srgbClr val="FF0000"/>
-                </a:solidFill>
-                <a:latin typeface="Calibri"/>
-                <a:ea typeface="Calibri"/>
-                <a:cs typeface="Calibri"/>
-                <a:sym typeface="Calibri"/>
-              </a:rPr>
-              <a:t>	</a:t>
+                  <a:schemeClr val="dk1"/>
+                </a:solidFill>
+                <a:latin typeface="Calibri"/>
+                <a:ea typeface="Calibri"/>
+                <a:cs typeface="Calibri"/>
+                <a:sym typeface="Calibri"/>
+              </a:rPr>
+              <a:t>);	</a:t>
+            </a:r>
+          </a:p>
+          <a:p>
+            <a:r>
+              <a:rPr lang="en-US" sz="1800" dirty="0">
+                <a:solidFill>
+                  <a:schemeClr val="dk1"/>
+                </a:solidFill>
+                <a:latin typeface="Calibri"/>
+                <a:ea typeface="Calibri"/>
+                <a:cs typeface="Calibri"/>
+                <a:sym typeface="Calibri"/>
+              </a:rPr>
+              <a:t>		END IF; 	</a:t>
+            </a:r>
+          </a:p>
+          <a:p>
+            <a:r>
+              <a:rPr lang="en-US" sz="1800" dirty="0">
+                <a:solidFill>
+                  <a:schemeClr val="dk1"/>
+                </a:solidFill>
+                <a:latin typeface="Calibri"/>
+                <a:ea typeface="Calibri"/>
+                <a:cs typeface="Calibri"/>
+                <a:sym typeface="Calibri"/>
+              </a:rPr>
+              <a:t>	END IF;	</a:t>
+            </a:r>
+          </a:p>
+          <a:p>
+            <a:r>
+              <a:rPr lang="en-US" sz="1800" dirty="0">
+                <a:solidFill>
+                  <a:schemeClr val="dk1"/>
+                </a:solidFill>
+                <a:latin typeface="Calibri"/>
+                <a:ea typeface="Calibri"/>
+                <a:cs typeface="Calibri"/>
+                <a:sym typeface="Calibri"/>
+              </a:rPr>
+              <a:t>	SET </a:t>
             </a:r>
             <a:r>
               <a:rPr lang="en-US" sz="1800" dirty="0" err="1">
                 <a:solidFill>
-                  <a:srgbClr val="FF0000"/>
-                </a:solidFill>
-                <a:latin typeface="Calibri"/>
-                <a:ea typeface="Calibri"/>
-                <a:cs typeface="Calibri"/>
-                <a:sym typeface="Calibri"/>
-              </a:rPr>
-              <a:t>nombre</a:t>
+                  <a:schemeClr val="dk1"/>
+                </a:solidFill>
+                <a:latin typeface="Calibri"/>
+                <a:ea typeface="Calibri"/>
+                <a:cs typeface="Calibri"/>
+                <a:sym typeface="Calibri"/>
+              </a:rPr>
+              <a:t>i</a:t>
             </a:r>
             <a:r>
               <a:rPr lang="en-US" sz="1800" dirty="0">
                 <a:solidFill>
-                  <a:srgbClr val="FF0000"/>
-                </a:solidFill>
-                <a:latin typeface="Calibri"/>
-                <a:ea typeface="Calibri"/>
-                <a:cs typeface="Calibri"/>
-                <a:sym typeface="Calibri"/>
-              </a:rPr>
-              <a:t> VARCHAR(25),</a:t>
-            </a:r>
-            <a:endParaRPr lang="en-US" dirty="0"/>
+                  <a:schemeClr val="dk1"/>
+                </a:solidFill>
+                <a:latin typeface="Calibri"/>
+                <a:ea typeface="Calibri"/>
+                <a:cs typeface="Calibri"/>
+                <a:sym typeface="Calibri"/>
+              </a:rPr>
+              <a:t>=i+1; </a:t>
+            </a:r>
           </a:p>
           <a:p>
             <a:r>
               <a:rPr lang="en-US" sz="1800" dirty="0">
                 <a:solidFill>
-                  <a:srgbClr val="FF0000"/>
-                </a:solidFill>
-                <a:latin typeface="Calibri"/>
-                <a:ea typeface="Calibri"/>
-                <a:cs typeface="Calibri"/>
-                <a:sym typeface="Calibri"/>
-              </a:rPr>
-              <a:t>    	</a:t>
+                  <a:schemeClr val="dk1"/>
+                </a:solidFill>
+                <a:latin typeface="Calibri"/>
+                <a:ea typeface="Calibri"/>
+                <a:cs typeface="Calibri"/>
+                <a:sym typeface="Calibri"/>
+              </a:rPr>
+              <a:t>UNTIL </a:t>
             </a:r>
             <a:r>
               <a:rPr lang="en-US" sz="1800" dirty="0" err="1">
                 <a:solidFill>
-                  <a:srgbClr val="FF0000"/>
-                </a:solidFill>
-                <a:latin typeface="Calibri"/>
-                <a:ea typeface="Calibri"/>
-                <a:cs typeface="Calibri"/>
-                <a:sym typeface="Calibri"/>
-              </a:rPr>
-              <a:t>apellidos</a:t>
+                  <a:schemeClr val="dk1"/>
+                </a:solidFill>
+                <a:latin typeface="Calibri"/>
+                <a:ea typeface="Calibri"/>
+                <a:cs typeface="Calibri"/>
+                <a:sym typeface="Calibri"/>
+              </a:rPr>
+              <a:t>i</a:t>
             </a:r>
             <a:r>
               <a:rPr lang="en-US" sz="1800" dirty="0">
                 <a:solidFill>
-                  <a:srgbClr val="FF0000"/>
-                </a:solidFill>
-                <a:latin typeface="Calibri"/>
-                <a:ea typeface="Calibri"/>
-                <a:cs typeface="Calibri"/>
-                <a:sym typeface="Calibri"/>
-              </a:rPr>
-              <a:t> VARCHAR(40));</a:t>
-            </a:r>
-            <a:endParaRPr lang="en-US" dirty="0"/>
-          </a:p>
-          <a:p>
+                  <a:schemeClr val="dk1"/>
+                </a:solidFill>
+                <a:latin typeface="Calibri"/>
+                <a:ea typeface="Calibri"/>
+                <a:cs typeface="Calibri"/>
+                <a:sym typeface="Calibri"/>
+              </a:rPr>
+              <a:t>&gt;</a:t>
+            </a:r>
+            <a:r>
+              <a:rPr lang="en-US" sz="1800" dirty="0" err="1">
+                <a:solidFill>
+                  <a:schemeClr val="dk1"/>
+                </a:solidFill>
+                <a:latin typeface="Calibri"/>
+                <a:ea typeface="Calibri"/>
+                <a:cs typeface="Calibri"/>
+                <a:sym typeface="Calibri"/>
+              </a:rPr>
+              <a:t>ncontratos</a:t>
+            </a:r>
             <a:r>
               <a:rPr lang="en-US" sz="1800" dirty="0">
                 <a:solidFill>
@@ -18711,20 +18108,10 @@
                 <a:cs typeface="Calibri"/>
                 <a:sym typeface="Calibri"/>
               </a:rPr>
-              <a:t>WHILE c&lt;</a:t>
-            </a:r>
-            <a:r>
-              <a:rPr lang="en-US" sz="1800" dirty="0" err="1">
-                <a:solidFill>
-                  <a:schemeClr val="dk1"/>
-                </a:solidFill>
-                <a:latin typeface="Calibri"/>
-                <a:ea typeface="Calibri"/>
-                <a:cs typeface="Calibri"/>
-                <a:sym typeface="Calibri"/>
-              </a:rPr>
-              <a:t>numero</a:t>
-            </a:r>
+              <a:t> END REPEAT; </a:t>
+            </a:r>
+          </a:p>
+          <a:p>
             <a:r>
               <a:rPr lang="en-US" sz="1800" dirty="0">
                 <a:solidFill>
@@ -18735,468 +18122,19 @@
                 <a:cs typeface="Calibri"/>
                 <a:sym typeface="Calibri"/>
               </a:rPr>
-              <a:t> DO</a:t>
-            </a:r>
-            <a:endParaRPr lang="en-US" dirty="0"/>
-          </a:p>
-          <a:p>
-            <a:r>
-              <a:rPr lang="en-US" sz="1800" dirty="0">
-                <a:solidFill>
-                  <a:schemeClr val="dk1"/>
-                </a:solidFill>
-                <a:latin typeface="Calibri"/>
-                <a:ea typeface="Calibri"/>
-                <a:cs typeface="Calibri"/>
-                <a:sym typeface="Calibri"/>
-              </a:rPr>
-              <a:t>	SELECT </a:t>
-            </a:r>
-            <a:r>
-              <a:rPr lang="en-US" sz="1800" dirty="0" err="1">
-                <a:solidFill>
-                  <a:schemeClr val="dk1"/>
-                </a:solidFill>
-                <a:latin typeface="Calibri"/>
-                <a:ea typeface="Calibri"/>
-                <a:cs typeface="Calibri"/>
-                <a:sym typeface="Calibri"/>
-              </a:rPr>
-              <a:t>nombre</a:t>
-            </a:r>
-            <a:r>
-              <a:rPr lang="en-US" sz="1800" dirty="0">
-                <a:solidFill>
-                  <a:schemeClr val="dk1"/>
-                </a:solidFill>
-                <a:latin typeface="Calibri"/>
-                <a:ea typeface="Calibri"/>
-                <a:cs typeface="Calibri"/>
-                <a:sym typeface="Calibri"/>
-              </a:rPr>
-              <a:t> INTO nom from </a:t>
-            </a:r>
-            <a:r>
-              <a:rPr lang="en-US" sz="1800" dirty="0" err="1">
-                <a:solidFill>
-                  <a:schemeClr val="dk1"/>
-                </a:solidFill>
-                <a:latin typeface="Calibri"/>
-                <a:ea typeface="Calibri"/>
-                <a:cs typeface="Calibri"/>
-                <a:sym typeface="Calibri"/>
-              </a:rPr>
-              <a:t>concursomusica.usuarios</a:t>
-            </a:r>
-            <a:r>
-              <a:rPr lang="en-US" sz="1800" dirty="0">
-                <a:solidFill>
-                  <a:schemeClr val="dk1"/>
-                </a:solidFill>
-                <a:latin typeface="Calibri"/>
-                <a:ea typeface="Calibri"/>
-                <a:cs typeface="Calibri"/>
-                <a:sym typeface="Calibri"/>
-              </a:rPr>
-              <a:t> ORDER BY rand() LIMIT 1;</a:t>
-            </a:r>
-            <a:endParaRPr lang="en-US" dirty="0"/>
-          </a:p>
-          <a:p>
-            <a:r>
-              <a:rPr lang="en-US" sz="1800" dirty="0">
-                <a:solidFill>
-                  <a:schemeClr val="dk1"/>
-                </a:solidFill>
-                <a:latin typeface="Calibri"/>
-                <a:ea typeface="Calibri"/>
-                <a:cs typeface="Calibri"/>
-                <a:sym typeface="Calibri"/>
-              </a:rPr>
-              <a:t>    	SELECT </a:t>
-            </a:r>
-            <a:r>
-              <a:rPr lang="en-US" sz="1800" dirty="0" err="1">
-                <a:solidFill>
-                  <a:schemeClr val="dk1"/>
-                </a:solidFill>
-                <a:latin typeface="Calibri"/>
-                <a:ea typeface="Calibri"/>
-                <a:cs typeface="Calibri"/>
-                <a:sym typeface="Calibri"/>
-              </a:rPr>
-              <a:t>apellidos</a:t>
-            </a:r>
-            <a:r>
-              <a:rPr lang="en-US" sz="1800" dirty="0">
-                <a:solidFill>
-                  <a:schemeClr val="dk1"/>
-                </a:solidFill>
-                <a:latin typeface="Calibri"/>
-                <a:ea typeface="Calibri"/>
-                <a:cs typeface="Calibri"/>
-                <a:sym typeface="Calibri"/>
-              </a:rPr>
-              <a:t> INTO ape FROM </a:t>
-            </a:r>
-            <a:r>
-              <a:rPr lang="en-US" sz="1800" dirty="0" err="1">
-                <a:solidFill>
-                  <a:schemeClr val="dk1"/>
-                </a:solidFill>
-                <a:latin typeface="Calibri"/>
-                <a:ea typeface="Calibri"/>
-                <a:cs typeface="Calibri"/>
-                <a:sym typeface="Calibri"/>
-              </a:rPr>
-              <a:t>concursomusica.usuarios</a:t>
-            </a:r>
-            <a:r>
-              <a:rPr lang="en-US" sz="1800" dirty="0">
-                <a:solidFill>
-                  <a:schemeClr val="dk1"/>
-                </a:solidFill>
-                <a:latin typeface="Calibri"/>
-                <a:ea typeface="Calibri"/>
-                <a:cs typeface="Calibri"/>
-                <a:sym typeface="Calibri"/>
-              </a:rPr>
-              <a:t> ORDER BY rand() LIMIT 1;</a:t>
-            </a:r>
-            <a:endParaRPr lang="en-US" dirty="0"/>
-          </a:p>
-          <a:p>
-            <a:r>
-              <a:rPr lang="en-US" sz="1800" dirty="0">
-                <a:solidFill>
-                  <a:schemeClr val="dk1"/>
-                </a:solidFill>
-                <a:latin typeface="Calibri"/>
-                <a:ea typeface="Calibri"/>
-                <a:cs typeface="Calibri"/>
-                <a:sym typeface="Calibri"/>
-              </a:rPr>
-              <a:t>    	SET c=c+1;</a:t>
-            </a:r>
-            <a:endParaRPr lang="en-US" dirty="0"/>
-          </a:p>
-          <a:p>
-            <a:r>
-              <a:rPr lang="en-US" sz="1800" dirty="0">
-                <a:solidFill>
-                  <a:schemeClr val="dk1"/>
-                </a:solidFill>
-                <a:latin typeface="Calibri"/>
-                <a:ea typeface="Calibri"/>
-                <a:cs typeface="Calibri"/>
-                <a:sym typeface="Calibri"/>
-              </a:rPr>
-              <a:t>	INSERT INTO temporal VALUES (</a:t>
-            </a:r>
-            <a:r>
-              <a:rPr lang="en-US" sz="1800" dirty="0" err="1">
-                <a:solidFill>
-                  <a:schemeClr val="dk1"/>
-                </a:solidFill>
-                <a:latin typeface="Calibri"/>
-                <a:ea typeface="Calibri"/>
-                <a:cs typeface="Calibri"/>
-                <a:sym typeface="Calibri"/>
-              </a:rPr>
-              <a:t>nom,ape</a:t>
-            </a:r>
-            <a:r>
-              <a:rPr lang="en-US" sz="1800" dirty="0">
-                <a:solidFill>
-                  <a:schemeClr val="dk1"/>
-                </a:solidFill>
-                <a:latin typeface="Calibri"/>
-                <a:ea typeface="Calibri"/>
-                <a:cs typeface="Calibri"/>
-                <a:sym typeface="Calibri"/>
-              </a:rPr>
-              <a:t>);</a:t>
-            </a:r>
-            <a:endParaRPr lang="en-US" dirty="0"/>
-          </a:p>
-          <a:p>
-            <a:r>
-              <a:rPr lang="en-US" sz="1800" dirty="0">
-                <a:solidFill>
-                  <a:schemeClr val="dk1"/>
-                </a:solidFill>
-                <a:latin typeface="Calibri"/>
-                <a:ea typeface="Calibri"/>
-                <a:cs typeface="Calibri"/>
-                <a:sym typeface="Calibri"/>
-              </a:rPr>
-              <a:t>  END WHILE;</a:t>
-            </a:r>
-            <a:endParaRPr lang="en-US" dirty="0"/>
-          </a:p>
-          <a:p>
-            <a:r>
-              <a:rPr lang="en-US" sz="1800" dirty="0">
-                <a:solidFill>
-                  <a:schemeClr val="dk1"/>
-                </a:solidFill>
-                <a:latin typeface="Calibri"/>
-                <a:ea typeface="Calibri"/>
-                <a:cs typeface="Calibri"/>
-                <a:sym typeface="Calibri"/>
-              </a:rPr>
-              <a:t> END</a:t>
-            </a:r>
-            <a:endParaRPr lang="es-ES" sz="1200" dirty="0">
-              <a:solidFill>
-                <a:schemeClr val="dk1"/>
-              </a:solidFill>
-              <a:latin typeface="Calibri"/>
-              <a:ea typeface="Calibri"/>
-              <a:cs typeface="Calibri"/>
-              <a:sym typeface="Calibri"/>
-            </a:endParaRPr>
-          </a:p>
-        </p:txBody>
-      </p:sp>
-      <p:sp>
-        <p:nvSpPr>
-          <p:cNvPr id="6" name="Marcador de contenido 2">
-            <a:extLst>
-              <a:ext uri="{FF2B5EF4-FFF2-40B4-BE49-F238E27FC236}">
-                <a16:creationId xmlns:a16="http://schemas.microsoft.com/office/drawing/2014/main" id="{F055FD31-77FB-07C3-2F4E-3A331FF33EEF}"/>
-              </a:ext>
-            </a:extLst>
-          </p:cNvPr>
-          <p:cNvSpPr txBox="1">
-            <a:spLocks/>
-          </p:cNvSpPr>
-          <p:nvPr/>
-        </p:nvSpPr>
-        <p:spPr>
-          <a:xfrm>
-            <a:off x="784485" y="1420555"/>
-            <a:ext cx="1786650" cy="559324"/>
-          </a:xfrm>
-          <a:prstGeom prst="rect">
-            <a:avLst/>
-          </a:prstGeom>
-        </p:spPr>
-        <p:txBody>
-          <a:bodyPr vert="horz" lIns="91440" tIns="45720" rIns="91440" bIns="45720" rtlCol="0">
-            <a:normAutofit/>
-          </a:bodyPr>
-          <a:lstStyle>
-            <a:lvl1pPr marL="228600" indent="-228600" algn="l" defTabSz="914400" rtl="0" eaLnBrk="1" latinLnBrk="0" hangingPunct="1">
-              <a:lnSpc>
-                <a:spcPct val="110000"/>
-              </a:lnSpc>
-              <a:spcBef>
-                <a:spcPts val="1000"/>
-              </a:spcBef>
-              <a:buClr>
-                <a:schemeClr val="tx2">
-                  <a:lumMod val="50000"/>
-                  <a:lumOff val="50000"/>
-                </a:schemeClr>
-              </a:buClr>
-              <a:buSzPct val="75000"/>
-              <a:buFont typeface="Wingdings" panose="05000000000000000000" pitchFamily="2" charset="2"/>
-              <a:buChar char="§"/>
-              <a:defRPr sz="2000" kern="1200">
-                <a:solidFill>
-                  <a:schemeClr val="tx2"/>
-                </a:solidFill>
-                <a:latin typeface="+mn-lt"/>
-                <a:ea typeface="+mn-ea"/>
-                <a:cs typeface="+mn-cs"/>
-              </a:defRPr>
-            </a:lvl1pPr>
-            <a:lvl2pPr marL="457200" indent="-228600" algn="l" defTabSz="914400" rtl="0" eaLnBrk="1" latinLnBrk="0" hangingPunct="1">
-              <a:lnSpc>
-                <a:spcPct val="110000"/>
-              </a:lnSpc>
-              <a:spcBef>
-                <a:spcPts val="500"/>
-              </a:spcBef>
-              <a:buClr>
-                <a:schemeClr val="tx2">
-                  <a:lumMod val="50000"/>
-                  <a:lumOff val="50000"/>
-                </a:schemeClr>
-              </a:buClr>
-              <a:buSzPct val="75000"/>
-              <a:buFont typeface="Wingdings" panose="05000000000000000000" pitchFamily="2" charset="2"/>
-              <a:buChar char="§"/>
-              <a:defRPr sz="1800" kern="1200">
-                <a:solidFill>
-                  <a:schemeClr val="tx2"/>
-                </a:solidFill>
-                <a:latin typeface="+mn-lt"/>
-                <a:ea typeface="+mn-ea"/>
-                <a:cs typeface="+mn-cs"/>
-              </a:defRPr>
-            </a:lvl2pPr>
-            <a:lvl3pPr marL="685800" indent="-228600" algn="l" defTabSz="914400" rtl="0" eaLnBrk="1" latinLnBrk="0" hangingPunct="1">
-              <a:lnSpc>
-                <a:spcPct val="110000"/>
-              </a:lnSpc>
-              <a:spcBef>
-                <a:spcPts val="500"/>
-              </a:spcBef>
-              <a:buClr>
-                <a:schemeClr val="tx2">
-                  <a:lumMod val="50000"/>
-                  <a:lumOff val="50000"/>
-                </a:schemeClr>
-              </a:buClr>
-              <a:buSzPct val="75000"/>
-              <a:buFont typeface="Wingdings" panose="05000000000000000000" pitchFamily="2" charset="2"/>
-              <a:buChar char="§"/>
-              <a:defRPr sz="1600" kern="1200">
-                <a:solidFill>
-                  <a:schemeClr val="tx2"/>
-                </a:solidFill>
-                <a:latin typeface="+mn-lt"/>
-                <a:ea typeface="+mn-ea"/>
-                <a:cs typeface="+mn-cs"/>
-              </a:defRPr>
-            </a:lvl3pPr>
-            <a:lvl4pPr marL="914400" indent="-228600" algn="l" defTabSz="914400" rtl="0" eaLnBrk="1" latinLnBrk="0" hangingPunct="1">
-              <a:lnSpc>
-                <a:spcPct val="110000"/>
-              </a:lnSpc>
-              <a:spcBef>
-                <a:spcPts val="500"/>
-              </a:spcBef>
-              <a:buClr>
-                <a:schemeClr val="tx2">
-                  <a:lumMod val="50000"/>
-                  <a:lumOff val="50000"/>
-                </a:schemeClr>
-              </a:buClr>
-              <a:buSzPct val="75000"/>
-              <a:buFont typeface="Wingdings" panose="05000000000000000000" pitchFamily="2" charset="2"/>
-              <a:buChar char="§"/>
-              <a:defRPr sz="1400" kern="1200">
-                <a:solidFill>
-                  <a:schemeClr val="tx2"/>
-                </a:solidFill>
-                <a:latin typeface="+mn-lt"/>
-                <a:ea typeface="+mn-ea"/>
-                <a:cs typeface="+mn-cs"/>
-              </a:defRPr>
-            </a:lvl4pPr>
-            <a:lvl5pPr marL="1143000" indent="-228600" algn="l" defTabSz="914400" rtl="0" eaLnBrk="1" latinLnBrk="0" hangingPunct="1">
-              <a:lnSpc>
-                <a:spcPct val="110000"/>
-              </a:lnSpc>
-              <a:spcBef>
-                <a:spcPts val="500"/>
-              </a:spcBef>
-              <a:buClr>
-                <a:schemeClr val="tx2">
-                  <a:lumMod val="50000"/>
-                  <a:lumOff val="50000"/>
-                </a:schemeClr>
-              </a:buClr>
-              <a:buSzPct val="75000"/>
-              <a:buFont typeface="Wingdings" panose="05000000000000000000" pitchFamily="2" charset="2"/>
-              <a:buChar char="§"/>
-              <a:defRPr sz="1400" kern="1200">
-                <a:solidFill>
-                  <a:schemeClr val="tx2"/>
-                </a:solidFill>
-                <a:latin typeface="+mn-lt"/>
-                <a:ea typeface="+mn-ea"/>
-                <a:cs typeface="+mn-cs"/>
-              </a:defRPr>
-            </a:lvl5pPr>
-            <a:lvl6pPr marL="2514600" indent="-228600" algn="l" defTabSz="914400" rtl="0" eaLnBrk="1" latinLnBrk="0" hangingPunct="1">
-              <a:lnSpc>
-                <a:spcPct val="90000"/>
-              </a:lnSpc>
-              <a:spcBef>
-                <a:spcPts val="500"/>
-              </a:spcBef>
-              <a:buFont typeface="Arial" panose="020B0604020202020204" pitchFamily="34" charset="0"/>
-              <a:buChar char="•"/>
-              <a:defRPr sz="1800" kern="1200">
-                <a:solidFill>
-                  <a:schemeClr val="tx1"/>
-                </a:solidFill>
-                <a:latin typeface="+mn-lt"/>
-                <a:ea typeface="+mn-ea"/>
-                <a:cs typeface="+mn-cs"/>
-              </a:defRPr>
-            </a:lvl6pPr>
-            <a:lvl7pPr marL="2971800" indent="-228600" algn="l" defTabSz="914400" rtl="0" eaLnBrk="1" latinLnBrk="0" hangingPunct="1">
-              <a:lnSpc>
-                <a:spcPct val="90000"/>
-              </a:lnSpc>
-              <a:spcBef>
-                <a:spcPts val="500"/>
-              </a:spcBef>
-              <a:buFont typeface="Arial" panose="020B0604020202020204" pitchFamily="34" charset="0"/>
-              <a:buChar char="•"/>
-              <a:defRPr sz="1800" kern="1200">
-                <a:solidFill>
-                  <a:schemeClr val="tx1"/>
-                </a:solidFill>
-                <a:latin typeface="+mn-lt"/>
-                <a:ea typeface="+mn-ea"/>
-                <a:cs typeface="+mn-cs"/>
-              </a:defRPr>
-            </a:lvl7pPr>
-            <a:lvl8pPr marL="3429000" indent="-228600" algn="l" defTabSz="914400" rtl="0" eaLnBrk="1" latinLnBrk="0" hangingPunct="1">
-              <a:lnSpc>
-                <a:spcPct val="90000"/>
-              </a:lnSpc>
-              <a:spcBef>
-                <a:spcPts val="500"/>
-              </a:spcBef>
-              <a:buFont typeface="Arial" panose="020B0604020202020204" pitchFamily="34" charset="0"/>
-              <a:buChar char="•"/>
-              <a:defRPr sz="1800" kern="1200">
-                <a:solidFill>
-                  <a:schemeClr val="tx1"/>
-                </a:solidFill>
-                <a:latin typeface="+mn-lt"/>
-                <a:ea typeface="+mn-ea"/>
-                <a:cs typeface="+mn-cs"/>
-              </a:defRPr>
-            </a:lvl8pPr>
-            <a:lvl9pPr marL="3886200" indent="-228600" algn="l" defTabSz="914400" rtl="0" eaLnBrk="1" latinLnBrk="0" hangingPunct="1">
-              <a:lnSpc>
-                <a:spcPct val="90000"/>
-              </a:lnSpc>
-              <a:spcBef>
-                <a:spcPts val="500"/>
-              </a:spcBef>
-              <a:buFont typeface="Arial" panose="020B0604020202020204" pitchFamily="34" charset="0"/>
-              <a:buChar char="•"/>
-              <a:defRPr sz="1800" kern="1200">
-                <a:solidFill>
-                  <a:schemeClr val="tx1"/>
-                </a:solidFill>
-                <a:latin typeface="+mn-lt"/>
-                <a:ea typeface="+mn-ea"/>
-                <a:cs typeface="+mn-cs"/>
-              </a:defRPr>
-            </a:lvl9pPr>
-          </a:lstStyle>
-          <a:p>
-            <a:r>
-              <a:rPr lang="es-ES" dirty="0"/>
-              <a:t>Ejemplo 13:</a:t>
-            </a:r>
+              <a:t>END</a:t>
+            </a:r>
+          </a:p>
+          <a:p>
+            <a:pPr algn="ctr"/>
+            <a:endParaRPr lang="es-ES" dirty="0"/>
           </a:p>
         </p:txBody>
       </p:sp>
     </p:spTree>
     <p:extLst>
       <p:ext uri="{BB962C8B-B14F-4D97-AF65-F5344CB8AC3E}">
-        <p14:creationId xmlns:p14="http://schemas.microsoft.com/office/powerpoint/2010/main" val="647149138"/>
+        <p14:creationId xmlns:p14="http://schemas.microsoft.com/office/powerpoint/2010/main" val="3767832805"/>
       </p:ext>
     </p:extLst>
   </p:cSld>
@@ -19997,7 +18935,12 @@
             <p:ph idx="1"/>
           </p:nvPr>
         </p:nvSpPr>
-        <p:spPr/>
+        <p:spPr>
+          <a:xfrm>
+            <a:off x="691079" y="1574276"/>
+            <a:ext cx="10325000" cy="772119"/>
+          </a:xfrm>
+        </p:spPr>
         <p:txBody>
           <a:bodyPr/>
           <a:lstStyle/>
@@ -20013,7 +18956,31 @@
                 <a:cs typeface="Calibri"/>
                 <a:sym typeface="Calibri"/>
               </a:rPr>
-              <a:t>Ejemplo 8: </a:t>
+              <a:t>Ejemplo 8 </a:t>
+            </a:r>
+            <a:r>
+              <a:rPr lang="es-ES" b="1" i="1" dirty="0" err="1">
+                <a:solidFill>
+                  <a:schemeClr val="dk1"/>
+                </a:solidFill>
+                <a:latin typeface="Calibri"/>
+                <a:ea typeface="Calibri"/>
+                <a:cs typeface="Calibri"/>
+                <a:sym typeface="Calibri"/>
+              </a:rPr>
+              <a:t>loop</a:t>
+            </a:r>
+            <a:r>
+              <a:rPr lang="es-ES" b="1" i="1" dirty="0">
+                <a:solidFill>
+                  <a:schemeClr val="dk1"/>
+                </a:solidFill>
+                <a:latin typeface="Calibri"/>
+                <a:ea typeface="Calibri"/>
+                <a:cs typeface="Calibri"/>
+                <a:sym typeface="Calibri"/>
+              </a:rPr>
+              <a:t>: </a:t>
             </a:r>
             <a:r>
               <a:rPr lang="es-ES" dirty="0">
@@ -20025,34 +18992,7 @@
                 <a:cs typeface="Calibri"/>
                 <a:sym typeface="Calibri"/>
               </a:rPr>
-              <a:t>Realiza un procedimiento para obtener cuantos divisores tiene un número entero.</a:t>
-            </a:r>
-          </a:p>
-          <a:p>
-            <a:pPr algn="just"/>
-            <a:r>
-              <a:rPr lang="es-ES" b="1" i="1" dirty="0">
-                <a:solidFill>
-                  <a:schemeClr val="dk1"/>
-                </a:solidFill>
-                <a:latin typeface="Calibri"/>
-                <a:ea typeface="Calibri"/>
-                <a:cs typeface="Calibri"/>
-                <a:sym typeface="Calibri"/>
-              </a:rPr>
-              <a:t>Ejemplo 9: </a:t>
-            </a:r>
-            <a:r>
-              <a:rPr lang="es-ES" dirty="0">
-                <a:solidFill>
-                  <a:schemeClr val="dk1"/>
-                </a:solidFill>
-                <a:latin typeface="Calibri"/>
-                <a:ea typeface="Calibri"/>
-                <a:cs typeface="Calibri"/>
-                <a:sym typeface="Calibri"/>
-              </a:rPr>
-              <a:t>Realiza un procedimiento que obtiene el primer número de contrato a partir del contrato número 1 que no exista en la tabla contratos.</a:t>
+              <a:t>Realiza un procedimiento para insertar en una tabla números los números del 1 al 10. El procedimiento se hace en la base de datos prueba. Muestra la tabla al finalizar.</a:t>
             </a:r>
           </a:p>
           <a:p>
@@ -20080,6 +19020,451 @@
           </a:p>
           <a:p>
             <a:endParaRPr lang="es-ES" dirty="0"/>
+          </a:p>
+        </p:txBody>
+      </p:sp>
+      <p:sp>
+        <p:nvSpPr>
+          <p:cNvPr id="4" name="CuadroTexto 3">
+            <a:extLst>
+              <a:ext uri="{FF2B5EF4-FFF2-40B4-BE49-F238E27FC236}">
+                <a16:creationId xmlns:a16="http://schemas.microsoft.com/office/drawing/2014/main" id="{4015700E-6A2D-F5D5-5F29-3C47E9DB2F92}"/>
+              </a:ext>
+            </a:extLst>
+          </p:cNvPr>
+          <p:cNvSpPr txBox="1"/>
+          <p:nvPr/>
+        </p:nvSpPr>
+        <p:spPr>
+          <a:xfrm>
+            <a:off x="1066586" y="2346395"/>
+            <a:ext cx="9591582" cy="4247317"/>
+          </a:xfrm>
+          <a:prstGeom prst="rect">
+            <a:avLst/>
+          </a:prstGeom>
+          <a:noFill/>
+          <a:ln w="25400">
+            <a:solidFill>
+              <a:schemeClr val="accent1"/>
+            </a:solidFill>
+          </a:ln>
+        </p:spPr>
+        <p:txBody>
+          <a:bodyPr wrap="square">
+            <a:spAutoFit/>
+          </a:bodyPr>
+          <a:lstStyle/>
+          <a:p>
+            <a:r>
+              <a:rPr lang="en-US" i="1" dirty="0">
+                <a:solidFill>
+                  <a:schemeClr val="dk1"/>
+                </a:solidFill>
+                <a:latin typeface="Calibri"/>
+                <a:ea typeface="Calibri"/>
+                <a:cs typeface="Calibri"/>
+                <a:sym typeface="Calibri"/>
+              </a:rPr>
+              <a:t>CREATE ejemplo8_loop()</a:t>
+            </a:r>
+          </a:p>
+          <a:p>
+            <a:r>
+              <a:rPr lang="en-US" i="1" dirty="0">
+                <a:solidFill>
+                  <a:schemeClr val="dk1"/>
+                </a:solidFill>
+                <a:latin typeface="Calibri"/>
+                <a:ea typeface="Calibri"/>
+                <a:cs typeface="Calibri"/>
+                <a:sym typeface="Calibri"/>
+              </a:rPr>
+              <a:t>BEGIN</a:t>
+            </a:r>
+          </a:p>
+          <a:p>
+            <a:r>
+              <a:rPr lang="en-US" i="1" dirty="0">
+                <a:solidFill>
+                  <a:schemeClr val="dk1"/>
+                </a:solidFill>
+                <a:latin typeface="Calibri"/>
+                <a:ea typeface="Calibri"/>
+                <a:cs typeface="Calibri"/>
+                <a:sym typeface="Calibri"/>
+              </a:rPr>
+              <a:t>declare </a:t>
+            </a:r>
+            <a:r>
+              <a:rPr lang="en-US" i="1" dirty="0" err="1">
+                <a:solidFill>
+                  <a:schemeClr val="dk1"/>
+                </a:solidFill>
+                <a:latin typeface="Calibri"/>
+                <a:ea typeface="Calibri"/>
+                <a:cs typeface="Calibri"/>
+                <a:sym typeface="Calibri"/>
+              </a:rPr>
+              <a:t>i</a:t>
+            </a:r>
+            <a:r>
+              <a:rPr lang="en-US" i="1" dirty="0">
+                <a:solidFill>
+                  <a:schemeClr val="dk1"/>
+                </a:solidFill>
+                <a:latin typeface="Calibri"/>
+                <a:ea typeface="Calibri"/>
+                <a:cs typeface="Calibri"/>
+                <a:sym typeface="Calibri"/>
+              </a:rPr>
+              <a:t> int;</a:t>
+            </a:r>
+          </a:p>
+          <a:p>
+            <a:r>
+              <a:rPr lang="en-US" i="1" dirty="0">
+                <a:solidFill>
+                  <a:schemeClr val="dk1"/>
+                </a:solidFill>
+                <a:latin typeface="Calibri"/>
+                <a:ea typeface="Calibri"/>
+                <a:cs typeface="Calibri"/>
+                <a:sym typeface="Calibri"/>
+              </a:rPr>
+              <a:t>create table </a:t>
+            </a:r>
+            <a:r>
+              <a:rPr lang="en-US" i="1" dirty="0" err="1">
+                <a:solidFill>
+                  <a:schemeClr val="dk1"/>
+                </a:solidFill>
+                <a:latin typeface="Calibri"/>
+                <a:ea typeface="Calibri"/>
+                <a:cs typeface="Calibri"/>
+                <a:sym typeface="Calibri"/>
+              </a:rPr>
+              <a:t>numeros</a:t>
+            </a:r>
+            <a:r>
+              <a:rPr lang="en-US" i="1" dirty="0">
+                <a:solidFill>
+                  <a:schemeClr val="dk1"/>
+                </a:solidFill>
+                <a:latin typeface="Calibri"/>
+                <a:ea typeface="Calibri"/>
+                <a:cs typeface="Calibri"/>
+                <a:sym typeface="Calibri"/>
+              </a:rPr>
+              <a:t>(</a:t>
+            </a:r>
+          </a:p>
+          <a:p>
+            <a:r>
+              <a:rPr lang="en-US" i="1" dirty="0">
+                <a:solidFill>
+                  <a:schemeClr val="dk1"/>
+                </a:solidFill>
+                <a:latin typeface="Calibri"/>
+                <a:ea typeface="Calibri"/>
+                <a:cs typeface="Calibri"/>
+                <a:sym typeface="Calibri"/>
+              </a:rPr>
+              <a:t>num int);</a:t>
+            </a:r>
+          </a:p>
+          <a:p>
+            <a:r>
+              <a:rPr lang="en-US" i="1" dirty="0">
+                <a:solidFill>
+                  <a:schemeClr val="dk1"/>
+                </a:solidFill>
+                <a:latin typeface="Calibri"/>
+                <a:ea typeface="Calibri"/>
+                <a:cs typeface="Calibri"/>
+                <a:sym typeface="Calibri"/>
+              </a:rPr>
+              <a:t>set </a:t>
+            </a:r>
+            <a:r>
+              <a:rPr lang="en-US" i="1" dirty="0" err="1">
+                <a:solidFill>
+                  <a:schemeClr val="dk1"/>
+                </a:solidFill>
+                <a:latin typeface="Calibri"/>
+                <a:ea typeface="Calibri"/>
+                <a:cs typeface="Calibri"/>
+                <a:sym typeface="Calibri"/>
+              </a:rPr>
+              <a:t>i</a:t>
+            </a:r>
+            <a:r>
+              <a:rPr lang="en-US" i="1" dirty="0">
+                <a:solidFill>
+                  <a:schemeClr val="dk1"/>
+                </a:solidFill>
+                <a:latin typeface="Calibri"/>
+                <a:ea typeface="Calibri"/>
+                <a:cs typeface="Calibri"/>
+                <a:sym typeface="Calibri"/>
+              </a:rPr>
+              <a:t>=1;</a:t>
+            </a:r>
+          </a:p>
+          <a:p>
+            <a:r>
+              <a:rPr lang="en-US" i="1" dirty="0">
+                <a:solidFill>
+                  <a:schemeClr val="dk1"/>
+                </a:solidFill>
+                <a:latin typeface="Calibri"/>
+                <a:ea typeface="Calibri"/>
+                <a:cs typeface="Calibri"/>
+                <a:sym typeface="Calibri"/>
+              </a:rPr>
+              <a:t>etiq1: loop	</a:t>
+            </a:r>
+          </a:p>
+          <a:p>
+            <a:r>
+              <a:rPr lang="en-US" i="1" dirty="0">
+                <a:solidFill>
+                  <a:schemeClr val="dk1"/>
+                </a:solidFill>
+                <a:latin typeface="Calibri"/>
+                <a:ea typeface="Calibri"/>
+                <a:cs typeface="Calibri"/>
+                <a:sym typeface="Calibri"/>
+              </a:rPr>
+              <a:t>	insert into </a:t>
+            </a:r>
+            <a:r>
+              <a:rPr lang="en-US" i="1" dirty="0" err="1">
+                <a:solidFill>
+                  <a:schemeClr val="dk1"/>
+                </a:solidFill>
+                <a:latin typeface="Calibri"/>
+                <a:ea typeface="Calibri"/>
+                <a:cs typeface="Calibri"/>
+                <a:sym typeface="Calibri"/>
+              </a:rPr>
+              <a:t>numeros</a:t>
+            </a:r>
+            <a:r>
+              <a:rPr lang="en-US" i="1" dirty="0">
+                <a:solidFill>
+                  <a:schemeClr val="dk1"/>
+                </a:solidFill>
+                <a:latin typeface="Calibri"/>
+                <a:ea typeface="Calibri"/>
+                <a:cs typeface="Calibri"/>
+                <a:sym typeface="Calibri"/>
+              </a:rPr>
+              <a:t> values (</a:t>
+            </a:r>
+            <a:r>
+              <a:rPr lang="en-US" i="1" dirty="0" err="1">
+                <a:solidFill>
+                  <a:schemeClr val="dk1"/>
+                </a:solidFill>
+                <a:latin typeface="Calibri"/>
+                <a:ea typeface="Calibri"/>
+                <a:cs typeface="Calibri"/>
+                <a:sym typeface="Calibri"/>
+              </a:rPr>
+              <a:t>i</a:t>
+            </a:r>
+            <a:r>
+              <a:rPr lang="en-US" i="1" dirty="0">
+                <a:solidFill>
+                  <a:schemeClr val="dk1"/>
+                </a:solidFill>
+                <a:latin typeface="Calibri"/>
+                <a:ea typeface="Calibri"/>
+                <a:cs typeface="Calibri"/>
+                <a:sym typeface="Calibri"/>
+              </a:rPr>
+              <a:t>);    </a:t>
+            </a:r>
+          </a:p>
+          <a:p>
+            <a:r>
+              <a:rPr lang="en-US" i="1" dirty="0">
+                <a:solidFill>
+                  <a:schemeClr val="dk1"/>
+                </a:solidFill>
+                <a:latin typeface="Calibri"/>
+                <a:ea typeface="Calibri"/>
+                <a:cs typeface="Calibri"/>
+                <a:sym typeface="Calibri"/>
+              </a:rPr>
+              <a:t>	set </a:t>
+            </a:r>
+            <a:r>
+              <a:rPr lang="en-US" i="1" dirty="0" err="1">
+                <a:solidFill>
+                  <a:schemeClr val="dk1"/>
+                </a:solidFill>
+                <a:latin typeface="Calibri"/>
+                <a:ea typeface="Calibri"/>
+                <a:cs typeface="Calibri"/>
+                <a:sym typeface="Calibri"/>
+              </a:rPr>
+              <a:t>i</a:t>
+            </a:r>
+            <a:r>
+              <a:rPr lang="en-US" i="1" dirty="0">
+                <a:solidFill>
+                  <a:schemeClr val="dk1"/>
+                </a:solidFill>
+                <a:latin typeface="Calibri"/>
+                <a:ea typeface="Calibri"/>
+                <a:cs typeface="Calibri"/>
+                <a:sym typeface="Calibri"/>
+              </a:rPr>
+              <a:t>=i+1;    </a:t>
+            </a:r>
+          </a:p>
+          <a:p>
+            <a:r>
+              <a:rPr lang="en-US" i="1" dirty="0">
+                <a:solidFill>
+                  <a:schemeClr val="dk1"/>
+                </a:solidFill>
+                <a:latin typeface="Calibri"/>
+                <a:ea typeface="Calibri"/>
+                <a:cs typeface="Calibri"/>
+                <a:sym typeface="Calibri"/>
+              </a:rPr>
+              <a:t>	if </a:t>
+            </a:r>
+            <a:r>
+              <a:rPr lang="en-US" i="1" dirty="0" err="1">
+                <a:solidFill>
+                  <a:schemeClr val="dk1"/>
+                </a:solidFill>
+                <a:latin typeface="Calibri"/>
+                <a:ea typeface="Calibri"/>
+                <a:cs typeface="Calibri"/>
+                <a:sym typeface="Calibri"/>
+              </a:rPr>
+              <a:t>i</a:t>
+            </a:r>
+            <a:r>
+              <a:rPr lang="en-US" i="1" dirty="0">
+                <a:solidFill>
+                  <a:schemeClr val="dk1"/>
+                </a:solidFill>
+                <a:latin typeface="Calibri"/>
+                <a:ea typeface="Calibri"/>
+                <a:cs typeface="Calibri"/>
+                <a:sym typeface="Calibri"/>
+              </a:rPr>
+              <a:t>&gt;10 then		</a:t>
+            </a:r>
+          </a:p>
+          <a:p>
+            <a:r>
+              <a:rPr lang="en-US" i="1" dirty="0">
+                <a:solidFill>
+                  <a:schemeClr val="dk1"/>
+                </a:solidFill>
+                <a:latin typeface="Calibri"/>
+                <a:ea typeface="Calibri"/>
+                <a:cs typeface="Calibri"/>
+                <a:sym typeface="Calibri"/>
+              </a:rPr>
+              <a:t>		leave etiq1;	</a:t>
+            </a:r>
+          </a:p>
+          <a:p>
+            <a:r>
+              <a:rPr lang="en-US" i="1" dirty="0">
+                <a:solidFill>
+                  <a:schemeClr val="dk1"/>
+                </a:solidFill>
+                <a:latin typeface="Calibri"/>
+                <a:ea typeface="Calibri"/>
+                <a:cs typeface="Calibri"/>
+                <a:sym typeface="Calibri"/>
+              </a:rPr>
+              <a:t>	end if;</a:t>
+            </a:r>
+          </a:p>
+          <a:p>
+            <a:r>
+              <a:rPr lang="en-US" i="1" dirty="0">
+                <a:solidFill>
+                  <a:schemeClr val="dk1"/>
+                </a:solidFill>
+                <a:latin typeface="Calibri"/>
+                <a:ea typeface="Calibri"/>
+                <a:cs typeface="Calibri"/>
+                <a:sym typeface="Calibri"/>
+              </a:rPr>
+              <a:t>end loop etiq1;</a:t>
+            </a:r>
+          </a:p>
+          <a:p>
+            <a:r>
+              <a:rPr lang="en-US" i="1" dirty="0">
+                <a:solidFill>
+                  <a:schemeClr val="dk1"/>
+                </a:solidFill>
+                <a:latin typeface="Calibri"/>
+                <a:ea typeface="Calibri"/>
+                <a:cs typeface="Calibri"/>
+                <a:sym typeface="Calibri"/>
+              </a:rPr>
+              <a:t>select * from </a:t>
+            </a:r>
+            <a:r>
+              <a:rPr lang="en-US" i="1" dirty="0" err="1">
+                <a:solidFill>
+                  <a:schemeClr val="dk1"/>
+                </a:solidFill>
+                <a:latin typeface="Calibri"/>
+                <a:ea typeface="Calibri"/>
+                <a:cs typeface="Calibri"/>
+                <a:sym typeface="Calibri"/>
+              </a:rPr>
+              <a:t>numeros</a:t>
+            </a:r>
+            <a:r>
+              <a:rPr lang="en-US" i="1" dirty="0">
+                <a:solidFill>
+                  <a:schemeClr val="dk1"/>
+                </a:solidFill>
+                <a:latin typeface="Calibri"/>
+                <a:ea typeface="Calibri"/>
+                <a:cs typeface="Calibri"/>
+                <a:sym typeface="Calibri"/>
+              </a:rPr>
+              <a:t>;</a:t>
+            </a:r>
+          </a:p>
+          <a:p>
+            <a:r>
+              <a:rPr lang="en-US" i="1" dirty="0">
+                <a:solidFill>
+                  <a:schemeClr val="dk1"/>
+                </a:solidFill>
+                <a:latin typeface="Calibri"/>
+                <a:ea typeface="Calibri"/>
+                <a:cs typeface="Calibri"/>
+                <a:sym typeface="Calibri"/>
+              </a:rPr>
+              <a:t>END</a:t>
+            </a:r>
+            <a:endParaRPr lang="es-ES" dirty="0">
+              <a:solidFill>
+                <a:schemeClr val="dk1"/>
+              </a:solidFill>
+              <a:latin typeface="Calibri"/>
+              <a:ea typeface="Calibri"/>
+              <a:cs typeface="Calibri"/>
+              <a:sym typeface="Calibri"/>
+            </a:endParaRPr>
           </a:p>
         </p:txBody>
       </p:sp>
@@ -20163,17 +19548,15 @@
         </p:nvSpPr>
         <p:spPr>
           <a:xfrm>
-            <a:off x="784484" y="1875104"/>
-            <a:ext cx="4997191" cy="2523768"/>
+            <a:off x="784486" y="2266544"/>
+            <a:ext cx="5409838" cy="3170099"/>
           </a:xfrm>
           <a:prstGeom prst="rect">
             <a:avLst/>
           </a:prstGeom>
           <a:noFill/>
           <a:ln>
-            <a:solidFill>
-              <a:schemeClr val="accent1"/>
-            </a:solidFill>
+            <a:noFill/>
           </a:ln>
         </p:spPr>
         <p:txBody>
@@ -20183,22 +19566,45 @@
           <a:lstStyle/>
           <a:p>
             <a:r>
-              <a:rPr lang="en-US" sz="1600" i="1" dirty="0">
-                <a:solidFill>
-                  <a:schemeClr val="dk1"/>
-                </a:solidFill>
-                <a:latin typeface="Calibri"/>
-                <a:ea typeface="Calibri"/>
-                <a:cs typeface="Calibri"/>
-                <a:sym typeface="Calibri"/>
-              </a:rPr>
-              <a:t>CREATE PROCEDURE ejemplo8 (IN num INT, OUT c INT)</a:t>
-            </a:r>
-            <a:endParaRPr lang="en-US" sz="1600" dirty="0"/>
-          </a:p>
-          <a:p>
-            <a:r>
-              <a:rPr lang="en-US" sz="1600" i="1" dirty="0">
+              <a:rPr lang="en-US" sz="2000" dirty="0">
+                <a:solidFill>
+                  <a:schemeClr val="dk1"/>
+                </a:solidFill>
+                <a:latin typeface="Calibri"/>
+                <a:ea typeface="Calibri"/>
+                <a:cs typeface="Calibri"/>
+                <a:sym typeface="Calibri"/>
+              </a:rPr>
+              <a:t>CREATE PROCEDURE ejemplo9_loop(OUT </a:t>
+            </a:r>
+            <a:r>
+              <a:rPr lang="en-US" sz="2000" dirty="0" err="1">
+                <a:solidFill>
+                  <a:schemeClr val="dk1"/>
+                </a:solidFill>
+                <a:latin typeface="Calibri"/>
+                <a:ea typeface="Calibri"/>
+                <a:cs typeface="Calibri"/>
+                <a:sym typeface="Calibri"/>
+              </a:rPr>
+              <a:t>texto</a:t>
+            </a:r>
+            <a:r>
+              <a:rPr lang="en-US" sz="2000" dirty="0">
+                <a:solidFill>
+                  <a:schemeClr val="dk1"/>
+                </a:solidFill>
+                <a:latin typeface="Calibri"/>
+                <a:ea typeface="Calibri"/>
+                <a:cs typeface="Calibri"/>
+                <a:sym typeface="Calibri"/>
+              </a:rPr>
+              <a:t> VARCHAR(100))</a:t>
+            </a:r>
+          </a:p>
+          <a:p>
+            <a:r>
+              <a:rPr lang="en-US" sz="2000" dirty="0">
                 <a:solidFill>
                   <a:schemeClr val="dk1"/>
                 </a:solidFill>
@@ -20209,123 +19615,296 @@
               </a:rPr>
               <a:t>BEGIN  </a:t>
             </a:r>
-            <a:endParaRPr lang="en-US" sz="1600" dirty="0"/>
-          </a:p>
-          <a:p>
-            <a:r>
-              <a:rPr lang="en-US" sz="1600" i="1" dirty="0">
-                <a:solidFill>
-                  <a:schemeClr val="dk1"/>
-                </a:solidFill>
-                <a:latin typeface="Calibri"/>
-                <a:ea typeface="Calibri"/>
-                <a:cs typeface="Calibri"/>
-                <a:sym typeface="Calibri"/>
-              </a:rPr>
-              <a:t>DECLARE d INT;  </a:t>
-            </a:r>
-            <a:endParaRPr lang="en-US" sz="1600" dirty="0"/>
-          </a:p>
-          <a:p>
-            <a:r>
-              <a:rPr lang="en-US" sz="1600" i="1" dirty="0">
-                <a:solidFill>
-                  <a:schemeClr val="dk1"/>
-                </a:solidFill>
-                <a:latin typeface="Calibri"/>
-                <a:ea typeface="Calibri"/>
-                <a:cs typeface="Calibri"/>
-                <a:sym typeface="Calibri"/>
-              </a:rPr>
-              <a:t>DECLARE n INT;  </a:t>
-            </a:r>
-            <a:endParaRPr lang="en-US" sz="1600" dirty="0"/>
-          </a:p>
-          <a:p>
-            <a:r>
-              <a:rPr lang="en-US" sz="1600" i="1" dirty="0">
-                <a:solidFill>
-                  <a:schemeClr val="dk1"/>
-                </a:solidFill>
-                <a:latin typeface="Calibri"/>
-                <a:ea typeface="Calibri"/>
-                <a:cs typeface="Calibri"/>
-                <a:sym typeface="Calibri"/>
-              </a:rPr>
-              <a:t>SET c=0;  </a:t>
-            </a:r>
-            <a:endParaRPr lang="en-US" sz="1600" dirty="0"/>
-          </a:p>
-          <a:p>
-            <a:r>
-              <a:rPr lang="en-US" sz="1600" i="1" dirty="0">
-                <a:solidFill>
-                  <a:schemeClr val="dk1"/>
-                </a:solidFill>
-                <a:latin typeface="Calibri"/>
-                <a:ea typeface="Calibri"/>
-                <a:cs typeface="Calibri"/>
-                <a:sym typeface="Calibri"/>
-              </a:rPr>
-              <a:t>SET n=num; </a:t>
-            </a:r>
-            <a:endParaRPr lang="en-US" sz="1600" dirty="0"/>
-          </a:p>
-          <a:p>
-            <a:r>
-              <a:rPr lang="en-US" sz="1600" i="1" dirty="0">
-                <a:solidFill>
-                  <a:schemeClr val="dk1"/>
-                </a:solidFill>
-                <a:latin typeface="Calibri"/>
-                <a:ea typeface="Calibri"/>
-                <a:cs typeface="Calibri"/>
-                <a:sym typeface="Calibri"/>
-              </a:rPr>
-              <a:t> IF n&lt;0 THEN</a:t>
-            </a:r>
-            <a:endParaRPr lang="en-US" sz="1600" dirty="0"/>
-          </a:p>
-          <a:p>
-            <a:r>
-              <a:rPr lang="en-US" sz="1600" i="1" dirty="0">
-                <a:solidFill>
-                  <a:schemeClr val="dk1"/>
-                </a:solidFill>
-                <a:latin typeface="Calibri"/>
-                <a:ea typeface="Calibri"/>
-                <a:cs typeface="Calibri"/>
-                <a:sym typeface="Calibri"/>
-              </a:rPr>
-              <a:t>    	SET n=-n;  </a:t>
-            </a:r>
-            <a:endParaRPr lang="en-US" sz="1600" dirty="0"/>
-          </a:p>
-          <a:p>
-            <a:r>
-              <a:rPr lang="en-US" sz="1600" i="1" dirty="0">
-                <a:solidFill>
-                  <a:schemeClr val="dk1"/>
-                </a:solidFill>
-                <a:latin typeface="Calibri"/>
-                <a:ea typeface="Calibri"/>
-                <a:cs typeface="Calibri"/>
-                <a:sym typeface="Calibri"/>
-              </a:rPr>
-              <a:t>END IF;  </a:t>
-            </a:r>
-            <a:endParaRPr lang="en-US" sz="1600" dirty="0"/>
-          </a:p>
-          <a:p>
-            <a:endParaRPr lang="es-ES" sz="1400" dirty="0">
-              <a:solidFill>
-                <a:schemeClr val="dk1"/>
-              </a:solidFill>
-              <a:latin typeface="Calibri"/>
-              <a:ea typeface="Calibri"/>
-              <a:cs typeface="Calibri"/>
-              <a:sym typeface="Calibri"/>
-            </a:endParaRPr>
+          </a:p>
+          <a:p>
+            <a:r>
+              <a:rPr lang="en-US" sz="2000" dirty="0">
+                <a:solidFill>
+                  <a:schemeClr val="dk1"/>
+                </a:solidFill>
+                <a:latin typeface="Calibri"/>
+                <a:ea typeface="Calibri"/>
+                <a:cs typeface="Calibri"/>
+                <a:sym typeface="Calibri"/>
+              </a:rPr>
+              <a:t>DECLARE </a:t>
+            </a:r>
+            <a:r>
+              <a:rPr lang="en-US" sz="2000" dirty="0" err="1">
+                <a:solidFill>
+                  <a:schemeClr val="dk1"/>
+                </a:solidFill>
+                <a:latin typeface="Calibri"/>
+                <a:ea typeface="Calibri"/>
+                <a:cs typeface="Calibri"/>
+                <a:sym typeface="Calibri"/>
+              </a:rPr>
+              <a:t>ncontrato</a:t>
+            </a:r>
+            <a:r>
+              <a:rPr lang="en-US" sz="2000" dirty="0">
+                <a:solidFill>
+                  <a:schemeClr val="dk1"/>
+                </a:solidFill>
+                <a:latin typeface="Calibri"/>
+                <a:ea typeface="Calibri"/>
+                <a:cs typeface="Calibri"/>
+                <a:sym typeface="Calibri"/>
+              </a:rPr>
+              <a:t> INT;</a:t>
+            </a:r>
+          </a:p>
+          <a:p>
+            <a:r>
+              <a:rPr lang="en-US" sz="2000" dirty="0">
+                <a:solidFill>
+                  <a:schemeClr val="dk1"/>
+                </a:solidFill>
+                <a:latin typeface="Calibri"/>
+                <a:ea typeface="Calibri"/>
+                <a:cs typeface="Calibri"/>
+                <a:sym typeface="Calibri"/>
+              </a:rPr>
+              <a:t>DECLARE </a:t>
+            </a:r>
+            <a:r>
+              <a:rPr lang="en-US" sz="2000" dirty="0" err="1">
+                <a:solidFill>
+                  <a:schemeClr val="dk1"/>
+                </a:solidFill>
+                <a:latin typeface="Calibri"/>
+                <a:ea typeface="Calibri"/>
+                <a:cs typeface="Calibri"/>
+                <a:sym typeface="Calibri"/>
+              </a:rPr>
+              <a:t>i</a:t>
+            </a:r>
+            <a:r>
+              <a:rPr lang="en-US" sz="2000" dirty="0">
+                <a:solidFill>
+                  <a:schemeClr val="dk1"/>
+                </a:solidFill>
+                <a:latin typeface="Calibri"/>
+                <a:ea typeface="Calibri"/>
+                <a:cs typeface="Calibri"/>
+                <a:sym typeface="Calibri"/>
+              </a:rPr>
+              <a:t> INT; </a:t>
+            </a:r>
+          </a:p>
+          <a:p>
+            <a:r>
+              <a:rPr lang="en-US" sz="2000" dirty="0">
+                <a:solidFill>
+                  <a:schemeClr val="dk1"/>
+                </a:solidFill>
+                <a:latin typeface="Calibri"/>
+                <a:ea typeface="Calibri"/>
+                <a:cs typeface="Calibri"/>
+                <a:sym typeface="Calibri"/>
+              </a:rPr>
+              <a:t>DECLARE aux INT;</a:t>
+            </a:r>
+          </a:p>
+          <a:p>
+            <a:r>
+              <a:rPr lang="en-US" sz="2000" dirty="0">
+                <a:solidFill>
+                  <a:schemeClr val="dk1"/>
+                </a:solidFill>
+                <a:latin typeface="Calibri"/>
+                <a:ea typeface="Calibri"/>
+                <a:cs typeface="Calibri"/>
+                <a:sym typeface="Calibri"/>
+              </a:rPr>
+              <a:t>SET </a:t>
+            </a:r>
+            <a:r>
+              <a:rPr lang="en-US" sz="2000" dirty="0" err="1">
+                <a:solidFill>
+                  <a:schemeClr val="dk1"/>
+                </a:solidFill>
+                <a:latin typeface="Calibri"/>
+                <a:ea typeface="Calibri"/>
+                <a:cs typeface="Calibri"/>
+                <a:sym typeface="Calibri"/>
+              </a:rPr>
+              <a:t>i</a:t>
+            </a:r>
+            <a:r>
+              <a:rPr lang="en-US" sz="2000" dirty="0">
+                <a:solidFill>
+                  <a:schemeClr val="dk1"/>
+                </a:solidFill>
+                <a:latin typeface="Calibri"/>
+                <a:ea typeface="Calibri"/>
+                <a:cs typeface="Calibri"/>
+                <a:sym typeface="Calibri"/>
+              </a:rPr>
+              <a:t>=1;</a:t>
+            </a:r>
+          </a:p>
+          <a:p>
+            <a:r>
+              <a:rPr lang="en-US" sz="2000" dirty="0">
+                <a:solidFill>
+                  <a:schemeClr val="dk1"/>
+                </a:solidFill>
+                <a:latin typeface="Calibri"/>
+                <a:ea typeface="Calibri"/>
+                <a:cs typeface="Calibri"/>
+                <a:sym typeface="Calibri"/>
+              </a:rPr>
+              <a:t>SET </a:t>
+            </a:r>
+            <a:r>
+              <a:rPr lang="en-US" sz="2000" dirty="0" err="1">
+                <a:solidFill>
+                  <a:schemeClr val="dk1"/>
+                </a:solidFill>
+                <a:latin typeface="Calibri"/>
+                <a:ea typeface="Calibri"/>
+                <a:cs typeface="Calibri"/>
+                <a:sym typeface="Calibri"/>
+              </a:rPr>
+              <a:t>texto</a:t>
+            </a:r>
+            <a:r>
+              <a:rPr lang="en-US" sz="2000" dirty="0">
+                <a:solidFill>
+                  <a:schemeClr val="dk1"/>
+                </a:solidFill>
+                <a:latin typeface="Calibri"/>
+                <a:ea typeface="Calibri"/>
+                <a:cs typeface="Calibri"/>
+                <a:sym typeface="Calibri"/>
+              </a:rPr>
+              <a:t>='</a:t>
+            </a:r>
+            <a:r>
+              <a:rPr lang="en-US" sz="2000" dirty="0" err="1">
+                <a:solidFill>
+                  <a:schemeClr val="dk1"/>
+                </a:solidFill>
+                <a:latin typeface="Calibri"/>
+                <a:ea typeface="Calibri"/>
+                <a:cs typeface="Calibri"/>
+                <a:sym typeface="Calibri"/>
+              </a:rPr>
+              <a:t>resultado</a:t>
+            </a:r>
+            <a:r>
+              <a:rPr lang="en-US" sz="2000" dirty="0">
+                <a:solidFill>
+                  <a:schemeClr val="dk1"/>
+                </a:solidFill>
+                <a:latin typeface="Calibri"/>
+                <a:ea typeface="Calibri"/>
+                <a:cs typeface="Calibri"/>
+                <a:sym typeface="Calibri"/>
+              </a:rPr>
+              <a:t>: ‘;</a:t>
+            </a:r>
+          </a:p>
+          <a:p>
+            <a:r>
+              <a:rPr lang="en-US" sz="2000" dirty="0">
+                <a:solidFill>
+                  <a:schemeClr val="dk1"/>
+                </a:solidFill>
+                <a:latin typeface="Calibri"/>
+                <a:ea typeface="Calibri"/>
+                <a:cs typeface="Calibri"/>
+                <a:sym typeface="Calibri"/>
+              </a:rPr>
+              <a:t>SELECT max(</a:t>
+            </a:r>
+            <a:r>
+              <a:rPr lang="en-US" sz="2000" dirty="0" err="1">
+                <a:solidFill>
+                  <a:schemeClr val="dk1"/>
+                </a:solidFill>
+                <a:latin typeface="Calibri"/>
+                <a:ea typeface="Calibri"/>
+                <a:cs typeface="Calibri"/>
+                <a:sym typeface="Calibri"/>
+              </a:rPr>
+              <a:t>numcontrato</a:t>
+            </a:r>
+            <a:r>
+              <a:rPr lang="en-US" sz="2000" dirty="0">
+                <a:solidFill>
+                  <a:schemeClr val="dk1"/>
+                </a:solidFill>
+                <a:latin typeface="Calibri"/>
+                <a:ea typeface="Calibri"/>
+                <a:cs typeface="Calibri"/>
+                <a:sym typeface="Calibri"/>
+              </a:rPr>
+              <a:t>) INTO </a:t>
+            </a:r>
+            <a:r>
+              <a:rPr lang="en-US" sz="2000" dirty="0" err="1">
+                <a:solidFill>
+                  <a:schemeClr val="dk1"/>
+                </a:solidFill>
+                <a:latin typeface="Calibri"/>
+                <a:ea typeface="Calibri"/>
+                <a:cs typeface="Calibri"/>
+                <a:sym typeface="Calibri"/>
+              </a:rPr>
+              <a:t>ncontrato</a:t>
+            </a:r>
+            <a:r>
+              <a:rPr lang="en-US" sz="2000" dirty="0">
+                <a:solidFill>
+                  <a:schemeClr val="dk1"/>
+                </a:solidFill>
+                <a:latin typeface="Calibri"/>
+                <a:ea typeface="Calibri"/>
+                <a:cs typeface="Calibri"/>
+                <a:sym typeface="Calibri"/>
+              </a:rPr>
+              <a:t> </a:t>
+            </a:r>
+          </a:p>
+          <a:p>
+            <a:r>
+              <a:rPr lang="en-US" sz="2000" dirty="0">
+                <a:solidFill>
+                  <a:schemeClr val="dk1"/>
+                </a:solidFill>
+                <a:latin typeface="Calibri"/>
+                <a:ea typeface="Calibri"/>
+                <a:cs typeface="Calibri"/>
+                <a:sym typeface="Calibri"/>
+              </a:rPr>
+              <a:t>FROM </a:t>
+            </a:r>
+            <a:r>
+              <a:rPr lang="en-US" sz="2000" dirty="0" err="1">
+                <a:solidFill>
+                  <a:schemeClr val="dk1"/>
+                </a:solidFill>
+                <a:latin typeface="Calibri"/>
+                <a:ea typeface="Calibri"/>
+                <a:cs typeface="Calibri"/>
+                <a:sym typeface="Calibri"/>
+              </a:rPr>
+              <a:t>contratos</a:t>
+            </a:r>
+            <a:r>
+              <a:rPr lang="en-US" sz="2000" dirty="0">
+                <a:solidFill>
+                  <a:schemeClr val="dk1"/>
+                </a:solidFill>
+                <a:latin typeface="Calibri"/>
+                <a:ea typeface="Calibri"/>
+                <a:cs typeface="Calibri"/>
+                <a:sym typeface="Calibri"/>
+              </a:rPr>
+              <a:t>; </a:t>
+            </a:r>
           </a:p>
         </p:txBody>
       </p:sp>
@@ -20345,8 +19924,8 @@
         </p:nvSpPr>
         <p:spPr>
           <a:xfrm>
-            <a:off x="784485" y="1315780"/>
-            <a:ext cx="1786650" cy="559324"/>
+            <a:off x="784485" y="1420555"/>
+            <a:ext cx="9643566" cy="845990"/>
           </a:xfrm>
           <a:prstGeom prst="rect">
             <a:avLst/>
@@ -20557,18 +20136,68 @@
           </a:lstStyle>
           <a:p>
             <a:r>
-              <a:rPr lang="es-ES" dirty="0"/>
-              <a:t>Ejemplo 8:</a:t>
-            </a:r>
+              <a:rPr lang="es-ES" b="1" i="1" dirty="0">
+                <a:solidFill>
+                  <a:schemeClr val="dk1"/>
+                </a:solidFill>
+                <a:latin typeface="Calibri"/>
+                <a:ea typeface="Calibri"/>
+                <a:cs typeface="Calibri"/>
+                <a:sym typeface="Calibri"/>
+              </a:rPr>
+              <a:t>Ejemplo 9 </a:t>
+            </a:r>
+            <a:r>
+              <a:rPr lang="es-ES" b="1" i="1" dirty="0" err="1">
+                <a:solidFill>
+                  <a:schemeClr val="dk1"/>
+                </a:solidFill>
+                <a:latin typeface="Calibri"/>
+                <a:ea typeface="Calibri"/>
+                <a:cs typeface="Calibri"/>
+                <a:sym typeface="Calibri"/>
+              </a:rPr>
+              <a:t>loop</a:t>
+            </a:r>
+            <a:r>
+              <a:rPr lang="es-ES" b="1" i="1" dirty="0">
+                <a:solidFill>
+                  <a:schemeClr val="dk1"/>
+                </a:solidFill>
+                <a:latin typeface="Calibri"/>
+                <a:ea typeface="Calibri"/>
+                <a:cs typeface="Calibri"/>
+                <a:sym typeface="Calibri"/>
+              </a:rPr>
+              <a:t>: </a:t>
+            </a:r>
+            <a:r>
+              <a:rPr lang="es-ES" dirty="0">
+                <a:solidFill>
+                  <a:schemeClr val="dk1"/>
+                </a:solidFill>
+                <a:latin typeface="Calibri"/>
+                <a:ea typeface="Calibri"/>
+                <a:cs typeface="Calibri"/>
+                <a:sym typeface="Calibri"/>
+              </a:rPr>
+              <a:t>Realiza un procedimiento que devuelve en una variable de texto los números de contrato pares de la base de datos alquileres.</a:t>
+            </a:r>
+          </a:p>
+          <a:p>
+            <a:pPr marL="0" indent="0">
+              <a:buNone/>
+            </a:pPr>
+            <a:endParaRPr lang="es-ES" dirty="0"/>
           </a:p>
         </p:txBody>
       </p:sp>
       <p:sp>
         <p:nvSpPr>
-          <p:cNvPr id="9" name="CuadroTexto 8">
+          <p:cNvPr id="3" name="CuadroTexto 2">
             <a:extLst>
               <a:ext uri="{FF2B5EF4-FFF2-40B4-BE49-F238E27FC236}">
-                <a16:creationId xmlns:a16="http://schemas.microsoft.com/office/drawing/2014/main" id="{3EF7539E-8F3B-9D4D-4F98-0151B78C353E}"/>
+                <a16:creationId xmlns:a16="http://schemas.microsoft.com/office/drawing/2014/main" id="{C2C11BE2-B8B9-6D76-5676-FFC48DF39C35}"/>
               </a:ext>
             </a:extLst>
           </p:cNvPr>
@@ -20577,17 +20206,15 @@
         </p:nvSpPr>
         <p:spPr>
           <a:xfrm>
-            <a:off x="6096000" y="1875104"/>
-            <a:ext cx="4997191" cy="2800767"/>
+            <a:off x="6312675" y="2266544"/>
+            <a:ext cx="5269361" cy="4093428"/>
           </a:xfrm>
           <a:prstGeom prst="rect">
             <a:avLst/>
           </a:prstGeom>
           <a:noFill/>
           <a:ln>
-            <a:solidFill>
-              <a:schemeClr val="accent1"/>
-            </a:solidFill>
+            <a:noFill/>
           </a:ln>
         </p:spPr>
         <p:txBody>
@@ -20597,199 +20224,380 @@
           <a:lstStyle/>
           <a:p>
             <a:r>
-              <a:rPr lang="en-US" sz="1600" i="1" dirty="0">
-                <a:solidFill>
-                  <a:schemeClr val="dk1"/>
-                </a:solidFill>
-                <a:latin typeface="Calibri"/>
-                <a:ea typeface="Calibri"/>
-                <a:cs typeface="Calibri"/>
-                <a:sym typeface="Calibri"/>
-              </a:rPr>
-              <a:t>SET d=n;  </a:t>
-            </a:r>
-            <a:endParaRPr lang="en-US" sz="1600" dirty="0"/>
-          </a:p>
-          <a:p>
-            <a:r>
-              <a:rPr lang="en-US" sz="1600" i="1" dirty="0">
-                <a:solidFill>
-                  <a:srgbClr val="FF0000"/>
-                </a:solidFill>
-                <a:latin typeface="Calibri"/>
-                <a:ea typeface="Calibri"/>
-                <a:cs typeface="Calibri"/>
-                <a:sym typeface="Calibri"/>
-              </a:rPr>
-              <a:t>etiq1: LOOP </a:t>
-            </a:r>
-            <a:endParaRPr lang="en-US" sz="1600" dirty="0">
-              <a:solidFill>
-                <a:srgbClr val="FF0000"/>
-              </a:solidFill>
-            </a:endParaRPr>
-          </a:p>
-          <a:p>
-            <a:r>
-              <a:rPr lang="en-US" sz="1600" i="1" dirty="0">
-                <a:solidFill>
-                  <a:schemeClr val="dk1"/>
-                </a:solidFill>
-                <a:latin typeface="Calibri"/>
-                <a:ea typeface="Calibri"/>
-                <a:cs typeface="Calibri"/>
-                <a:sym typeface="Calibri"/>
-              </a:rPr>
-              <a:t>	IF d=0 THEN</a:t>
-            </a:r>
-            <a:endParaRPr lang="en-US" sz="1600" dirty="0"/>
-          </a:p>
-          <a:p>
-            <a:r>
-              <a:rPr lang="en-US" sz="1600" i="1" dirty="0">
-                <a:solidFill>
-                  <a:srgbClr val="FF0000"/>
-                </a:solidFill>
-                <a:latin typeface="Calibri"/>
-                <a:ea typeface="Calibri"/>
-                <a:cs typeface="Calibri"/>
-                <a:sym typeface="Calibri"/>
-              </a:rPr>
-              <a:t>		LEAVE etiq1;</a:t>
-            </a:r>
-            <a:endParaRPr lang="en-US" sz="1600" dirty="0">
-              <a:sym typeface="Calibri"/>
-            </a:endParaRPr>
-          </a:p>
-          <a:p>
-            <a:r>
-              <a:rPr lang="en-US" sz="1600" i="1" dirty="0">
-                <a:solidFill>
-                  <a:schemeClr val="dk1"/>
-                </a:solidFill>
-                <a:latin typeface="Calibri"/>
-                <a:ea typeface="Calibri"/>
-                <a:cs typeface="Calibri"/>
-                <a:sym typeface="Calibri"/>
-              </a:rPr>
-              <a:t>	END IF;   	 </a:t>
-            </a:r>
-            <a:endParaRPr lang="en-US" sz="1600" dirty="0"/>
-          </a:p>
-          <a:p>
-            <a:r>
-              <a:rPr lang="en-US" sz="1600" i="1" dirty="0">
-                <a:solidFill>
-                  <a:schemeClr val="dk1"/>
-                </a:solidFill>
-                <a:latin typeface="Calibri"/>
-                <a:ea typeface="Calibri"/>
-                <a:cs typeface="Calibri"/>
-                <a:sym typeface="Calibri"/>
-              </a:rPr>
-              <a:t>	IF </a:t>
-            </a:r>
-            <a:r>
-              <a:rPr lang="en-US" sz="1600" i="1" dirty="0" err="1">
-                <a:solidFill>
-                  <a:schemeClr val="dk1"/>
-                </a:solidFill>
-                <a:latin typeface="Calibri"/>
-                <a:ea typeface="Calibri"/>
-                <a:cs typeface="Calibri"/>
-                <a:sym typeface="Calibri"/>
-              </a:rPr>
-              <a:t>n%d</a:t>
-            </a:r>
-            <a:r>
-              <a:rPr lang="en-US" sz="1600" i="1" dirty="0">
-                <a:solidFill>
-                  <a:schemeClr val="dk1"/>
-                </a:solidFill>
-                <a:latin typeface="Calibri"/>
-                <a:ea typeface="Calibri"/>
-                <a:cs typeface="Calibri"/>
-                <a:sym typeface="Calibri"/>
-              </a:rPr>
-              <a:t>=0 THEN</a:t>
-            </a:r>
-            <a:endParaRPr lang="en-US" sz="1600" dirty="0"/>
-          </a:p>
-          <a:p>
-            <a:r>
-              <a:rPr lang="en-US" sz="1600" i="1" dirty="0">
-                <a:solidFill>
-                  <a:schemeClr val="dk1"/>
-                </a:solidFill>
-                <a:latin typeface="Calibri"/>
-                <a:ea typeface="Calibri"/>
-                <a:cs typeface="Calibri"/>
-                <a:sym typeface="Calibri"/>
-              </a:rPr>
-              <a:t>		SET c=c+1; </a:t>
-            </a:r>
-            <a:endParaRPr lang="en-US" sz="1600" dirty="0"/>
-          </a:p>
-          <a:p>
-            <a:r>
-              <a:rPr lang="en-US" sz="1600" i="1" dirty="0">
-                <a:solidFill>
-                  <a:schemeClr val="dk1"/>
-                </a:solidFill>
-                <a:latin typeface="Calibri"/>
-                <a:ea typeface="Calibri"/>
-                <a:cs typeface="Calibri"/>
-                <a:sym typeface="Calibri"/>
-              </a:rPr>
-              <a:t>	END IF;</a:t>
-            </a:r>
-            <a:endParaRPr lang="en-US" sz="1600" dirty="0"/>
-          </a:p>
-          <a:p>
-            <a:r>
-              <a:rPr lang="en-US" sz="1600" i="1" dirty="0">
-                <a:solidFill>
-                  <a:schemeClr val="dk1"/>
-                </a:solidFill>
-                <a:latin typeface="Calibri"/>
-                <a:ea typeface="Calibri"/>
-                <a:cs typeface="Calibri"/>
-                <a:sym typeface="Calibri"/>
-              </a:rPr>
-              <a:t>	SET d=d-1;</a:t>
-            </a:r>
-            <a:endParaRPr lang="en-US" sz="1600" dirty="0"/>
-          </a:p>
-          <a:p>
-            <a:r>
-              <a:rPr lang="en-US" sz="1600" i="1" dirty="0">
-                <a:solidFill>
-                  <a:srgbClr val="FF0000"/>
-                </a:solidFill>
-                <a:latin typeface="Calibri"/>
-                <a:ea typeface="Calibri"/>
-                <a:cs typeface="Calibri"/>
-                <a:sym typeface="Calibri"/>
-              </a:rPr>
-              <a:t>END LOOP etiq1;</a:t>
-            </a:r>
-            <a:r>
-              <a:rPr lang="en-US" sz="1600" i="1" dirty="0">
-                <a:solidFill>
-                  <a:schemeClr val="dk1"/>
-                </a:solidFill>
-                <a:latin typeface="Calibri"/>
-                <a:ea typeface="Calibri"/>
-                <a:cs typeface="Calibri"/>
-                <a:sym typeface="Calibri"/>
-              </a:rPr>
-              <a:t> </a:t>
-            </a:r>
-            <a:endParaRPr lang="en-US" sz="1600" dirty="0"/>
-          </a:p>
-          <a:p>
-            <a:r>
-              <a:rPr lang="en-US" sz="1600" i="1" dirty="0">
+              <a:rPr lang="en-US" sz="2000" dirty="0">
+                <a:solidFill>
+                  <a:schemeClr val="dk1"/>
+                </a:solidFill>
+                <a:latin typeface="Calibri"/>
+                <a:ea typeface="Calibri"/>
+                <a:cs typeface="Calibri"/>
+                <a:sym typeface="Calibri"/>
+              </a:rPr>
+              <a:t>etiq1: LOOP	</a:t>
+            </a:r>
+          </a:p>
+          <a:p>
+            <a:pPr lvl="1"/>
+            <a:r>
+              <a:rPr lang="en-US" sz="2000" dirty="0">
+                <a:solidFill>
+                  <a:schemeClr val="dk1"/>
+                </a:solidFill>
+                <a:latin typeface="Calibri"/>
+                <a:ea typeface="Calibri"/>
+                <a:cs typeface="Calibri"/>
+                <a:sym typeface="Calibri"/>
+              </a:rPr>
+              <a:t>if </a:t>
+            </a:r>
+            <a:r>
+              <a:rPr lang="en-US" sz="2000" dirty="0" err="1">
+                <a:solidFill>
+                  <a:schemeClr val="dk1"/>
+                </a:solidFill>
+                <a:latin typeface="Calibri"/>
+                <a:ea typeface="Calibri"/>
+                <a:cs typeface="Calibri"/>
+                <a:sym typeface="Calibri"/>
+              </a:rPr>
+              <a:t>i</a:t>
+            </a:r>
+            <a:r>
+              <a:rPr lang="en-US" sz="2000" dirty="0">
+                <a:solidFill>
+                  <a:schemeClr val="dk1"/>
+                </a:solidFill>
+                <a:latin typeface="Calibri"/>
+                <a:ea typeface="Calibri"/>
+                <a:cs typeface="Calibri"/>
+                <a:sym typeface="Calibri"/>
+              </a:rPr>
+              <a:t>&gt;</a:t>
+            </a:r>
+            <a:r>
+              <a:rPr lang="en-US" sz="2000" dirty="0" err="1">
+                <a:solidFill>
+                  <a:schemeClr val="dk1"/>
+                </a:solidFill>
+                <a:latin typeface="Calibri"/>
+                <a:ea typeface="Calibri"/>
+                <a:cs typeface="Calibri"/>
+                <a:sym typeface="Calibri"/>
+              </a:rPr>
+              <a:t>cont</a:t>
+            </a:r>
+            <a:r>
+              <a:rPr lang="en-US" sz="2000" dirty="0">
+                <a:solidFill>
+                  <a:schemeClr val="dk1"/>
+                </a:solidFill>
+                <a:latin typeface="Calibri"/>
+                <a:ea typeface="Calibri"/>
+                <a:cs typeface="Calibri"/>
+                <a:sym typeface="Calibri"/>
+              </a:rPr>
+              <a:t> THEN		</a:t>
+            </a:r>
+          </a:p>
+          <a:p>
+            <a:pPr lvl="1"/>
+            <a:r>
+              <a:rPr lang="en-US" sz="2000" dirty="0">
+                <a:solidFill>
+                  <a:schemeClr val="dk1"/>
+                </a:solidFill>
+                <a:latin typeface="Calibri"/>
+                <a:ea typeface="Calibri"/>
+                <a:cs typeface="Calibri"/>
+                <a:sym typeface="Calibri"/>
+              </a:rPr>
+              <a:t>	LEAVE etiq1;	</a:t>
+            </a:r>
+          </a:p>
+          <a:p>
+            <a:pPr lvl="1"/>
+            <a:r>
+              <a:rPr lang="en-US" sz="2000" dirty="0">
+                <a:solidFill>
+                  <a:schemeClr val="dk1"/>
+                </a:solidFill>
+                <a:latin typeface="Calibri"/>
+                <a:ea typeface="Calibri"/>
+                <a:cs typeface="Calibri"/>
+                <a:sym typeface="Calibri"/>
+              </a:rPr>
+              <a:t>ELSEIF i%2=0 then		</a:t>
+            </a:r>
+          </a:p>
+          <a:p>
+            <a:pPr lvl="1"/>
+            <a:r>
+              <a:rPr lang="en-US" sz="2000" dirty="0">
+                <a:solidFill>
+                  <a:schemeClr val="dk1"/>
+                </a:solidFill>
+                <a:latin typeface="Calibri"/>
+                <a:ea typeface="Calibri"/>
+                <a:cs typeface="Calibri"/>
+                <a:sym typeface="Calibri"/>
+              </a:rPr>
+              <a:t>	SELECT count(*) INTO aux FROM 	</a:t>
+            </a:r>
+            <a:r>
+              <a:rPr lang="en-US" sz="2000" dirty="0" err="1">
+                <a:solidFill>
+                  <a:schemeClr val="dk1"/>
+                </a:solidFill>
+                <a:latin typeface="Calibri"/>
+                <a:ea typeface="Calibri"/>
+                <a:cs typeface="Calibri"/>
+                <a:sym typeface="Calibri"/>
+              </a:rPr>
+              <a:t>contratos</a:t>
+            </a:r>
+            <a:r>
+              <a:rPr lang="en-US" sz="2000" dirty="0">
+                <a:solidFill>
+                  <a:schemeClr val="dk1"/>
+                </a:solidFill>
+                <a:latin typeface="Calibri"/>
+                <a:ea typeface="Calibri"/>
+                <a:cs typeface="Calibri"/>
+                <a:sym typeface="Calibri"/>
+              </a:rPr>
+              <a:t> WHERE </a:t>
+            </a:r>
+            <a:r>
+              <a:rPr lang="en-US" sz="2000" dirty="0" err="1">
+                <a:solidFill>
+                  <a:schemeClr val="dk1"/>
+                </a:solidFill>
+                <a:latin typeface="Calibri"/>
+                <a:ea typeface="Calibri"/>
+                <a:cs typeface="Calibri"/>
+                <a:sym typeface="Calibri"/>
+              </a:rPr>
+              <a:t>numcontrato</a:t>
+            </a:r>
+            <a:r>
+              <a:rPr lang="en-US" sz="2000" dirty="0">
+                <a:solidFill>
+                  <a:schemeClr val="dk1"/>
+                </a:solidFill>
+                <a:latin typeface="Calibri"/>
+                <a:ea typeface="Calibri"/>
+                <a:cs typeface="Calibri"/>
+                <a:sym typeface="Calibri"/>
+              </a:rPr>
+              <a:t>=</a:t>
+            </a:r>
+            <a:r>
+              <a:rPr lang="en-US" sz="2000" dirty="0" err="1">
+                <a:solidFill>
+                  <a:schemeClr val="dk1"/>
+                </a:solidFill>
+                <a:latin typeface="Calibri"/>
+                <a:ea typeface="Calibri"/>
+                <a:cs typeface="Calibri"/>
+                <a:sym typeface="Calibri"/>
+              </a:rPr>
+              <a:t>i</a:t>
+            </a:r>
+            <a:r>
+              <a:rPr lang="en-US" sz="2000" dirty="0">
+                <a:solidFill>
+                  <a:schemeClr val="dk1"/>
+                </a:solidFill>
+                <a:latin typeface="Calibri"/>
+                <a:ea typeface="Calibri"/>
+                <a:cs typeface="Calibri"/>
+                <a:sym typeface="Calibri"/>
+              </a:rPr>
+              <a:t>;		IF aux=1 THEN			</a:t>
+            </a:r>
+          </a:p>
+          <a:p>
+            <a:r>
+              <a:rPr lang="en-US" sz="2000" dirty="0">
+                <a:solidFill>
+                  <a:schemeClr val="dk1"/>
+                </a:solidFill>
+                <a:latin typeface="Calibri"/>
+                <a:ea typeface="Calibri"/>
+                <a:cs typeface="Calibri"/>
+                <a:sym typeface="Calibri"/>
+              </a:rPr>
+              <a:t>		set </a:t>
+            </a:r>
+            <a:r>
+              <a:rPr lang="en-US" sz="2000" dirty="0" err="1">
+                <a:solidFill>
+                  <a:schemeClr val="dk1"/>
+                </a:solidFill>
+                <a:latin typeface="Calibri"/>
+                <a:ea typeface="Calibri"/>
+                <a:cs typeface="Calibri"/>
+                <a:sym typeface="Calibri"/>
+              </a:rPr>
+              <a:t>texto</a:t>
+            </a:r>
+            <a:r>
+              <a:rPr lang="en-US" sz="2000" dirty="0">
+                <a:solidFill>
+                  <a:schemeClr val="dk1"/>
+                </a:solidFill>
+                <a:latin typeface="Calibri"/>
+                <a:ea typeface="Calibri"/>
+                <a:cs typeface="Calibri"/>
+                <a:sym typeface="Calibri"/>
+              </a:rPr>
+              <a:t>=</a:t>
+            </a:r>
+            <a:r>
+              <a:rPr lang="en-US" sz="2000" dirty="0" err="1">
+                <a:solidFill>
+                  <a:schemeClr val="dk1"/>
+                </a:solidFill>
+                <a:latin typeface="Calibri"/>
+                <a:ea typeface="Calibri"/>
+                <a:cs typeface="Calibri"/>
+                <a:sym typeface="Calibri"/>
+              </a:rPr>
+              <a:t>concat</a:t>
+            </a:r>
+            <a:r>
+              <a:rPr lang="en-US" sz="2000" dirty="0">
+                <a:solidFill>
+                  <a:schemeClr val="dk1"/>
+                </a:solidFill>
+                <a:latin typeface="Calibri"/>
+                <a:ea typeface="Calibri"/>
+                <a:cs typeface="Calibri"/>
+                <a:sym typeface="Calibri"/>
+              </a:rPr>
+              <a:t>(</a:t>
+            </a:r>
+            <a:r>
+              <a:rPr lang="en-US" sz="2000" dirty="0" err="1">
+                <a:solidFill>
+                  <a:schemeClr val="dk1"/>
+                </a:solidFill>
+                <a:latin typeface="Calibri"/>
+                <a:ea typeface="Calibri"/>
+                <a:cs typeface="Calibri"/>
+                <a:sym typeface="Calibri"/>
+              </a:rPr>
+              <a:t>texto</a:t>
+            </a:r>
+            <a:r>
+              <a:rPr lang="en-US" sz="2000" dirty="0">
+                <a:solidFill>
+                  <a:schemeClr val="dk1"/>
+                </a:solidFill>
+                <a:latin typeface="Calibri"/>
+                <a:ea typeface="Calibri"/>
+                <a:cs typeface="Calibri"/>
+                <a:sym typeface="Calibri"/>
+              </a:rPr>
+              <a:t>,' ', </a:t>
+            </a:r>
+            <a:r>
+              <a:rPr lang="en-US" sz="2000" dirty="0" err="1">
+                <a:solidFill>
+                  <a:schemeClr val="dk1"/>
+                </a:solidFill>
+                <a:latin typeface="Calibri"/>
+                <a:ea typeface="Calibri"/>
+                <a:cs typeface="Calibri"/>
+                <a:sym typeface="Calibri"/>
+              </a:rPr>
+              <a:t>i</a:t>
+            </a:r>
+            <a:r>
+              <a:rPr lang="en-US" sz="2000" dirty="0">
+                <a:solidFill>
+                  <a:schemeClr val="dk1"/>
+                </a:solidFill>
+                <a:latin typeface="Calibri"/>
+                <a:ea typeface="Calibri"/>
+                <a:cs typeface="Calibri"/>
+                <a:sym typeface="Calibri"/>
+              </a:rPr>
+              <a:t>);	END IF;	</a:t>
+            </a:r>
+          </a:p>
+          <a:p>
+            <a:pPr lvl="1"/>
+            <a:r>
+              <a:rPr lang="en-US" sz="2000" dirty="0">
+                <a:solidFill>
+                  <a:schemeClr val="dk1"/>
+                </a:solidFill>
+                <a:latin typeface="Calibri"/>
+                <a:ea typeface="Calibri"/>
+                <a:cs typeface="Calibri"/>
+                <a:sym typeface="Calibri"/>
+              </a:rPr>
+              <a:t>END IF;	</a:t>
+            </a:r>
+          </a:p>
+          <a:p>
+            <a:pPr lvl="1"/>
+            <a:r>
+              <a:rPr lang="en-US" sz="2000" dirty="0">
+                <a:solidFill>
+                  <a:schemeClr val="dk1"/>
+                </a:solidFill>
+                <a:latin typeface="Calibri"/>
+                <a:ea typeface="Calibri"/>
+                <a:cs typeface="Calibri"/>
+                <a:sym typeface="Calibri"/>
+              </a:rPr>
+              <a:t>SET </a:t>
+            </a:r>
+            <a:r>
+              <a:rPr lang="en-US" sz="2000" dirty="0" err="1">
+                <a:solidFill>
+                  <a:schemeClr val="dk1"/>
+                </a:solidFill>
+                <a:latin typeface="Calibri"/>
+                <a:ea typeface="Calibri"/>
+                <a:cs typeface="Calibri"/>
+                <a:sym typeface="Calibri"/>
+              </a:rPr>
+              <a:t>i</a:t>
+            </a:r>
+            <a:r>
+              <a:rPr lang="en-US" sz="2000" dirty="0">
+                <a:solidFill>
+                  <a:schemeClr val="dk1"/>
+                </a:solidFill>
+                <a:latin typeface="Calibri"/>
+                <a:ea typeface="Calibri"/>
+                <a:cs typeface="Calibri"/>
+                <a:sym typeface="Calibri"/>
+              </a:rPr>
+              <a:t>=i+1; </a:t>
+            </a:r>
+          </a:p>
+          <a:p>
+            <a:pPr lvl="1"/>
+            <a:r>
+              <a:rPr lang="en-US" sz="2000" dirty="0">
+                <a:solidFill>
+                  <a:schemeClr val="dk1"/>
+                </a:solidFill>
+                <a:latin typeface="Calibri"/>
+                <a:ea typeface="Calibri"/>
+                <a:cs typeface="Calibri"/>
+                <a:sym typeface="Calibri"/>
+              </a:rPr>
+              <a:t>END LOOP etiq1; </a:t>
+            </a:r>
+          </a:p>
+          <a:p>
+            <a:r>
+              <a:rPr lang="en-US" sz="2000" dirty="0">
                 <a:solidFill>
                   <a:schemeClr val="dk1"/>
                 </a:solidFill>
@@ -20800,7 +20608,7 @@
               </a:rPr>
               <a:t>END</a:t>
             </a:r>
-            <a:endParaRPr lang="es-ES" sz="1600" dirty="0">
+            <a:endParaRPr lang="es-ES" sz="1400" dirty="0">
               <a:solidFill>
                 <a:schemeClr val="dk1"/>
               </a:solidFill>
@@ -20812,10 +20620,62 @@
           </a:p>
         </p:txBody>
       </p:sp>
+      <p:sp>
+        <p:nvSpPr>
+          <p:cNvPr id="4" name="Rectángulo 3">
+            <a:extLst>
+              <a:ext uri="{FF2B5EF4-FFF2-40B4-BE49-F238E27FC236}">
+                <a16:creationId xmlns:a16="http://schemas.microsoft.com/office/drawing/2014/main" id="{9423C295-D4E6-9E20-29C6-5000D27A274E}"/>
+              </a:ext>
+            </a:extLst>
+          </p:cNvPr>
+          <p:cNvSpPr/>
+          <p:nvPr/>
+        </p:nvSpPr>
+        <p:spPr>
+          <a:xfrm>
+            <a:off x="691079" y="2266545"/>
+            <a:ext cx="11009308" cy="4292288"/>
+          </a:xfrm>
+          <a:prstGeom prst="rect">
+            <a:avLst/>
+          </a:prstGeom>
+          <a:noFill/>
+          <a:ln w="25400">
+            <a:solidFill>
+              <a:srgbClr val="00B050"/>
+            </a:solidFill>
+          </a:ln>
+        </p:spPr>
+        <p:style>
+          <a:lnRef idx="2">
+            <a:schemeClr val="accent1">
+              <a:shade val="15000"/>
+            </a:schemeClr>
+          </a:lnRef>
+          <a:fillRef idx="1">
+            <a:schemeClr val="accent1"/>
+          </a:fillRef>
+          <a:effectRef idx="0">
+            <a:schemeClr val="accent1"/>
+          </a:effectRef>
+          <a:fontRef idx="minor">
+            <a:schemeClr val="lt1"/>
+          </a:fontRef>
+        </p:style>
+        <p:txBody>
+          <a:bodyPr rtlCol="0" anchor="ctr"/>
+          <a:lstStyle/>
+          <a:p>
+            <a:pPr algn="ctr"/>
+            <a:endParaRPr lang="es-ES"/>
+          </a:p>
+        </p:txBody>
+      </p:sp>
     </p:spTree>
     <p:extLst>
       <p:ext uri="{BB962C8B-B14F-4D97-AF65-F5344CB8AC3E}">
-        <p14:creationId xmlns:p14="http://schemas.microsoft.com/office/powerpoint/2010/main" val="4215391713"/>
+        <p14:creationId xmlns:p14="http://schemas.microsoft.com/office/powerpoint/2010/main" val="3095204788"/>
       </p:ext>
     </p:extLst>
   </p:cSld>
@@ -20826,6 +20686,941 @@
 </file>
 
 <file path=ppt/slides/slide6.xml><?xml version="1.0" encoding="utf-8"?>
+<p:sld xmlns:a="http://schemas.openxmlformats.org/drawingml/2006/main" xmlns:r="http://schemas.openxmlformats.org/officeDocument/2006/relationships" xmlns:p="http://schemas.openxmlformats.org/presentationml/2006/main">
+  <p:cSld>
+    <p:spTree>
+      <p:nvGrpSpPr>
+        <p:cNvPr id="1" name=""/>
+        <p:cNvGrpSpPr/>
+        <p:nvPr/>
+      </p:nvGrpSpPr>
+      <p:grpSpPr>
+        <a:xfrm>
+          <a:off x="0" y="0"/>
+          <a:ext cx="0" cy="0"/>
+          <a:chOff x="0" y="0"/>
+          <a:chExt cx="0" cy="0"/>
+        </a:xfrm>
+      </p:grpSpPr>
+      <p:sp>
+        <p:nvSpPr>
+          <p:cNvPr id="2" name="Título 1">
+            <a:extLst>
+              <a:ext uri="{FF2B5EF4-FFF2-40B4-BE49-F238E27FC236}">
+                <a16:creationId xmlns:a16="http://schemas.microsoft.com/office/drawing/2014/main" id="{CFD82EBC-C182-359B-EC13-75F87D5FAB0D}"/>
+              </a:ext>
+            </a:extLst>
+          </p:cNvPr>
+          <p:cNvSpPr>
+            <a:spLocks noGrp="1"/>
+          </p:cNvSpPr>
+          <p:nvPr>
+            <p:ph type="title"/>
+          </p:nvPr>
+        </p:nvSpPr>
+        <p:spPr/>
+        <p:txBody>
+          <a:bodyPr>
+            <a:noAutofit/>
+          </a:bodyPr>
+          <a:lstStyle/>
+          <a:p>
+            <a:r>
+              <a:rPr lang="es-ES" sz="3600" b="1" dirty="0">
+                <a:latin typeface="Arial"/>
+                <a:ea typeface="Arial"/>
+                <a:cs typeface="Arial"/>
+                <a:sym typeface="Arial"/>
+              </a:rPr>
+              <a:t>3.- Desarrollo de procedimientos almacenados</a:t>
+            </a:r>
+            <a:endParaRPr lang="es-ES" sz="3600" dirty="0"/>
+          </a:p>
+        </p:txBody>
+      </p:sp>
+      <p:sp>
+        <p:nvSpPr>
+          <p:cNvPr id="3" name="Marcador de contenido 2">
+            <a:extLst>
+              <a:ext uri="{FF2B5EF4-FFF2-40B4-BE49-F238E27FC236}">
+                <a16:creationId xmlns:a16="http://schemas.microsoft.com/office/drawing/2014/main" id="{30182A45-6C59-2D2F-28B9-B60D77762E2F}"/>
+              </a:ext>
+            </a:extLst>
+          </p:cNvPr>
+          <p:cNvSpPr>
+            <a:spLocks noGrp="1"/>
+          </p:cNvSpPr>
+          <p:nvPr>
+            <p:ph idx="1"/>
+          </p:nvPr>
+        </p:nvSpPr>
+        <p:spPr>
+          <a:xfrm>
+            <a:off x="691080" y="1574276"/>
+            <a:ext cx="10215044" cy="4330291"/>
+          </a:xfrm>
+        </p:spPr>
+        <p:txBody>
+          <a:bodyPr>
+            <a:normAutofit/>
+          </a:bodyPr>
+          <a:lstStyle/>
+          <a:p>
+            <a:r>
+              <a:rPr lang="es-ES" sz="2400" u="sng" dirty="0">
+                <a:solidFill>
+                  <a:schemeClr val="dk1"/>
+                </a:solidFill>
+                <a:latin typeface="Calibri"/>
+                <a:ea typeface="Calibri"/>
+                <a:cs typeface="Calibri"/>
+                <a:sym typeface="Calibri"/>
+              </a:rPr>
+              <a:t>Bucle </a:t>
+            </a:r>
+            <a:r>
+              <a:rPr lang="es-ES" sz="2400" u="sng" dirty="0" err="1">
+                <a:solidFill>
+                  <a:schemeClr val="dk1"/>
+                </a:solidFill>
+                <a:latin typeface="Calibri"/>
+                <a:ea typeface="Calibri"/>
+                <a:cs typeface="Calibri"/>
+                <a:sym typeface="Calibri"/>
+              </a:rPr>
+              <a:t>Repeat</a:t>
+            </a:r>
+            <a:endParaRPr lang="es-ES" dirty="0"/>
+          </a:p>
+          <a:p>
+            <a:pPr algn="just"/>
+            <a:r>
+              <a:rPr lang="es-ES" dirty="0">
+                <a:solidFill>
+                  <a:schemeClr val="dk1"/>
+                </a:solidFill>
+                <a:latin typeface="Calibri"/>
+                <a:ea typeface="Calibri"/>
+                <a:cs typeface="Calibri"/>
+                <a:sym typeface="Calibri"/>
+              </a:rPr>
+              <a:t>Permite implementar una estructura repetitiva del tipo </a:t>
+            </a:r>
+            <a:r>
+              <a:rPr lang="es-ES" b="1" dirty="0">
+                <a:solidFill>
+                  <a:schemeClr val="dk1"/>
+                </a:solidFill>
+                <a:latin typeface="Calibri"/>
+                <a:ea typeface="Calibri"/>
+                <a:cs typeface="Calibri"/>
+                <a:sym typeface="Calibri"/>
+              </a:rPr>
+              <a:t>repetir…hasta</a:t>
+            </a:r>
+            <a:r>
+              <a:rPr lang="es-ES" dirty="0">
+                <a:solidFill>
+                  <a:schemeClr val="dk1"/>
+                </a:solidFill>
+                <a:latin typeface="Calibri"/>
+                <a:ea typeface="Calibri"/>
+                <a:cs typeface="Calibri"/>
+                <a:sym typeface="Calibri"/>
+              </a:rPr>
+              <a:t>. </a:t>
+            </a:r>
+          </a:p>
+          <a:p>
+            <a:pPr algn="just"/>
+            <a:r>
+              <a:rPr lang="es-ES" dirty="0">
+                <a:solidFill>
+                  <a:schemeClr val="dk1"/>
+                </a:solidFill>
+                <a:latin typeface="Calibri"/>
+                <a:ea typeface="Calibri"/>
+                <a:cs typeface="Calibri"/>
+                <a:sym typeface="Calibri"/>
+              </a:rPr>
+              <a:t>En esta estructura repetitiva se empieza ejecutando las instrucciones que están dentro de REPEAT y, al final, se analiza si se cumple la condición indicada en </a:t>
+            </a:r>
+            <a:r>
+              <a:rPr lang="es-ES" b="1" dirty="0">
+                <a:solidFill>
+                  <a:schemeClr val="dk1"/>
+                </a:solidFill>
+                <a:latin typeface="Calibri"/>
+                <a:ea typeface="Calibri"/>
+                <a:cs typeface="Calibri"/>
+                <a:sym typeface="Calibri"/>
+              </a:rPr>
+              <a:t>UNTIL</a:t>
+            </a:r>
+            <a:r>
+              <a:rPr lang="es-ES" dirty="0">
+                <a:solidFill>
+                  <a:schemeClr val="dk1"/>
+                </a:solidFill>
+                <a:latin typeface="Calibri"/>
+                <a:ea typeface="Calibri"/>
+                <a:cs typeface="Calibri"/>
+                <a:sym typeface="Calibri"/>
+              </a:rPr>
+              <a:t>. Si la condición es verdadera, se sale del bucle y, si es falsa, se vuelve al comienzo del bucle. </a:t>
+            </a:r>
+            <a:endParaRPr lang="es-ES" dirty="0"/>
+          </a:p>
+          <a:p>
+            <a:pPr algn="just"/>
+            <a:r>
+              <a:rPr lang="es-ES" dirty="0">
+                <a:solidFill>
+                  <a:schemeClr val="dk1"/>
+                </a:solidFill>
+                <a:latin typeface="Calibri"/>
+                <a:ea typeface="Calibri"/>
+                <a:cs typeface="Calibri"/>
+                <a:sym typeface="Calibri"/>
+              </a:rPr>
+              <a:t>La sintaxis de REPEAT es: </a:t>
+            </a:r>
+            <a:endParaRPr lang="es-ES" dirty="0"/>
+          </a:p>
+          <a:p>
+            <a:endParaRPr lang="es-ES" dirty="0"/>
+          </a:p>
+        </p:txBody>
+      </p:sp>
+      <p:sp>
+        <p:nvSpPr>
+          <p:cNvPr id="6" name="CuadroTexto 5">
+            <a:extLst>
+              <a:ext uri="{FF2B5EF4-FFF2-40B4-BE49-F238E27FC236}">
+                <a16:creationId xmlns:a16="http://schemas.microsoft.com/office/drawing/2014/main" id="{10D147B5-7014-AB3D-74ED-F20C84CD1C41}"/>
+              </a:ext>
+            </a:extLst>
+          </p:cNvPr>
+          <p:cNvSpPr txBox="1"/>
+          <p:nvPr/>
+        </p:nvSpPr>
+        <p:spPr>
+          <a:xfrm>
+            <a:off x="4533899" y="4052618"/>
+            <a:ext cx="4200525" cy="1231106"/>
+          </a:xfrm>
+          <a:prstGeom prst="rect">
+            <a:avLst/>
+          </a:prstGeom>
+          <a:noFill/>
+          <a:ln>
+            <a:solidFill>
+              <a:schemeClr val="accent1"/>
+            </a:solidFill>
+          </a:ln>
+        </p:spPr>
+        <p:txBody>
+          <a:bodyPr wrap="square">
+            <a:spAutoFit/>
+          </a:bodyPr>
+          <a:lstStyle/>
+          <a:p>
+            <a:pPr algn="just"/>
+            <a:r>
+              <a:rPr lang="en-US" sz="1800" b="1" dirty="0">
+                <a:solidFill>
+                  <a:schemeClr val="dk1"/>
+                </a:solidFill>
+                <a:latin typeface="Calibri"/>
+                <a:ea typeface="Calibri"/>
+                <a:cs typeface="Calibri"/>
+                <a:sym typeface="Calibri"/>
+              </a:rPr>
+              <a:t>REPEAT</a:t>
+            </a:r>
+            <a:endParaRPr lang="en-US" dirty="0"/>
+          </a:p>
+          <a:p>
+            <a:pPr algn="just"/>
+            <a:r>
+              <a:rPr lang="en-US" sz="1800" b="1" dirty="0">
+                <a:solidFill>
+                  <a:schemeClr val="dk1"/>
+                </a:solidFill>
+                <a:latin typeface="Calibri"/>
+                <a:ea typeface="Calibri"/>
+                <a:cs typeface="Calibri"/>
+                <a:sym typeface="Calibri"/>
+              </a:rPr>
+              <a:t>    </a:t>
+            </a:r>
+            <a:r>
+              <a:rPr lang="en-US" sz="1800" b="1" i="1" dirty="0" err="1">
+                <a:solidFill>
+                  <a:schemeClr val="dk1"/>
+                </a:solidFill>
+                <a:latin typeface="Calibri"/>
+                <a:ea typeface="Calibri"/>
+                <a:cs typeface="Calibri"/>
+                <a:sym typeface="Calibri"/>
+              </a:rPr>
+              <a:t>instrucciones</a:t>
+            </a:r>
+            <a:endParaRPr lang="en-US" dirty="0"/>
+          </a:p>
+          <a:p>
+            <a:pPr algn="just"/>
+            <a:r>
+              <a:rPr lang="en-US" sz="1800" b="1" dirty="0">
+                <a:solidFill>
+                  <a:schemeClr val="dk1"/>
+                </a:solidFill>
+                <a:latin typeface="Calibri"/>
+                <a:ea typeface="Calibri"/>
+                <a:cs typeface="Calibri"/>
+                <a:sym typeface="Calibri"/>
+              </a:rPr>
+              <a:t>UNTIL </a:t>
+            </a:r>
+            <a:r>
+              <a:rPr lang="en-US" sz="1800" b="1" dirty="0" err="1">
+                <a:solidFill>
+                  <a:schemeClr val="dk1"/>
+                </a:solidFill>
+                <a:latin typeface="Calibri"/>
+                <a:ea typeface="Calibri"/>
+                <a:cs typeface="Calibri"/>
+                <a:sym typeface="Calibri"/>
+              </a:rPr>
+              <a:t>condicion</a:t>
+            </a:r>
+            <a:endParaRPr lang="en-US" sz="1800" b="1" dirty="0">
+              <a:solidFill>
+                <a:schemeClr val="dk1"/>
+              </a:solidFill>
+              <a:latin typeface="Calibri"/>
+              <a:ea typeface="Calibri"/>
+              <a:cs typeface="Calibri"/>
+              <a:sym typeface="Calibri"/>
+            </a:endParaRPr>
+          </a:p>
+          <a:p>
+            <a:pPr algn="just"/>
+            <a:r>
+              <a:rPr lang="en-US" sz="1800" b="1" dirty="0">
+                <a:solidFill>
+                  <a:schemeClr val="dk1"/>
+                </a:solidFill>
+                <a:latin typeface="Calibri"/>
+                <a:ea typeface="Calibri"/>
+                <a:cs typeface="Calibri"/>
+                <a:sym typeface="Calibri"/>
+              </a:rPr>
+              <a:t>END REPEAT;</a:t>
+            </a:r>
+            <a:r>
+              <a:rPr lang="es-ES" sz="2000" b="1" dirty="0">
+                <a:solidFill>
+                  <a:schemeClr val="dk1"/>
+                </a:solidFill>
+                <a:latin typeface="Calibri"/>
+                <a:ea typeface="Calibri"/>
+                <a:cs typeface="Calibri"/>
+                <a:sym typeface="Calibri"/>
+              </a:rPr>
+              <a:t>	</a:t>
+            </a:r>
+            <a:endParaRPr lang="es-ES" dirty="0"/>
+          </a:p>
+        </p:txBody>
+      </p:sp>
+    </p:spTree>
+    <p:extLst>
+      <p:ext uri="{BB962C8B-B14F-4D97-AF65-F5344CB8AC3E}">
+        <p14:creationId xmlns:p14="http://schemas.microsoft.com/office/powerpoint/2010/main" val="3797239077"/>
+      </p:ext>
+    </p:extLst>
+  </p:cSld>
+  <p:clrMapOvr>
+    <a:masterClrMapping/>
+  </p:clrMapOvr>
+</p:sld>
+</file>
+
+<file path=ppt/slides/slide7.xml><?xml version="1.0" encoding="utf-8"?>
+<p:sld xmlns:a="http://schemas.openxmlformats.org/drawingml/2006/main" xmlns:r="http://schemas.openxmlformats.org/officeDocument/2006/relationships" xmlns:p="http://schemas.openxmlformats.org/presentationml/2006/main">
+  <p:cSld>
+    <p:spTree>
+      <p:nvGrpSpPr>
+        <p:cNvPr id="1" name=""/>
+        <p:cNvGrpSpPr/>
+        <p:nvPr/>
+      </p:nvGrpSpPr>
+      <p:grpSpPr>
+        <a:xfrm>
+          <a:off x="0" y="0"/>
+          <a:ext cx="0" cy="0"/>
+          <a:chOff x="0" y="0"/>
+          <a:chExt cx="0" cy="0"/>
+        </a:xfrm>
+      </p:grpSpPr>
+      <p:sp>
+        <p:nvSpPr>
+          <p:cNvPr id="2" name="Título 1">
+            <a:extLst>
+              <a:ext uri="{FF2B5EF4-FFF2-40B4-BE49-F238E27FC236}">
+                <a16:creationId xmlns:a16="http://schemas.microsoft.com/office/drawing/2014/main" id="{49F3053A-A964-FCDC-C3BB-66E5818F506F}"/>
+              </a:ext>
+            </a:extLst>
+          </p:cNvPr>
+          <p:cNvSpPr>
+            <a:spLocks noGrp="1"/>
+          </p:cNvSpPr>
+          <p:nvPr>
+            <p:ph type="title"/>
+          </p:nvPr>
+        </p:nvSpPr>
+        <p:spPr/>
+        <p:txBody>
+          <a:bodyPr>
+            <a:noAutofit/>
+          </a:bodyPr>
+          <a:lstStyle/>
+          <a:p>
+            <a:r>
+              <a:rPr lang="es-ES" sz="3600" b="1" dirty="0">
+                <a:latin typeface="Arial"/>
+                <a:ea typeface="Arial"/>
+                <a:cs typeface="Arial"/>
+                <a:sym typeface="Arial"/>
+              </a:rPr>
+              <a:t>3.- Desarrollo de procedimientos almacenados</a:t>
+            </a:r>
+            <a:endParaRPr lang="es-ES" sz="3600" dirty="0"/>
+          </a:p>
+        </p:txBody>
+      </p:sp>
+      <p:sp>
+        <p:nvSpPr>
+          <p:cNvPr id="3" name="Marcador de contenido 2">
+            <a:extLst>
+              <a:ext uri="{FF2B5EF4-FFF2-40B4-BE49-F238E27FC236}">
+                <a16:creationId xmlns:a16="http://schemas.microsoft.com/office/drawing/2014/main" id="{F6F68EB7-BF50-F32D-954D-DD15ED62976F}"/>
+              </a:ext>
+            </a:extLst>
+          </p:cNvPr>
+          <p:cNvSpPr>
+            <a:spLocks noGrp="1"/>
+          </p:cNvSpPr>
+          <p:nvPr>
+            <p:ph idx="1"/>
+          </p:nvPr>
+        </p:nvSpPr>
+        <p:spPr>
+          <a:xfrm>
+            <a:off x="691079" y="1574276"/>
+            <a:ext cx="10325000" cy="772119"/>
+          </a:xfrm>
+        </p:spPr>
+        <p:txBody>
+          <a:bodyPr/>
+          <a:lstStyle/>
+          <a:p>
+            <a:pPr algn="just"/>
+            <a:r>
+              <a:rPr lang="es-ES" b="1" i="1" dirty="0">
+                <a:solidFill>
+                  <a:schemeClr val="dk1"/>
+                </a:solidFill>
+                <a:latin typeface="Calibri"/>
+                <a:ea typeface="Calibri"/>
+                <a:cs typeface="Calibri"/>
+                <a:sym typeface="Calibri"/>
+              </a:rPr>
+              <a:t>Ejemplo 8 </a:t>
+            </a:r>
+            <a:r>
+              <a:rPr lang="es-ES" b="1" i="1" dirty="0" err="1">
+                <a:solidFill>
+                  <a:schemeClr val="dk1"/>
+                </a:solidFill>
+                <a:latin typeface="Calibri"/>
+                <a:ea typeface="Calibri"/>
+                <a:cs typeface="Calibri"/>
+                <a:sym typeface="Calibri"/>
+              </a:rPr>
+              <a:t>repeat</a:t>
+            </a:r>
+            <a:r>
+              <a:rPr lang="es-ES" b="1" i="1" dirty="0">
+                <a:solidFill>
+                  <a:schemeClr val="dk1"/>
+                </a:solidFill>
+                <a:latin typeface="Calibri"/>
+                <a:ea typeface="Calibri"/>
+                <a:cs typeface="Calibri"/>
+                <a:sym typeface="Calibri"/>
+              </a:rPr>
+              <a:t>: </a:t>
+            </a:r>
+            <a:r>
+              <a:rPr lang="es-ES" dirty="0">
+                <a:solidFill>
+                  <a:schemeClr val="dk1"/>
+                </a:solidFill>
+                <a:latin typeface="Calibri"/>
+                <a:ea typeface="Calibri"/>
+                <a:cs typeface="Calibri"/>
+                <a:sym typeface="Calibri"/>
+              </a:rPr>
+              <a:t>Realiza un procedimiento para insertar en una tabla números los números del 1 al 10. El procedimiento se hace en la base de datos prueba. Muestra la tabla al finalizar.</a:t>
+            </a:r>
+          </a:p>
+          <a:p>
+            <a:pPr algn="just"/>
+            <a:endParaRPr lang="es-ES" dirty="0">
+              <a:solidFill>
+                <a:schemeClr val="dk1"/>
+              </a:solidFill>
+              <a:latin typeface="Calibri"/>
+              <a:ea typeface="Calibri"/>
+              <a:cs typeface="Calibri"/>
+              <a:sym typeface="Calibri"/>
+            </a:endParaRPr>
+          </a:p>
+          <a:p>
+            <a:endParaRPr lang="es-ES" sz="3200" dirty="0">
+              <a:solidFill>
+                <a:schemeClr val="dk1"/>
+              </a:solidFill>
+              <a:latin typeface="Arial"/>
+              <a:ea typeface="Arial"/>
+              <a:cs typeface="Arial"/>
+              <a:sym typeface="Arial"/>
+            </a:endParaRPr>
+          </a:p>
+          <a:p>
+            <a:endParaRPr lang="es-ES" dirty="0"/>
+          </a:p>
+        </p:txBody>
+      </p:sp>
+      <p:sp>
+        <p:nvSpPr>
+          <p:cNvPr id="4" name="CuadroTexto 3">
+            <a:extLst>
+              <a:ext uri="{FF2B5EF4-FFF2-40B4-BE49-F238E27FC236}">
+                <a16:creationId xmlns:a16="http://schemas.microsoft.com/office/drawing/2014/main" id="{4015700E-6A2D-F5D5-5F29-3C47E9DB2F92}"/>
+              </a:ext>
+            </a:extLst>
+          </p:cNvPr>
+          <p:cNvSpPr txBox="1"/>
+          <p:nvPr/>
+        </p:nvSpPr>
+        <p:spPr>
+          <a:xfrm>
+            <a:off x="1066586" y="2346395"/>
+            <a:ext cx="9591582" cy="3785652"/>
+          </a:xfrm>
+          <a:prstGeom prst="rect">
+            <a:avLst/>
+          </a:prstGeom>
+          <a:noFill/>
+          <a:ln w="25400">
+            <a:solidFill>
+              <a:schemeClr val="accent1"/>
+            </a:solidFill>
+          </a:ln>
+        </p:spPr>
+        <p:txBody>
+          <a:bodyPr wrap="square">
+            <a:spAutoFit/>
+          </a:bodyPr>
+          <a:lstStyle/>
+          <a:p>
+            <a:r>
+              <a:rPr lang="en-US" sz="2000" i="1" dirty="0">
+                <a:solidFill>
+                  <a:schemeClr val="dk1"/>
+                </a:solidFill>
+                <a:latin typeface="Calibri"/>
+                <a:ea typeface="Calibri"/>
+                <a:cs typeface="Calibri"/>
+                <a:sym typeface="Calibri"/>
+              </a:rPr>
+              <a:t>CREATE PROCEDURE ejemplo8_repeat()</a:t>
+            </a:r>
+          </a:p>
+          <a:p>
+            <a:r>
+              <a:rPr lang="en-US" sz="2000" i="1" dirty="0">
+                <a:solidFill>
+                  <a:schemeClr val="dk1"/>
+                </a:solidFill>
+                <a:latin typeface="Calibri"/>
+                <a:ea typeface="Calibri"/>
+                <a:cs typeface="Calibri"/>
+                <a:sym typeface="Calibri"/>
+              </a:rPr>
+              <a:t>BEGIN</a:t>
+            </a:r>
+          </a:p>
+          <a:p>
+            <a:r>
+              <a:rPr lang="en-US" sz="2000" i="1" dirty="0">
+                <a:solidFill>
+                  <a:schemeClr val="dk1"/>
+                </a:solidFill>
+                <a:latin typeface="Calibri"/>
+                <a:ea typeface="Calibri"/>
+                <a:cs typeface="Calibri"/>
+                <a:sym typeface="Calibri"/>
+              </a:rPr>
+              <a:t>DECLARE </a:t>
+            </a:r>
+            <a:r>
+              <a:rPr lang="en-US" sz="2000" i="1" dirty="0" err="1">
+                <a:solidFill>
+                  <a:schemeClr val="dk1"/>
+                </a:solidFill>
+                <a:latin typeface="Calibri"/>
+                <a:ea typeface="Calibri"/>
+                <a:cs typeface="Calibri"/>
+                <a:sym typeface="Calibri"/>
+              </a:rPr>
+              <a:t>i</a:t>
+            </a:r>
+            <a:r>
+              <a:rPr lang="en-US" sz="2000" i="1" dirty="0">
+                <a:solidFill>
+                  <a:schemeClr val="dk1"/>
+                </a:solidFill>
+                <a:latin typeface="Calibri"/>
+                <a:ea typeface="Calibri"/>
+                <a:cs typeface="Calibri"/>
+                <a:sym typeface="Calibri"/>
+              </a:rPr>
+              <a:t> INT;</a:t>
+            </a:r>
+          </a:p>
+          <a:p>
+            <a:r>
+              <a:rPr lang="en-US" sz="2000" i="1" dirty="0">
+                <a:solidFill>
+                  <a:schemeClr val="dk1"/>
+                </a:solidFill>
+                <a:latin typeface="Calibri"/>
+                <a:ea typeface="Calibri"/>
+                <a:cs typeface="Calibri"/>
+                <a:sym typeface="Calibri"/>
+              </a:rPr>
+              <a:t>CREATE TABLE </a:t>
+            </a:r>
+            <a:r>
+              <a:rPr lang="en-US" sz="2000" i="1" dirty="0" err="1">
+                <a:solidFill>
+                  <a:schemeClr val="dk1"/>
+                </a:solidFill>
+                <a:latin typeface="Calibri"/>
+                <a:ea typeface="Calibri"/>
+                <a:cs typeface="Calibri"/>
+                <a:sym typeface="Calibri"/>
+              </a:rPr>
+              <a:t>numeros</a:t>
+            </a:r>
+            <a:r>
+              <a:rPr lang="en-US" sz="2000" i="1" dirty="0">
+                <a:solidFill>
+                  <a:schemeClr val="dk1"/>
+                </a:solidFill>
+                <a:latin typeface="Calibri"/>
+                <a:ea typeface="Calibri"/>
+                <a:cs typeface="Calibri"/>
+                <a:sym typeface="Calibri"/>
+              </a:rPr>
+              <a:t>(</a:t>
+            </a:r>
+          </a:p>
+          <a:p>
+            <a:r>
+              <a:rPr lang="en-US" sz="2000" i="1" dirty="0">
+                <a:solidFill>
+                  <a:schemeClr val="dk1"/>
+                </a:solidFill>
+                <a:latin typeface="Calibri"/>
+                <a:ea typeface="Calibri"/>
+                <a:cs typeface="Calibri"/>
+                <a:sym typeface="Calibri"/>
+              </a:rPr>
+              <a:t>num INT);</a:t>
+            </a:r>
+          </a:p>
+          <a:p>
+            <a:r>
+              <a:rPr lang="en-US" sz="2000" i="1" dirty="0">
+                <a:solidFill>
+                  <a:schemeClr val="dk1"/>
+                </a:solidFill>
+                <a:latin typeface="Calibri"/>
+                <a:ea typeface="Calibri"/>
+                <a:cs typeface="Calibri"/>
+                <a:sym typeface="Calibri"/>
+              </a:rPr>
+              <a:t>SET </a:t>
+            </a:r>
+            <a:r>
+              <a:rPr lang="en-US" sz="2000" i="1" dirty="0" err="1">
+                <a:solidFill>
+                  <a:schemeClr val="dk1"/>
+                </a:solidFill>
+                <a:latin typeface="Calibri"/>
+                <a:ea typeface="Calibri"/>
+                <a:cs typeface="Calibri"/>
+                <a:sym typeface="Calibri"/>
+              </a:rPr>
+              <a:t>i</a:t>
+            </a:r>
+            <a:r>
+              <a:rPr lang="en-US" sz="2000" i="1" dirty="0">
+                <a:solidFill>
+                  <a:schemeClr val="dk1"/>
+                </a:solidFill>
+                <a:latin typeface="Calibri"/>
+                <a:ea typeface="Calibri"/>
+                <a:cs typeface="Calibri"/>
+                <a:sym typeface="Calibri"/>
+              </a:rPr>
+              <a:t>=1;</a:t>
+            </a:r>
+          </a:p>
+          <a:p>
+            <a:r>
+              <a:rPr lang="en-US" sz="2000" i="1" dirty="0">
+                <a:solidFill>
+                  <a:schemeClr val="dk1"/>
+                </a:solidFill>
+                <a:latin typeface="Calibri"/>
+                <a:ea typeface="Calibri"/>
+                <a:cs typeface="Calibri"/>
+                <a:sym typeface="Calibri"/>
+              </a:rPr>
+              <a:t>REPEAT		</a:t>
+            </a:r>
+          </a:p>
+          <a:p>
+            <a:r>
+              <a:rPr lang="en-US" sz="2000" i="1" dirty="0">
+                <a:solidFill>
+                  <a:schemeClr val="dk1"/>
+                </a:solidFill>
+                <a:latin typeface="Calibri"/>
+                <a:ea typeface="Calibri"/>
+                <a:cs typeface="Calibri"/>
+                <a:sym typeface="Calibri"/>
+              </a:rPr>
+              <a:t>	INSERT INTO </a:t>
+            </a:r>
+            <a:r>
+              <a:rPr lang="en-US" sz="2000" i="1" dirty="0" err="1">
+                <a:solidFill>
+                  <a:schemeClr val="dk1"/>
+                </a:solidFill>
+                <a:latin typeface="Calibri"/>
+                <a:ea typeface="Calibri"/>
+                <a:cs typeface="Calibri"/>
+                <a:sym typeface="Calibri"/>
+              </a:rPr>
+              <a:t>numeros</a:t>
+            </a:r>
+            <a:r>
+              <a:rPr lang="en-US" sz="2000" i="1" dirty="0">
+                <a:solidFill>
+                  <a:schemeClr val="dk1"/>
+                </a:solidFill>
+                <a:latin typeface="Calibri"/>
+                <a:ea typeface="Calibri"/>
+                <a:cs typeface="Calibri"/>
+                <a:sym typeface="Calibri"/>
+              </a:rPr>
+              <a:t> VALUES (</a:t>
+            </a:r>
+            <a:r>
+              <a:rPr lang="en-US" sz="2000" i="1" dirty="0" err="1">
+                <a:solidFill>
+                  <a:schemeClr val="dk1"/>
+                </a:solidFill>
+                <a:latin typeface="Calibri"/>
+                <a:ea typeface="Calibri"/>
+                <a:cs typeface="Calibri"/>
+                <a:sym typeface="Calibri"/>
+              </a:rPr>
+              <a:t>i</a:t>
+            </a:r>
+            <a:r>
+              <a:rPr lang="en-US" sz="2000" i="1" dirty="0">
+                <a:solidFill>
+                  <a:schemeClr val="dk1"/>
+                </a:solidFill>
+                <a:latin typeface="Calibri"/>
+                <a:ea typeface="Calibri"/>
+                <a:cs typeface="Calibri"/>
+                <a:sym typeface="Calibri"/>
+              </a:rPr>
+              <a:t>);    	</a:t>
+            </a:r>
+          </a:p>
+          <a:p>
+            <a:r>
+              <a:rPr lang="en-US" sz="2000" i="1" dirty="0">
+                <a:solidFill>
+                  <a:schemeClr val="dk1"/>
+                </a:solidFill>
+                <a:latin typeface="Calibri"/>
+                <a:ea typeface="Calibri"/>
+                <a:cs typeface="Calibri"/>
+                <a:sym typeface="Calibri"/>
+              </a:rPr>
+              <a:t>	SET </a:t>
+            </a:r>
+            <a:r>
+              <a:rPr lang="en-US" sz="2000" i="1" dirty="0" err="1">
+                <a:solidFill>
+                  <a:schemeClr val="dk1"/>
+                </a:solidFill>
+                <a:latin typeface="Calibri"/>
+                <a:ea typeface="Calibri"/>
+                <a:cs typeface="Calibri"/>
+                <a:sym typeface="Calibri"/>
+              </a:rPr>
+              <a:t>i</a:t>
+            </a:r>
+            <a:r>
+              <a:rPr lang="en-US" sz="2000" i="1" dirty="0">
+                <a:solidFill>
+                  <a:schemeClr val="dk1"/>
+                </a:solidFill>
+                <a:latin typeface="Calibri"/>
+                <a:ea typeface="Calibri"/>
+                <a:cs typeface="Calibri"/>
+                <a:sym typeface="Calibri"/>
+              </a:rPr>
+              <a:t>=i+1;    </a:t>
+            </a:r>
+          </a:p>
+          <a:p>
+            <a:r>
+              <a:rPr lang="en-US" sz="2000" i="1" dirty="0">
+                <a:solidFill>
+                  <a:schemeClr val="dk1"/>
+                </a:solidFill>
+                <a:latin typeface="Calibri"/>
+                <a:ea typeface="Calibri"/>
+                <a:cs typeface="Calibri"/>
+                <a:sym typeface="Calibri"/>
+              </a:rPr>
+              <a:t>UNTIL </a:t>
+            </a:r>
+            <a:r>
+              <a:rPr lang="en-US" sz="2000" i="1" dirty="0" err="1">
+                <a:solidFill>
+                  <a:schemeClr val="dk1"/>
+                </a:solidFill>
+                <a:latin typeface="Calibri"/>
+                <a:ea typeface="Calibri"/>
+                <a:cs typeface="Calibri"/>
+                <a:sym typeface="Calibri"/>
+              </a:rPr>
+              <a:t>i</a:t>
+            </a:r>
+            <a:r>
+              <a:rPr lang="en-US" sz="2000" i="1" dirty="0">
+                <a:solidFill>
+                  <a:schemeClr val="dk1"/>
+                </a:solidFill>
+                <a:latin typeface="Calibri"/>
+                <a:ea typeface="Calibri"/>
+                <a:cs typeface="Calibri"/>
+                <a:sym typeface="Calibri"/>
+              </a:rPr>
+              <a:t>&gt;10 END REPEAT;</a:t>
+            </a:r>
+          </a:p>
+          <a:p>
+            <a:r>
+              <a:rPr lang="en-US" sz="2000" i="1" dirty="0">
+                <a:solidFill>
+                  <a:schemeClr val="dk1"/>
+                </a:solidFill>
+                <a:latin typeface="Calibri"/>
+                <a:ea typeface="Calibri"/>
+                <a:cs typeface="Calibri"/>
+                <a:sym typeface="Calibri"/>
+              </a:rPr>
+              <a:t>SELECT * FROM </a:t>
+            </a:r>
+            <a:r>
+              <a:rPr lang="en-US" sz="2000" i="1" dirty="0" err="1">
+                <a:solidFill>
+                  <a:schemeClr val="dk1"/>
+                </a:solidFill>
+                <a:latin typeface="Calibri"/>
+                <a:ea typeface="Calibri"/>
+                <a:cs typeface="Calibri"/>
+                <a:sym typeface="Calibri"/>
+              </a:rPr>
+              <a:t>numeros</a:t>
+            </a:r>
+            <a:r>
+              <a:rPr lang="en-US" sz="2000" i="1" dirty="0">
+                <a:solidFill>
+                  <a:schemeClr val="dk1"/>
+                </a:solidFill>
+                <a:latin typeface="Calibri"/>
+                <a:ea typeface="Calibri"/>
+                <a:cs typeface="Calibri"/>
+                <a:sym typeface="Calibri"/>
+              </a:rPr>
+              <a:t>;</a:t>
+            </a:r>
+          </a:p>
+          <a:p>
+            <a:r>
+              <a:rPr lang="en-US" sz="2000" i="1" dirty="0">
+                <a:solidFill>
+                  <a:schemeClr val="dk1"/>
+                </a:solidFill>
+                <a:latin typeface="Calibri"/>
+                <a:ea typeface="Calibri"/>
+                <a:cs typeface="Calibri"/>
+                <a:sym typeface="Calibri"/>
+              </a:rPr>
+              <a:t>END</a:t>
+            </a:r>
+            <a:endParaRPr lang="es-ES" sz="2000" dirty="0">
+              <a:solidFill>
+                <a:schemeClr val="dk1"/>
+              </a:solidFill>
+              <a:latin typeface="Calibri"/>
+              <a:ea typeface="Calibri"/>
+              <a:cs typeface="Calibri"/>
+              <a:sym typeface="Calibri"/>
+            </a:endParaRPr>
+          </a:p>
+        </p:txBody>
+      </p:sp>
+    </p:spTree>
+    <p:extLst>
+      <p:ext uri="{BB962C8B-B14F-4D97-AF65-F5344CB8AC3E}">
+        <p14:creationId xmlns:p14="http://schemas.microsoft.com/office/powerpoint/2010/main" val="3466262419"/>
+      </p:ext>
+    </p:extLst>
+  </p:cSld>
+  <p:clrMapOvr>
+    <a:masterClrMapping/>
+  </p:clrMapOvr>
+</p:sld>
+</file>
+
+<file path=ppt/slides/slide8.xml><?xml version="1.0" encoding="utf-8"?>
 <p:sld xmlns:a="http://schemas.openxmlformats.org/drawingml/2006/main" xmlns:r="http://schemas.openxmlformats.org/officeDocument/2006/relationships" xmlns:p="http://schemas.openxmlformats.org/presentationml/2006/main">
   <p:cSld>
     <p:spTree>
@@ -20892,8 +21687,8 @@
         </p:nvSpPr>
         <p:spPr>
           <a:xfrm>
-            <a:off x="784484" y="1875104"/>
-            <a:ext cx="9778741" cy="4001095"/>
+            <a:off x="196458" y="2266545"/>
+            <a:ext cx="5700802" cy="3477875"/>
           </a:xfrm>
           <a:prstGeom prst="rect">
             <a:avLst/>
@@ -20901,7 +21696,9 @@
           <a:noFill/>
           <a:ln>
             <a:solidFill>
-              <a:schemeClr val="accent1"/>
+              <a:schemeClr val="accent1">
+                <a:shade val="15000"/>
+              </a:schemeClr>
             </a:solidFill>
           </a:ln>
         </p:spPr>
@@ -20921,11 +21718,20 @@
                 <a:cs typeface="Calibri"/>
                 <a:sym typeface="Calibri"/>
               </a:rPr>
-              <a:t>CREATE PROCEDURE ejemplo9 (OUT n INT)</a:t>
-            </a:r>
-            <a:endParaRPr lang="en-US" sz="2000" dirty="0"/>
-          </a:p>
-          <a:p>
+              <a:t>CREATE PROCEDURE ejemplo9_repeat(OUT </a:t>
+            </a:r>
+            <a:r>
+              <a:rPr lang="en-US" sz="2000" dirty="0" err="1">
+                <a:solidFill>
+                  <a:schemeClr val="dk1"/>
+                </a:solidFill>
+                <a:latin typeface="Calibri"/>
+                <a:ea typeface="Calibri"/>
+                <a:cs typeface="Calibri"/>
+                <a:sym typeface="Calibri"/>
+              </a:rPr>
+              <a:t>texto</a:t>
+            </a:r>
             <a:r>
               <a:rPr lang="en-US" sz="2000" dirty="0">
                 <a:solidFill>
@@ -20936,9 +21742,8 @@
                 <a:cs typeface="Calibri"/>
                 <a:sym typeface="Calibri"/>
               </a:rPr>
-              <a:t>BEGIN  </a:t>
-            </a:r>
-            <a:endParaRPr lang="en-US" sz="2000" dirty="0"/>
+              <a:t> VARCHAR(100))</a:t>
+            </a:r>
           </a:p>
           <a:p>
             <a:r>
@@ -20951,6 +21756,20 @@
                 <a:cs typeface="Calibri"/>
                 <a:sym typeface="Calibri"/>
               </a:rPr>
+              <a:t>BEGIN</a:t>
+            </a:r>
+          </a:p>
+          <a:p>
+            <a:r>
+              <a:rPr lang="en-US" sz="2000" dirty="0">
+                <a:solidFill>
+                  <a:schemeClr val="dk1"/>
+                </a:solidFill>
+                <a:latin typeface="Calibri"/>
+                <a:ea typeface="Calibri"/>
+                <a:cs typeface="Calibri"/>
+                <a:sym typeface="Calibri"/>
+              </a:rPr>
               <a:t>DECLARE </a:t>
             </a:r>
             <a:r>
@@ -20963,7 +21782,7 @@
                 <a:cs typeface="Calibri"/>
                 <a:sym typeface="Calibri"/>
               </a:rPr>
-              <a:t>cont</a:t>
+              <a:t>ncontratos</a:t>
             </a:r>
             <a:r>
               <a:rPr lang="en-US" sz="2000" dirty="0">
@@ -20975,9 +21794,8 @@
                 <a:cs typeface="Calibri"/>
                 <a:sym typeface="Calibri"/>
               </a:rPr>
-              <a:t> INT;  </a:t>
-            </a:r>
-            <a:endParaRPr lang="en-US" sz="2000" dirty="0"/>
+              <a:t> INT;</a:t>
+            </a:r>
           </a:p>
           <a:p>
             <a:r>
@@ -20990,11 +21808,20 @@
                 <a:cs typeface="Calibri"/>
                 <a:sym typeface="Calibri"/>
               </a:rPr>
-              <a:t>SET n=1;    </a:t>
-            </a:r>
-            <a:endParaRPr lang="en-US" sz="2000" dirty="0"/>
-          </a:p>
-          <a:p>
+              <a:t>DECLARE </a:t>
+            </a:r>
+            <a:r>
+              <a:rPr lang="en-US" sz="2000" dirty="0" err="1">
+                <a:solidFill>
+                  <a:schemeClr val="dk1"/>
+                </a:solidFill>
+                <a:latin typeface="Calibri"/>
+                <a:ea typeface="Calibri"/>
+                <a:cs typeface="Calibri"/>
+                <a:sym typeface="Calibri"/>
+              </a:rPr>
+              <a:t>i</a:t>
+            </a:r>
             <a:r>
               <a:rPr lang="en-US" sz="2000" dirty="0">
                 <a:solidFill>
@@ -21005,9 +21832,8 @@
                 <a:cs typeface="Calibri"/>
                 <a:sym typeface="Calibri"/>
               </a:rPr>
-              <a:t>etiq1: LOOP</a:t>
-            </a:r>
-            <a:endParaRPr lang="en-US" sz="2000" dirty="0"/>
+              <a:t> INT; </a:t>
+            </a:r>
           </a:p>
           <a:p>
             <a:r>
@@ -21020,7 +21846,21 @@
                 <a:cs typeface="Calibri"/>
                 <a:sym typeface="Calibri"/>
               </a:rPr>
-              <a:t>    	SELECT count(*) INTO </a:t>
+              <a:t>DECLARE aux INT;</a:t>
+            </a:r>
+          </a:p>
+          <a:p>
+            <a:r>
+              <a:rPr lang="en-US" sz="2000" dirty="0">
+                <a:solidFill>
+                  <a:schemeClr val="dk1"/>
+                </a:solidFill>
+                <a:latin typeface="Calibri"/>
+                <a:ea typeface="Calibri"/>
+                <a:cs typeface="Calibri"/>
+                <a:sym typeface="Calibri"/>
+              </a:rPr>
+              <a:t>SET </a:t>
             </a:r>
             <a:r>
               <a:rPr lang="en-US" sz="2000" dirty="0" err="1">
@@ -21032,7 +21872,7 @@
                 <a:cs typeface="Calibri"/>
                 <a:sym typeface="Calibri"/>
               </a:rPr>
-              <a:t>cont</a:t>
+              <a:t>i</a:t>
             </a:r>
             <a:r>
               <a:rPr lang="en-US" sz="2000" dirty="0">
@@ -21044,6 +21884,130 @@
                 <a:cs typeface="Calibri"/>
                 <a:sym typeface="Calibri"/>
               </a:rPr>
+              <a:t>=1;</a:t>
+            </a:r>
+          </a:p>
+          <a:p>
+            <a:r>
+              <a:rPr lang="en-US" sz="2000" dirty="0">
+                <a:solidFill>
+                  <a:schemeClr val="dk1"/>
+                </a:solidFill>
+                <a:latin typeface="Calibri"/>
+                <a:ea typeface="Calibri"/>
+                <a:cs typeface="Calibri"/>
+                <a:sym typeface="Calibri"/>
+              </a:rPr>
+              <a:t>SET </a:t>
+            </a:r>
+            <a:r>
+              <a:rPr lang="en-US" sz="2000" dirty="0" err="1">
+                <a:solidFill>
+                  <a:schemeClr val="dk1"/>
+                </a:solidFill>
+                <a:latin typeface="Calibri"/>
+                <a:ea typeface="Calibri"/>
+                <a:cs typeface="Calibri"/>
+                <a:sym typeface="Calibri"/>
+              </a:rPr>
+              <a:t>texto</a:t>
+            </a:r>
+            <a:r>
+              <a:rPr lang="en-US" sz="2000" dirty="0">
+                <a:solidFill>
+                  <a:schemeClr val="dk1"/>
+                </a:solidFill>
+                <a:latin typeface="Calibri"/>
+                <a:ea typeface="Calibri"/>
+                <a:cs typeface="Calibri"/>
+                <a:sym typeface="Calibri"/>
+              </a:rPr>
+              <a:t>='</a:t>
+            </a:r>
+            <a:r>
+              <a:rPr lang="en-US" sz="2000" dirty="0" err="1">
+                <a:solidFill>
+                  <a:schemeClr val="dk1"/>
+                </a:solidFill>
+                <a:latin typeface="Calibri"/>
+                <a:ea typeface="Calibri"/>
+                <a:cs typeface="Calibri"/>
+                <a:sym typeface="Calibri"/>
+              </a:rPr>
+              <a:t>resultado</a:t>
+            </a:r>
+            <a:r>
+              <a:rPr lang="en-US" sz="2000" dirty="0">
+                <a:solidFill>
+                  <a:schemeClr val="dk1"/>
+                </a:solidFill>
+                <a:latin typeface="Calibri"/>
+                <a:ea typeface="Calibri"/>
+                <a:cs typeface="Calibri"/>
+                <a:sym typeface="Calibri"/>
+              </a:rPr>
+              <a:t>: ‘;</a:t>
+            </a:r>
+          </a:p>
+          <a:p>
+            <a:r>
+              <a:rPr lang="en-US" sz="2000" dirty="0">
+                <a:solidFill>
+                  <a:schemeClr val="dk1"/>
+                </a:solidFill>
+                <a:latin typeface="Calibri"/>
+                <a:ea typeface="Calibri"/>
+                <a:cs typeface="Calibri"/>
+                <a:sym typeface="Calibri"/>
+              </a:rPr>
+              <a:t>SELECT MAX(</a:t>
+            </a:r>
+            <a:r>
+              <a:rPr lang="en-US" sz="2000" dirty="0" err="1">
+                <a:solidFill>
+                  <a:schemeClr val="dk1"/>
+                </a:solidFill>
+                <a:latin typeface="Calibri"/>
+                <a:ea typeface="Calibri"/>
+                <a:cs typeface="Calibri"/>
+                <a:sym typeface="Calibri"/>
+              </a:rPr>
+              <a:t>numcontrato</a:t>
+            </a:r>
+            <a:r>
+              <a:rPr lang="en-US" sz="2000" dirty="0">
+                <a:solidFill>
+                  <a:schemeClr val="dk1"/>
+                </a:solidFill>
+                <a:latin typeface="Calibri"/>
+                <a:ea typeface="Calibri"/>
+                <a:cs typeface="Calibri"/>
+                <a:sym typeface="Calibri"/>
+              </a:rPr>
+              <a:t>) INTO </a:t>
+            </a:r>
+            <a:r>
+              <a:rPr lang="en-US" sz="2000" dirty="0" err="1">
+                <a:solidFill>
+                  <a:schemeClr val="dk1"/>
+                </a:solidFill>
+                <a:latin typeface="Calibri"/>
+                <a:ea typeface="Calibri"/>
+                <a:cs typeface="Calibri"/>
+                <a:sym typeface="Calibri"/>
+              </a:rPr>
+              <a:t>ncontratos</a:t>
+            </a:r>
+            <a:r>
+              <a:rPr lang="en-US" sz="2000" dirty="0">
+                <a:solidFill>
+                  <a:schemeClr val="dk1"/>
+                </a:solidFill>
+                <a:latin typeface="Calibri"/>
+                <a:ea typeface="Calibri"/>
+                <a:cs typeface="Calibri"/>
+                <a:sym typeface="Calibri"/>
+              </a:rPr>
               <a:t> FROM </a:t>
             </a:r>
             <a:r>
@@ -21068,170 +22032,11 @@
                 <a:cs typeface="Calibri"/>
                 <a:sym typeface="Calibri"/>
               </a:rPr>
-              <a:t> WHERE </a:t>
-            </a:r>
-            <a:r>
-              <a:rPr lang="en-US" sz="2000" dirty="0" err="1">
-                <a:solidFill>
-                  <a:schemeClr val="dk1"/>
-                </a:solidFill>
-                <a:latin typeface="Calibri"/>
-                <a:ea typeface="Calibri"/>
-                <a:cs typeface="Calibri"/>
-                <a:sym typeface="Calibri"/>
-              </a:rPr>
-              <a:t>numcontrato</a:t>
-            </a:r>
-            <a:r>
-              <a:rPr lang="en-US" sz="2000" dirty="0">
-                <a:solidFill>
-                  <a:schemeClr val="dk1"/>
-                </a:solidFill>
-                <a:latin typeface="Calibri"/>
-                <a:ea typeface="Calibri"/>
-                <a:cs typeface="Calibri"/>
-                <a:sym typeface="Calibri"/>
-              </a:rPr>
-              <a:t>=n; </a:t>
-            </a:r>
-            <a:endParaRPr lang="en-US" sz="2000" dirty="0"/>
-          </a:p>
-          <a:p>
-            <a:r>
-              <a:rPr lang="en-US" sz="2000" dirty="0">
-                <a:solidFill>
-                  <a:schemeClr val="dk1"/>
-                </a:solidFill>
-                <a:latin typeface="Calibri"/>
-                <a:ea typeface="Calibri"/>
-                <a:cs typeface="Calibri"/>
-                <a:sym typeface="Calibri"/>
-              </a:rPr>
-              <a:t>   	IF </a:t>
-            </a:r>
-            <a:r>
-              <a:rPr lang="en-US" sz="2000" dirty="0" err="1">
-                <a:solidFill>
-                  <a:schemeClr val="dk1"/>
-                </a:solidFill>
-                <a:latin typeface="Calibri"/>
-                <a:ea typeface="Calibri"/>
-                <a:cs typeface="Calibri"/>
-                <a:sym typeface="Calibri"/>
-              </a:rPr>
-              <a:t>cont</a:t>
-            </a:r>
-            <a:r>
-              <a:rPr lang="en-US" sz="2000" dirty="0">
-                <a:solidFill>
-                  <a:schemeClr val="dk1"/>
-                </a:solidFill>
-                <a:latin typeface="Calibri"/>
-                <a:ea typeface="Calibri"/>
-                <a:cs typeface="Calibri"/>
-                <a:sym typeface="Calibri"/>
-              </a:rPr>
-              <a:t>=0 THEN</a:t>
-            </a:r>
-            <a:endParaRPr lang="en-US" sz="2000" dirty="0"/>
-          </a:p>
-          <a:p>
-            <a:r>
-              <a:rPr lang="en-US" sz="2000" dirty="0">
-                <a:solidFill>
-                  <a:schemeClr val="dk1"/>
-                </a:solidFill>
-                <a:latin typeface="Calibri"/>
-                <a:ea typeface="Calibri"/>
-                <a:cs typeface="Calibri"/>
-                <a:sym typeface="Calibri"/>
-              </a:rPr>
-              <a:t>       		LEAVE etiq1; </a:t>
-            </a:r>
-            <a:endParaRPr lang="en-US" sz="2000" dirty="0"/>
-          </a:p>
-          <a:p>
-            <a:r>
-              <a:rPr lang="en-US" sz="2000" dirty="0">
-                <a:solidFill>
-                  <a:schemeClr val="dk1"/>
-                </a:solidFill>
-                <a:latin typeface="Calibri"/>
-                <a:ea typeface="Calibri"/>
-                <a:cs typeface="Calibri"/>
-                <a:sym typeface="Calibri"/>
-              </a:rPr>
-              <a:t> 	END IF;</a:t>
-            </a:r>
-            <a:endParaRPr lang="en-US" sz="2000" dirty="0"/>
-          </a:p>
-          <a:p>
-            <a:r>
-              <a:rPr lang="en-US" sz="2000" dirty="0">
-                <a:solidFill>
-                  <a:schemeClr val="dk1"/>
-                </a:solidFill>
-                <a:latin typeface="Calibri"/>
-                <a:ea typeface="Calibri"/>
-                <a:cs typeface="Calibri"/>
-                <a:sym typeface="Calibri"/>
-              </a:rPr>
-              <a:t>    	SET n=n+1; </a:t>
-            </a:r>
-            <a:endParaRPr lang="en-US" sz="2000" dirty="0"/>
-          </a:p>
-          <a:p>
-            <a:r>
-              <a:rPr lang="en-US" sz="2000" dirty="0">
-                <a:solidFill>
-                  <a:schemeClr val="dk1"/>
-                </a:solidFill>
-                <a:latin typeface="Calibri"/>
-                <a:ea typeface="Calibri"/>
-                <a:cs typeface="Calibri"/>
-                <a:sym typeface="Calibri"/>
-              </a:rPr>
-              <a:t>END LOOP etiq1; </a:t>
-            </a:r>
-            <a:endParaRPr lang="en-US" sz="2000" dirty="0"/>
-          </a:p>
-          <a:p>
-            <a:r>
-              <a:rPr lang="en-US" sz="2000" dirty="0">
-                <a:solidFill>
-                  <a:schemeClr val="dk1"/>
-                </a:solidFill>
-                <a:latin typeface="Calibri"/>
-                <a:ea typeface="Calibri"/>
-                <a:cs typeface="Calibri"/>
-                <a:sym typeface="Calibri"/>
-              </a:rPr>
-              <a:t>END</a:t>
-            </a:r>
-            <a:r>
-              <a:rPr lang="en-US" sz="1000" dirty="0">
-                <a:solidFill>
-                  <a:schemeClr val="dk1"/>
-                </a:solidFill>
-                <a:latin typeface="Arial"/>
-                <a:ea typeface="Arial"/>
-                <a:cs typeface="Arial"/>
-                <a:sym typeface="Arial"/>
-              </a:rPr>
-              <a:t> </a:t>
-            </a:r>
-            <a:endParaRPr lang="en-US" sz="3200" dirty="0">
-              <a:solidFill>
-                <a:schemeClr val="dk1"/>
-              </a:solidFill>
-              <a:latin typeface="Arial"/>
-              <a:ea typeface="Arial"/>
-              <a:cs typeface="Arial"/>
-              <a:sym typeface="Arial"/>
-            </a:endParaRPr>
-          </a:p>
-          <a:p>
-            <a:endParaRPr lang="es-ES" sz="1400" dirty="0">
+              <a:t>;    </a:t>
+            </a:r>
+          </a:p>
+          <a:p>
+            <a:endParaRPr lang="en-US" sz="2000" dirty="0">
               <a:solidFill>
                 <a:schemeClr val="dk1"/>
               </a:solidFill>
@@ -21260,7 +22065,7 @@
         <p:spPr>
           <a:xfrm>
             <a:off x="784485" y="1420555"/>
-            <a:ext cx="1786650" cy="559324"/>
+            <a:ext cx="9643566" cy="845990"/>
           </a:xfrm>
           <a:prstGeom prst="rect">
             <a:avLst/>
@@ -21471,16 +22276,497 @@
           </a:lstStyle>
           <a:p>
             <a:r>
-              <a:rPr lang="es-ES" dirty="0"/>
-              <a:t>Ejemplo 9:</a:t>
-            </a:r>
+              <a:rPr lang="es-ES" b="1" i="1" dirty="0">
+                <a:solidFill>
+                  <a:schemeClr val="dk1"/>
+                </a:solidFill>
+                <a:latin typeface="Calibri"/>
+                <a:ea typeface="Calibri"/>
+                <a:cs typeface="Calibri"/>
+                <a:sym typeface="Calibri"/>
+              </a:rPr>
+              <a:t>Ejemplo 9 </a:t>
+            </a:r>
+            <a:r>
+              <a:rPr lang="es-ES" b="1" i="1" dirty="0" err="1">
+                <a:solidFill>
+                  <a:schemeClr val="dk1"/>
+                </a:solidFill>
+                <a:latin typeface="Calibri"/>
+                <a:ea typeface="Calibri"/>
+                <a:cs typeface="Calibri"/>
+                <a:sym typeface="Calibri"/>
+              </a:rPr>
+              <a:t>repeat</a:t>
+            </a:r>
+            <a:r>
+              <a:rPr lang="es-ES" b="1" i="1" dirty="0">
+                <a:solidFill>
+                  <a:schemeClr val="dk1"/>
+                </a:solidFill>
+                <a:latin typeface="Calibri"/>
+                <a:ea typeface="Calibri"/>
+                <a:cs typeface="Calibri"/>
+                <a:sym typeface="Calibri"/>
+              </a:rPr>
+              <a:t>: </a:t>
+            </a:r>
+            <a:r>
+              <a:rPr lang="es-ES" dirty="0">
+                <a:solidFill>
+                  <a:schemeClr val="dk1"/>
+                </a:solidFill>
+                <a:latin typeface="Calibri"/>
+                <a:ea typeface="Calibri"/>
+                <a:cs typeface="Calibri"/>
+                <a:sym typeface="Calibri"/>
+              </a:rPr>
+              <a:t>Realiza un procedimiento que devuelve en una variable de texto los números de contrato pares de la base de datos alquileres.</a:t>
+            </a:r>
+          </a:p>
+          <a:p>
+            <a:endParaRPr lang="es-ES" dirty="0"/>
+          </a:p>
+        </p:txBody>
+      </p:sp>
+      <p:sp>
+        <p:nvSpPr>
+          <p:cNvPr id="7" name="Rectángulo 6">
+            <a:extLst>
+              <a:ext uri="{FF2B5EF4-FFF2-40B4-BE49-F238E27FC236}">
+                <a16:creationId xmlns:a16="http://schemas.microsoft.com/office/drawing/2014/main" id="{7646128F-847A-D3B6-FC55-DB95D8BA6A66}"/>
+              </a:ext>
+            </a:extLst>
+          </p:cNvPr>
+          <p:cNvSpPr/>
+          <p:nvPr/>
+        </p:nvSpPr>
+        <p:spPr>
+          <a:xfrm>
+            <a:off x="5897259" y="2266545"/>
+            <a:ext cx="6294741" cy="3477875"/>
+          </a:xfrm>
+          <a:prstGeom prst="rect">
+            <a:avLst/>
+          </a:prstGeom>
+          <a:noFill/>
+          <a:ln>
+            <a:solidFill>
+              <a:schemeClr val="accent1">
+                <a:shade val="15000"/>
+              </a:schemeClr>
+            </a:solidFill>
+          </a:ln>
+        </p:spPr>
+        <p:style>
+          <a:lnRef idx="2">
+            <a:schemeClr val="accent1">
+              <a:shade val="15000"/>
+            </a:schemeClr>
+          </a:lnRef>
+          <a:fillRef idx="1">
+            <a:schemeClr val="accent1"/>
+          </a:fillRef>
+          <a:effectRef idx="0">
+            <a:schemeClr val="accent1"/>
+          </a:effectRef>
+          <a:fontRef idx="minor">
+            <a:schemeClr val="lt1"/>
+          </a:fontRef>
+        </p:style>
+        <p:txBody>
+          <a:bodyPr rtlCol="0" anchor="ctr"/>
+          <a:lstStyle/>
+          <a:p>
+            <a:r>
+              <a:rPr lang="en-US" sz="1800" dirty="0">
+                <a:solidFill>
+                  <a:schemeClr val="dk1"/>
+                </a:solidFill>
+                <a:latin typeface="Calibri"/>
+                <a:ea typeface="Calibri"/>
+                <a:cs typeface="Calibri"/>
+                <a:sym typeface="Calibri"/>
+              </a:rPr>
+              <a:t>REPEAT	</a:t>
+            </a:r>
+          </a:p>
+          <a:p>
+            <a:r>
+              <a:rPr lang="en-US" sz="1800" dirty="0">
+                <a:solidFill>
+                  <a:schemeClr val="dk1"/>
+                </a:solidFill>
+                <a:latin typeface="Calibri"/>
+                <a:ea typeface="Calibri"/>
+                <a:cs typeface="Calibri"/>
+                <a:sym typeface="Calibri"/>
+              </a:rPr>
+              <a:t>	IF i%2=0 THEN		</a:t>
+            </a:r>
+          </a:p>
+          <a:p>
+            <a:r>
+              <a:rPr lang="en-US" sz="1800" dirty="0">
+                <a:solidFill>
+                  <a:schemeClr val="dk1"/>
+                </a:solidFill>
+                <a:latin typeface="Calibri"/>
+                <a:ea typeface="Calibri"/>
+                <a:cs typeface="Calibri"/>
+                <a:sym typeface="Calibri"/>
+              </a:rPr>
+              <a:t>		SELECT count(*) INTO aux FROM </a:t>
+            </a:r>
+            <a:r>
+              <a:rPr lang="en-US" sz="1800" dirty="0" err="1">
+                <a:solidFill>
+                  <a:schemeClr val="dk1"/>
+                </a:solidFill>
+                <a:latin typeface="Calibri"/>
+                <a:ea typeface="Calibri"/>
+                <a:cs typeface="Calibri"/>
+                <a:sym typeface="Calibri"/>
+              </a:rPr>
+              <a:t>contratos</a:t>
+            </a:r>
+            <a:r>
+              <a:rPr lang="en-US" sz="1800" dirty="0">
+                <a:solidFill>
+                  <a:schemeClr val="dk1"/>
+                </a:solidFill>
+                <a:latin typeface="Calibri"/>
+                <a:ea typeface="Calibri"/>
+                <a:cs typeface="Calibri"/>
+                <a:sym typeface="Calibri"/>
+              </a:rPr>
+              <a:t> 		WHERE </a:t>
+            </a:r>
+            <a:r>
+              <a:rPr lang="en-US" sz="1800" dirty="0" err="1">
+                <a:solidFill>
+                  <a:schemeClr val="dk1"/>
+                </a:solidFill>
+                <a:latin typeface="Calibri"/>
+                <a:ea typeface="Calibri"/>
+                <a:cs typeface="Calibri"/>
+                <a:sym typeface="Calibri"/>
+              </a:rPr>
+              <a:t>numcontrato</a:t>
+            </a:r>
+            <a:r>
+              <a:rPr lang="en-US" sz="1800" dirty="0">
+                <a:solidFill>
+                  <a:schemeClr val="dk1"/>
+                </a:solidFill>
+                <a:latin typeface="Calibri"/>
+                <a:ea typeface="Calibri"/>
+                <a:cs typeface="Calibri"/>
+                <a:sym typeface="Calibri"/>
+              </a:rPr>
+              <a:t>=</a:t>
+            </a:r>
+            <a:r>
+              <a:rPr lang="en-US" sz="1800" dirty="0" err="1">
+                <a:solidFill>
+                  <a:schemeClr val="dk1"/>
+                </a:solidFill>
+                <a:latin typeface="Calibri"/>
+                <a:ea typeface="Calibri"/>
+                <a:cs typeface="Calibri"/>
+                <a:sym typeface="Calibri"/>
+              </a:rPr>
+              <a:t>i</a:t>
+            </a:r>
+            <a:r>
+              <a:rPr lang="en-US" sz="1800" dirty="0">
+                <a:solidFill>
+                  <a:schemeClr val="dk1"/>
+                </a:solidFill>
+                <a:latin typeface="Calibri"/>
+                <a:ea typeface="Calibri"/>
+                <a:cs typeface="Calibri"/>
+                <a:sym typeface="Calibri"/>
+              </a:rPr>
+              <a:t>;        </a:t>
+            </a:r>
+          </a:p>
+          <a:p>
+            <a:r>
+              <a:rPr lang="en-US" sz="1800" dirty="0">
+                <a:solidFill>
+                  <a:schemeClr val="dk1"/>
+                </a:solidFill>
+                <a:latin typeface="Calibri"/>
+                <a:ea typeface="Calibri"/>
+                <a:cs typeface="Calibri"/>
+                <a:sym typeface="Calibri"/>
+              </a:rPr>
+              <a:t>		IF aux=1 THEN			</a:t>
+            </a:r>
+          </a:p>
+          <a:p>
+            <a:r>
+              <a:rPr lang="en-US" sz="1800" dirty="0">
+                <a:solidFill>
+                  <a:schemeClr val="dk1"/>
+                </a:solidFill>
+                <a:latin typeface="Calibri"/>
+                <a:ea typeface="Calibri"/>
+                <a:cs typeface="Calibri"/>
+                <a:sym typeface="Calibri"/>
+              </a:rPr>
+              <a:t>			set </a:t>
+            </a:r>
+            <a:r>
+              <a:rPr lang="en-US" sz="1800" dirty="0" err="1">
+                <a:solidFill>
+                  <a:schemeClr val="dk1"/>
+                </a:solidFill>
+                <a:latin typeface="Calibri"/>
+                <a:ea typeface="Calibri"/>
+                <a:cs typeface="Calibri"/>
+                <a:sym typeface="Calibri"/>
+              </a:rPr>
+              <a:t>texto</a:t>
+            </a:r>
+            <a:r>
+              <a:rPr lang="en-US" sz="1800" dirty="0">
+                <a:solidFill>
+                  <a:schemeClr val="dk1"/>
+                </a:solidFill>
+                <a:latin typeface="Calibri"/>
+                <a:ea typeface="Calibri"/>
+                <a:cs typeface="Calibri"/>
+                <a:sym typeface="Calibri"/>
+              </a:rPr>
+              <a:t>=</a:t>
+            </a:r>
+            <a:r>
+              <a:rPr lang="en-US" sz="1800" dirty="0" err="1">
+                <a:solidFill>
+                  <a:schemeClr val="dk1"/>
+                </a:solidFill>
+                <a:latin typeface="Calibri"/>
+                <a:ea typeface="Calibri"/>
+                <a:cs typeface="Calibri"/>
+                <a:sym typeface="Calibri"/>
+              </a:rPr>
+              <a:t>concat</a:t>
+            </a:r>
+            <a:r>
+              <a:rPr lang="en-US" sz="1800" dirty="0">
+                <a:solidFill>
+                  <a:schemeClr val="dk1"/>
+                </a:solidFill>
+                <a:latin typeface="Calibri"/>
+                <a:ea typeface="Calibri"/>
+                <a:cs typeface="Calibri"/>
+                <a:sym typeface="Calibri"/>
+              </a:rPr>
+              <a:t>(</a:t>
+            </a:r>
+            <a:r>
+              <a:rPr lang="en-US" sz="1800" dirty="0" err="1">
+                <a:solidFill>
+                  <a:schemeClr val="dk1"/>
+                </a:solidFill>
+                <a:latin typeface="Calibri"/>
+                <a:ea typeface="Calibri"/>
+                <a:cs typeface="Calibri"/>
+                <a:sym typeface="Calibri"/>
+              </a:rPr>
+              <a:t>texto</a:t>
+            </a:r>
+            <a:r>
+              <a:rPr lang="en-US" sz="1800" dirty="0">
+                <a:solidFill>
+                  <a:schemeClr val="dk1"/>
+                </a:solidFill>
+                <a:latin typeface="Calibri"/>
+                <a:ea typeface="Calibri"/>
+                <a:cs typeface="Calibri"/>
+                <a:sym typeface="Calibri"/>
+              </a:rPr>
+              <a:t>,' ', </a:t>
+            </a:r>
+            <a:r>
+              <a:rPr lang="en-US" sz="1800" dirty="0" err="1">
+                <a:solidFill>
+                  <a:schemeClr val="dk1"/>
+                </a:solidFill>
+                <a:latin typeface="Calibri"/>
+                <a:ea typeface="Calibri"/>
+                <a:cs typeface="Calibri"/>
+                <a:sym typeface="Calibri"/>
+              </a:rPr>
+              <a:t>i</a:t>
+            </a:r>
+            <a:r>
+              <a:rPr lang="en-US" sz="1800" dirty="0">
+                <a:solidFill>
+                  <a:schemeClr val="dk1"/>
+                </a:solidFill>
+                <a:latin typeface="Calibri"/>
+                <a:ea typeface="Calibri"/>
+                <a:cs typeface="Calibri"/>
+                <a:sym typeface="Calibri"/>
+              </a:rPr>
+              <a:t>);	</a:t>
+            </a:r>
+          </a:p>
+          <a:p>
+            <a:r>
+              <a:rPr lang="en-US" sz="1800" dirty="0">
+                <a:solidFill>
+                  <a:schemeClr val="dk1"/>
+                </a:solidFill>
+                <a:latin typeface="Calibri"/>
+                <a:ea typeface="Calibri"/>
+                <a:cs typeface="Calibri"/>
+                <a:sym typeface="Calibri"/>
+              </a:rPr>
+              <a:t>		END IF; 	</a:t>
+            </a:r>
+          </a:p>
+          <a:p>
+            <a:r>
+              <a:rPr lang="en-US" sz="1800" dirty="0">
+                <a:solidFill>
+                  <a:schemeClr val="dk1"/>
+                </a:solidFill>
+                <a:latin typeface="Calibri"/>
+                <a:ea typeface="Calibri"/>
+                <a:cs typeface="Calibri"/>
+                <a:sym typeface="Calibri"/>
+              </a:rPr>
+              <a:t>	END IF;	</a:t>
+            </a:r>
+          </a:p>
+          <a:p>
+            <a:r>
+              <a:rPr lang="en-US" sz="1800" dirty="0">
+                <a:solidFill>
+                  <a:schemeClr val="dk1"/>
+                </a:solidFill>
+                <a:latin typeface="Calibri"/>
+                <a:ea typeface="Calibri"/>
+                <a:cs typeface="Calibri"/>
+                <a:sym typeface="Calibri"/>
+              </a:rPr>
+              <a:t>	SET </a:t>
+            </a:r>
+            <a:r>
+              <a:rPr lang="en-US" sz="1800" dirty="0" err="1">
+                <a:solidFill>
+                  <a:schemeClr val="dk1"/>
+                </a:solidFill>
+                <a:latin typeface="Calibri"/>
+                <a:ea typeface="Calibri"/>
+                <a:cs typeface="Calibri"/>
+                <a:sym typeface="Calibri"/>
+              </a:rPr>
+              <a:t>i</a:t>
+            </a:r>
+            <a:r>
+              <a:rPr lang="en-US" sz="1800" dirty="0">
+                <a:solidFill>
+                  <a:schemeClr val="dk1"/>
+                </a:solidFill>
+                <a:latin typeface="Calibri"/>
+                <a:ea typeface="Calibri"/>
+                <a:cs typeface="Calibri"/>
+                <a:sym typeface="Calibri"/>
+              </a:rPr>
+              <a:t>=i+1; </a:t>
+            </a:r>
+          </a:p>
+          <a:p>
+            <a:r>
+              <a:rPr lang="en-US" sz="1800" dirty="0">
+                <a:solidFill>
+                  <a:schemeClr val="dk1"/>
+                </a:solidFill>
+                <a:latin typeface="Calibri"/>
+                <a:ea typeface="Calibri"/>
+                <a:cs typeface="Calibri"/>
+                <a:sym typeface="Calibri"/>
+              </a:rPr>
+              <a:t>UNTIL </a:t>
+            </a:r>
+            <a:r>
+              <a:rPr lang="en-US" sz="1800" dirty="0" err="1">
+                <a:solidFill>
+                  <a:schemeClr val="dk1"/>
+                </a:solidFill>
+                <a:latin typeface="Calibri"/>
+                <a:ea typeface="Calibri"/>
+                <a:cs typeface="Calibri"/>
+                <a:sym typeface="Calibri"/>
+              </a:rPr>
+              <a:t>i</a:t>
+            </a:r>
+            <a:r>
+              <a:rPr lang="en-US" sz="1800" dirty="0">
+                <a:solidFill>
+                  <a:schemeClr val="dk1"/>
+                </a:solidFill>
+                <a:latin typeface="Calibri"/>
+                <a:ea typeface="Calibri"/>
+                <a:cs typeface="Calibri"/>
+                <a:sym typeface="Calibri"/>
+              </a:rPr>
+              <a:t>&gt;</a:t>
+            </a:r>
+            <a:r>
+              <a:rPr lang="en-US" sz="1800" dirty="0" err="1">
+                <a:solidFill>
+                  <a:schemeClr val="dk1"/>
+                </a:solidFill>
+                <a:latin typeface="Calibri"/>
+                <a:ea typeface="Calibri"/>
+                <a:cs typeface="Calibri"/>
+                <a:sym typeface="Calibri"/>
+              </a:rPr>
+              <a:t>ncontratos</a:t>
+            </a:r>
+            <a:r>
+              <a:rPr lang="en-US" sz="1800" dirty="0">
+                <a:solidFill>
+                  <a:schemeClr val="dk1"/>
+                </a:solidFill>
+                <a:latin typeface="Calibri"/>
+                <a:ea typeface="Calibri"/>
+                <a:cs typeface="Calibri"/>
+                <a:sym typeface="Calibri"/>
+              </a:rPr>
+              <a:t> END REPEAT; </a:t>
+            </a:r>
+          </a:p>
+          <a:p>
+            <a:r>
+              <a:rPr lang="en-US" sz="1800" dirty="0">
+                <a:solidFill>
+                  <a:schemeClr val="dk1"/>
+                </a:solidFill>
+                <a:latin typeface="Calibri"/>
+                <a:ea typeface="Calibri"/>
+                <a:cs typeface="Calibri"/>
+                <a:sym typeface="Calibri"/>
+              </a:rPr>
+              <a:t>END</a:t>
+            </a:r>
+          </a:p>
+          <a:p>
+            <a:pPr algn="ctr"/>
+            <a:endParaRPr lang="es-ES" dirty="0"/>
           </a:p>
         </p:txBody>
       </p:sp>
     </p:spTree>
     <p:extLst>
       <p:ext uri="{BB962C8B-B14F-4D97-AF65-F5344CB8AC3E}">
-        <p14:creationId xmlns:p14="http://schemas.microsoft.com/office/powerpoint/2010/main" val="3095204788"/>
+        <p14:creationId xmlns:p14="http://schemas.microsoft.com/office/powerpoint/2010/main" val="3456131380"/>
       </p:ext>
     </p:extLst>
   </p:cSld>
@@ -21490,7 +22776,7 @@
 </p:sld>
 </file>
 
-<file path=ppt/slides/slide7.xml><?xml version="1.0" encoding="utf-8"?>
+<file path=ppt/slides/slide9.xml><?xml version="1.0" encoding="utf-8"?>
 <p:sld xmlns:a="http://schemas.openxmlformats.org/drawingml/2006/main" xmlns:r="http://schemas.openxmlformats.org/officeDocument/2006/relationships" xmlns:p="http://schemas.openxmlformats.org/presentationml/2006/main">
   <p:cSld>
     <p:spTree>
@@ -21593,7 +22879,7 @@
                 <a:cs typeface="Calibri"/>
                 <a:sym typeface="Calibri"/>
               </a:rPr>
-              <a:t>Repeat</a:t>
+              <a:t>While</a:t>
             </a:r>
             <a:endParaRPr lang="es-ES" dirty="0"/>
           </a:p>
@@ -21609,20 +22895,11 @@
                 <a:cs typeface="Calibri"/>
                 <a:sym typeface="Calibri"/>
               </a:rPr>
-              <a:t>Permite implementar una estructura repetitiva del tipo </a:t>
-            </a:r>
-            <a:r>
-              <a:rPr lang="es-ES" b="1" dirty="0">
-                <a:solidFill>
-                  <a:schemeClr val="dk1"/>
-                </a:solidFill>
-                <a:latin typeface="Calibri"/>
-                <a:ea typeface="Calibri"/>
-                <a:cs typeface="Calibri"/>
-                <a:sym typeface="Calibri"/>
-              </a:rPr>
-              <a:t>repetir…hasta</a:t>
-            </a:r>
+              <a:t>En este bucle, se evalúa inicialmente una condición y, si esta se cumple, se ejecutan las instrucciones que hay dentro del bucle. </a:t>
+            </a:r>
+          </a:p>
+          <a:p>
+            <a:pPr algn="just"/>
             <a:r>
               <a:rPr lang="es-ES" dirty="0">
                 <a:solidFill>
@@ -21633,8 +22910,33 @@
                 <a:cs typeface="Calibri"/>
                 <a:sym typeface="Calibri"/>
               </a:rPr>
-              <a:t>. </a:t>
-            </a:r>
+              <a:t>Cuando se llega al final del bucle </a:t>
+            </a:r>
+            <a:r>
+              <a:rPr lang="es-ES" dirty="0" err="1">
+                <a:solidFill>
+                  <a:schemeClr val="dk1"/>
+                </a:solidFill>
+                <a:latin typeface="Calibri"/>
+                <a:ea typeface="Calibri"/>
+                <a:cs typeface="Calibri"/>
+                <a:sym typeface="Calibri"/>
+              </a:rPr>
+              <a:t>while</a:t>
+            </a:r>
+            <a:r>
+              <a:rPr lang="es-ES" dirty="0">
+                <a:solidFill>
+                  <a:schemeClr val="dk1"/>
+                </a:solidFill>
+                <a:latin typeface="Calibri"/>
+                <a:ea typeface="Calibri"/>
+                <a:cs typeface="Calibri"/>
+                <a:sym typeface="Calibri"/>
+              </a:rPr>
+              <a:t> (END WHILE) se vuelve al principio del bucle para evaluar la condición del WHILE, repitiéndose el proceso anterior si la condición se cumple. </a:t>
+            </a:r>
+            <a:endParaRPr lang="es-ES" dirty="0"/>
           </a:p>
           <a:p>
             <a:pPr algn="just"/>
@@ -21648,20 +22950,12 @@
                 <a:cs typeface="Calibri"/>
                 <a:sym typeface="Calibri"/>
               </a:rPr>
-              <a:t>En esta estructura repetitiva se empieza ejecutando las instrucciones que están dentro de REPEAT y, al final, se analiza si se cumple la condición indicada en </a:t>
-            </a:r>
-            <a:r>
-              <a:rPr lang="es-ES" b="1" dirty="0">
-                <a:solidFill>
-                  <a:schemeClr val="dk1"/>
-                </a:solidFill>
-                <a:latin typeface="Calibri"/>
-                <a:ea typeface="Calibri"/>
-                <a:cs typeface="Calibri"/>
-                <a:sym typeface="Calibri"/>
-              </a:rPr>
-              <a:t>UNTIL</a:t>
-            </a:r>
+              <a:t>Cuando la condición del WHILE no se cumpla, se produce la salida del bucle.</a:t>
+            </a:r>
+            <a:endParaRPr lang="es-ES" dirty="0"/>
+          </a:p>
+          <a:p>
+            <a:pPr algn="just"/>
             <a:r>
               <a:rPr lang="es-ES" dirty="0">
                 <a:solidFill>
@@ -21672,23 +22966,7 @@
                 <a:cs typeface="Calibri"/>
                 <a:sym typeface="Calibri"/>
               </a:rPr>
-              <a:t>. Si la condición es verdadera, se sale del bucle y, si es falsa, se vuelve al comienzo del bucle. </a:t>
-            </a:r>
-            <a:endParaRPr lang="es-ES" dirty="0"/>
-          </a:p>
-          <a:p>
-            <a:pPr algn="just"/>
-            <a:r>
-              <a:rPr lang="es-ES" dirty="0">
-                <a:solidFill>
-                  <a:schemeClr val="dk1"/>
-                </a:solidFill>
-                <a:latin typeface="Calibri"/>
-                <a:ea typeface="Calibri"/>
-                <a:cs typeface="Calibri"/>
-                <a:sym typeface="Calibri"/>
-              </a:rPr>
-              <a:t>La sintaxis de REPEAT es: </a:t>
+              <a:t> La sintaxis de WHILE es:</a:t>
             </a:r>
             <a:endParaRPr lang="es-ES" dirty="0"/>
           </a:p>
@@ -21711,8 +22989,8 @@
         </p:nvSpPr>
         <p:spPr>
           <a:xfrm>
-            <a:off x="4533899" y="4052618"/>
-            <a:ext cx="4200525" cy="1231106"/>
+            <a:off x="5476874" y="4586018"/>
+            <a:ext cx="4200525" cy="954107"/>
           </a:xfrm>
           <a:prstGeom prst="rect">
             <a:avLst/>
@@ -21741,7 +23019,31 @@
                 <a:cs typeface="Calibri"/>
                 <a:sym typeface="Calibri"/>
               </a:rPr>
-              <a:t>REPEAT</a:t>
+              <a:t>WHILE </a:t>
+            </a:r>
+            <a:r>
+              <a:rPr lang="en-US" sz="1800" b="1" i="1" dirty="0" err="1">
+                <a:solidFill>
+                  <a:schemeClr val="dk1"/>
+                </a:solidFill>
+                <a:latin typeface="Calibri"/>
+                <a:ea typeface="Calibri"/>
+                <a:cs typeface="Calibri"/>
+                <a:sym typeface="Calibri"/>
+              </a:rPr>
+              <a:t>condicion</a:t>
+            </a:r>
+            <a:r>
+              <a:rPr lang="en-US" sz="1800" b="1" dirty="0">
+                <a:solidFill>
+                  <a:schemeClr val="dk1"/>
+                </a:solidFill>
+                <a:latin typeface="Calibri"/>
+                <a:ea typeface="Calibri"/>
+                <a:cs typeface="Calibri"/>
+                <a:sym typeface="Calibri"/>
+              </a:rPr>
+              <a:t> DO</a:t>
             </a:r>
             <a:endParaRPr lang="en-US" dirty="0"/>
           </a:p>
@@ -21785,43 +23087,7 @@
                 <a:cs typeface="Calibri"/>
                 <a:sym typeface="Calibri"/>
               </a:rPr>
-              <a:t>UNTIL </a:t>
-            </a:r>
-            <a:r>
-              <a:rPr lang="en-US" sz="1800" b="1" dirty="0" err="1">
-                <a:solidFill>
-                  <a:schemeClr val="dk1"/>
-                </a:solidFill>
-                <a:latin typeface="Calibri"/>
-                <a:ea typeface="Calibri"/>
-                <a:cs typeface="Calibri"/>
-                <a:sym typeface="Calibri"/>
-              </a:rPr>
-              <a:t>condicion</a:t>
-            </a:r>
-            <a:endParaRPr lang="en-US" sz="1800" b="1" dirty="0">
-              <a:solidFill>
-                <a:schemeClr val="dk1"/>
-              </a:solidFill>
-              <a:latin typeface="Calibri"/>
-              <a:ea typeface="Calibri"/>
-              <a:cs typeface="Calibri"/>
-              <a:sym typeface="Calibri"/>
-            </a:endParaRPr>
-          </a:p>
-          <a:p>
-            <a:pPr algn="just"/>
-            <a:r>
-              <a:rPr lang="en-US" sz="1800" b="1" dirty="0">
-                <a:solidFill>
-                  <a:schemeClr val="dk1"/>
-                </a:solidFill>
-                <a:latin typeface="Calibri"/>
-                <a:ea typeface="Calibri"/>
-                <a:cs typeface="Calibri"/>
-                <a:sym typeface="Calibri"/>
-              </a:rPr>
-              <a:t>END REPEAT;</a:t>
+              <a:t>END WHILE;</a:t>
             </a:r>
             <a:r>
               <a:rPr lang="es-ES" sz="2000" b="1" dirty="0">
@@ -21842,989 +23108,7 @@
     </p:spTree>
     <p:extLst>
       <p:ext uri="{BB962C8B-B14F-4D97-AF65-F5344CB8AC3E}">
-        <p14:creationId xmlns:p14="http://schemas.microsoft.com/office/powerpoint/2010/main" val="3797239077"/>
-      </p:ext>
-    </p:extLst>
-  </p:cSld>
-  <p:clrMapOvr>
-    <a:masterClrMapping/>
-  </p:clrMapOvr>
-</p:sld>
-</file>
-
-<file path=ppt/slides/slide8.xml><?xml version="1.0" encoding="utf-8"?>
-<p:sld xmlns:a="http://schemas.openxmlformats.org/drawingml/2006/main" xmlns:r="http://schemas.openxmlformats.org/officeDocument/2006/relationships" xmlns:p="http://schemas.openxmlformats.org/presentationml/2006/main">
-  <p:cSld>
-    <p:spTree>
-      <p:nvGrpSpPr>
-        <p:cNvPr id="1" name=""/>
-        <p:cNvGrpSpPr/>
-        <p:nvPr/>
-      </p:nvGrpSpPr>
-      <p:grpSpPr>
-        <a:xfrm>
-          <a:off x="0" y="0"/>
-          <a:ext cx="0" cy="0"/>
-          <a:chOff x="0" y="0"/>
-          <a:chExt cx="0" cy="0"/>
-        </a:xfrm>
-      </p:grpSpPr>
-      <p:sp>
-        <p:nvSpPr>
-          <p:cNvPr id="2" name="Título 1">
-            <a:extLst>
-              <a:ext uri="{FF2B5EF4-FFF2-40B4-BE49-F238E27FC236}">
-                <a16:creationId xmlns:a16="http://schemas.microsoft.com/office/drawing/2014/main" id="{49F3053A-A964-FCDC-C3BB-66E5818F506F}"/>
-              </a:ext>
-            </a:extLst>
-          </p:cNvPr>
-          <p:cNvSpPr>
-            <a:spLocks noGrp="1"/>
-          </p:cNvSpPr>
-          <p:nvPr>
-            <p:ph type="title"/>
-          </p:nvPr>
-        </p:nvSpPr>
-        <p:spPr/>
-        <p:txBody>
-          <a:bodyPr>
-            <a:noAutofit/>
-          </a:bodyPr>
-          <a:lstStyle/>
-          <a:p>
-            <a:r>
-              <a:rPr lang="es-ES" sz="3600" b="1" dirty="0">
-                <a:latin typeface="Arial"/>
-                <a:ea typeface="Arial"/>
-                <a:cs typeface="Arial"/>
-                <a:sym typeface="Arial"/>
-              </a:rPr>
-              <a:t>3.- Desarrollo de procedimientos almacenados</a:t>
-            </a:r>
-            <a:endParaRPr lang="es-ES" sz="3600" dirty="0"/>
-          </a:p>
-        </p:txBody>
-      </p:sp>
-      <p:sp>
-        <p:nvSpPr>
-          <p:cNvPr id="3" name="Marcador de contenido 2">
-            <a:extLst>
-              <a:ext uri="{FF2B5EF4-FFF2-40B4-BE49-F238E27FC236}">
-                <a16:creationId xmlns:a16="http://schemas.microsoft.com/office/drawing/2014/main" id="{F6F68EB7-BF50-F32D-954D-DD15ED62976F}"/>
-              </a:ext>
-            </a:extLst>
-          </p:cNvPr>
-          <p:cNvSpPr>
-            <a:spLocks noGrp="1"/>
-          </p:cNvSpPr>
-          <p:nvPr>
-            <p:ph idx="1"/>
-          </p:nvPr>
-        </p:nvSpPr>
-        <p:spPr/>
-        <p:txBody>
-          <a:bodyPr/>
-          <a:lstStyle/>
-          <a:p>
-            <a:pPr algn="just"/>
-            <a:r>
-              <a:rPr lang="es-ES" b="1" i="1" dirty="0">
-                <a:solidFill>
-                  <a:schemeClr val="dk1"/>
-                </a:solidFill>
-                <a:latin typeface="Calibri"/>
-                <a:ea typeface="Calibri"/>
-                <a:cs typeface="Calibri"/>
-                <a:sym typeface="Calibri"/>
-              </a:rPr>
-              <a:t>Ejemplo 10: </a:t>
-            </a:r>
-            <a:r>
-              <a:rPr lang="es-ES" dirty="0">
-                <a:solidFill>
-                  <a:schemeClr val="dk1"/>
-                </a:solidFill>
-                <a:latin typeface="Calibri"/>
-                <a:ea typeface="Calibri"/>
-                <a:cs typeface="Calibri"/>
-                <a:sym typeface="Calibri"/>
-              </a:rPr>
-              <a:t>Realiza un procedimiento para obtener cuantos divisores tiene un número entero.</a:t>
-            </a:r>
-          </a:p>
-          <a:p>
-            <a:pPr algn="just"/>
-            <a:r>
-              <a:rPr lang="es-ES" b="1" i="1" dirty="0">
-                <a:solidFill>
-                  <a:schemeClr val="dk1"/>
-                </a:solidFill>
-                <a:latin typeface="Calibri"/>
-                <a:ea typeface="Calibri"/>
-                <a:cs typeface="Calibri"/>
-                <a:sym typeface="Calibri"/>
-              </a:rPr>
-              <a:t>Ejemplo 11:  </a:t>
-            </a:r>
-            <a:r>
-              <a:rPr lang="es-ES" dirty="0">
-                <a:solidFill>
-                  <a:schemeClr val="dk1"/>
-                </a:solidFill>
-                <a:latin typeface="Calibri"/>
-                <a:ea typeface="Calibri"/>
-                <a:cs typeface="Calibri"/>
-                <a:sym typeface="Calibri"/>
-              </a:rPr>
-              <a:t>Realiza un procedimiento que crea una tabla con los nombre y apellidos de 10 clientes de la tabla clientes elegidos al azar y sin repetir.</a:t>
-            </a:r>
-          </a:p>
-          <a:p>
-            <a:pPr algn="just"/>
-            <a:endParaRPr lang="es-ES" dirty="0">
-              <a:solidFill>
-                <a:schemeClr val="dk1"/>
-              </a:solidFill>
-              <a:latin typeface="Calibri"/>
-              <a:ea typeface="Calibri"/>
-              <a:cs typeface="Calibri"/>
-              <a:sym typeface="Calibri"/>
-            </a:endParaRPr>
-          </a:p>
-          <a:p>
-            <a:pPr algn="just"/>
-            <a:endParaRPr lang="es-ES" dirty="0">
-              <a:solidFill>
-                <a:schemeClr val="dk1"/>
-              </a:solidFill>
-              <a:latin typeface="Calibri"/>
-              <a:ea typeface="Calibri"/>
-              <a:cs typeface="Calibri"/>
-              <a:sym typeface="Calibri"/>
-            </a:endParaRPr>
-          </a:p>
-          <a:p>
-            <a:endParaRPr lang="es-ES" sz="3200" dirty="0">
-              <a:solidFill>
-                <a:schemeClr val="dk1"/>
-              </a:solidFill>
-              <a:latin typeface="Arial"/>
-              <a:ea typeface="Arial"/>
-              <a:cs typeface="Arial"/>
-              <a:sym typeface="Arial"/>
-            </a:endParaRPr>
-          </a:p>
-          <a:p>
-            <a:endParaRPr lang="es-ES" dirty="0"/>
-          </a:p>
-        </p:txBody>
-      </p:sp>
-    </p:spTree>
-    <p:extLst>
-      <p:ext uri="{BB962C8B-B14F-4D97-AF65-F5344CB8AC3E}">
-        <p14:creationId xmlns:p14="http://schemas.microsoft.com/office/powerpoint/2010/main" val="1931059051"/>
-      </p:ext>
-    </p:extLst>
-  </p:cSld>
-  <p:clrMapOvr>
-    <a:masterClrMapping/>
-  </p:clrMapOvr>
-</p:sld>
-</file>
-
-<file path=ppt/slides/slide9.xml><?xml version="1.0" encoding="utf-8"?>
-<p:sld xmlns:a="http://schemas.openxmlformats.org/drawingml/2006/main" xmlns:r="http://schemas.openxmlformats.org/officeDocument/2006/relationships" xmlns:p="http://schemas.openxmlformats.org/presentationml/2006/main">
-  <p:cSld>
-    <p:spTree>
-      <p:nvGrpSpPr>
-        <p:cNvPr id="1" name=""/>
-        <p:cNvGrpSpPr/>
-        <p:nvPr/>
-      </p:nvGrpSpPr>
-      <p:grpSpPr>
-        <a:xfrm>
-          <a:off x="0" y="0"/>
-          <a:ext cx="0" cy="0"/>
-          <a:chOff x="0" y="0"/>
-          <a:chExt cx="0" cy="0"/>
-        </a:xfrm>
-      </p:grpSpPr>
-      <p:sp>
-        <p:nvSpPr>
-          <p:cNvPr id="2" name="Título 1">
-            <a:extLst>
-              <a:ext uri="{FF2B5EF4-FFF2-40B4-BE49-F238E27FC236}">
-                <a16:creationId xmlns:a16="http://schemas.microsoft.com/office/drawing/2014/main" id="{9262F78A-45C9-A9CD-D050-E13F598E554D}"/>
-              </a:ext>
-            </a:extLst>
-          </p:cNvPr>
-          <p:cNvSpPr>
-            <a:spLocks noGrp="1"/>
-          </p:cNvSpPr>
-          <p:nvPr>
-            <p:ph type="title"/>
-          </p:nvPr>
-        </p:nvSpPr>
-        <p:spPr>
-          <a:xfrm>
-            <a:off x="691079" y="116352"/>
-            <a:ext cx="10325000" cy="697496"/>
-          </a:xfrm>
-        </p:spPr>
-        <p:txBody>
-          <a:bodyPr>
-            <a:noAutofit/>
-          </a:bodyPr>
-          <a:lstStyle/>
-          <a:p>
-            <a:r>
-              <a:rPr lang="es-ES" sz="3600" b="1" dirty="0">
-                <a:latin typeface="Arial"/>
-                <a:ea typeface="Arial"/>
-                <a:cs typeface="Arial"/>
-                <a:sym typeface="Arial"/>
-              </a:rPr>
-              <a:t>3.- Desarrollo de procedimientos almacenados</a:t>
-            </a:r>
-            <a:endParaRPr lang="es-ES" sz="3600" dirty="0"/>
-          </a:p>
-        </p:txBody>
-      </p:sp>
-      <p:sp>
-        <p:nvSpPr>
-          <p:cNvPr id="5" name="CuadroTexto 4">
-            <a:extLst>
-              <a:ext uri="{FF2B5EF4-FFF2-40B4-BE49-F238E27FC236}">
-                <a16:creationId xmlns:a16="http://schemas.microsoft.com/office/drawing/2014/main" id="{0A8F578D-2B63-80BF-E8F5-50443D31623B}"/>
-              </a:ext>
-            </a:extLst>
-          </p:cNvPr>
-          <p:cNvSpPr txBox="1"/>
-          <p:nvPr/>
-        </p:nvSpPr>
-        <p:spPr>
-          <a:xfrm>
-            <a:off x="2022735" y="1236929"/>
-            <a:ext cx="7454640" cy="5262979"/>
-          </a:xfrm>
-          <a:prstGeom prst="rect">
-            <a:avLst/>
-          </a:prstGeom>
-          <a:noFill/>
-          <a:ln>
-            <a:solidFill>
-              <a:schemeClr val="accent1"/>
-            </a:solidFill>
-          </a:ln>
-        </p:spPr>
-        <p:txBody>
-          <a:bodyPr wrap="square">
-            <a:spAutoFit/>
-          </a:bodyPr>
-          <a:lstStyle/>
-          <a:p>
-            <a:pPr defTabSz="360000"/>
-            <a:r>
-              <a:rPr lang="en-US" sz="1600" dirty="0">
-                <a:solidFill>
-                  <a:schemeClr val="dk1"/>
-                </a:solidFill>
-                <a:latin typeface="Calibri"/>
-                <a:ea typeface="Calibri"/>
-                <a:cs typeface="Calibri"/>
-                <a:sym typeface="Calibri"/>
-              </a:rPr>
-              <a:t>CREATE PROCEDURE ejemplo10 (IN num INT, OUT c INT)</a:t>
-            </a:r>
-            <a:endParaRPr lang="en-US" sz="1600" dirty="0"/>
-          </a:p>
-          <a:p>
-            <a:pPr defTabSz="360000"/>
-            <a:r>
-              <a:rPr lang="en-US" sz="1600" dirty="0">
-                <a:solidFill>
-                  <a:schemeClr val="dk1"/>
-                </a:solidFill>
-                <a:latin typeface="Calibri"/>
-                <a:ea typeface="Calibri"/>
-                <a:cs typeface="Calibri"/>
-                <a:sym typeface="Calibri"/>
-              </a:rPr>
-              <a:t>BEGIN</a:t>
-            </a:r>
-            <a:endParaRPr lang="en-US" sz="1600" dirty="0"/>
-          </a:p>
-          <a:p>
-            <a:pPr defTabSz="360000"/>
-            <a:r>
-              <a:rPr lang="en-US" sz="1600" dirty="0">
-                <a:solidFill>
-                  <a:schemeClr val="dk1"/>
-                </a:solidFill>
-                <a:latin typeface="Calibri"/>
-                <a:ea typeface="Calibri"/>
-                <a:cs typeface="Calibri"/>
-                <a:sym typeface="Calibri"/>
-              </a:rPr>
-              <a:t>DECLARE d INT;</a:t>
-            </a:r>
-            <a:endParaRPr lang="en-US" sz="1600" dirty="0"/>
-          </a:p>
-          <a:p>
-            <a:pPr defTabSz="360000"/>
-            <a:r>
-              <a:rPr lang="en-US" sz="1600" dirty="0">
-                <a:solidFill>
-                  <a:schemeClr val="dk1"/>
-                </a:solidFill>
-                <a:latin typeface="Calibri"/>
-                <a:ea typeface="Calibri"/>
-                <a:cs typeface="Calibri"/>
-                <a:sym typeface="Calibri"/>
-              </a:rPr>
-              <a:t>DECLARE n INT;</a:t>
-            </a:r>
-            <a:endParaRPr lang="en-US" sz="1600" dirty="0"/>
-          </a:p>
-          <a:p>
-            <a:pPr defTabSz="360000"/>
-            <a:r>
-              <a:rPr lang="en-US" sz="1600" dirty="0">
-                <a:solidFill>
-                  <a:schemeClr val="dk1"/>
-                </a:solidFill>
-                <a:latin typeface="Calibri"/>
-                <a:ea typeface="Calibri"/>
-                <a:cs typeface="Calibri"/>
-                <a:sym typeface="Calibri"/>
-              </a:rPr>
-              <a:t>DECLARE </a:t>
-            </a:r>
-            <a:r>
-              <a:rPr lang="en-US" sz="1600" dirty="0" err="1">
-                <a:solidFill>
-                  <a:schemeClr val="dk1"/>
-                </a:solidFill>
-                <a:latin typeface="Calibri"/>
-                <a:ea typeface="Calibri"/>
-                <a:cs typeface="Calibri"/>
-                <a:sym typeface="Calibri"/>
-              </a:rPr>
-              <a:t>contador</a:t>
-            </a:r>
-            <a:r>
-              <a:rPr lang="en-US" sz="1600" dirty="0">
-                <a:solidFill>
-                  <a:schemeClr val="dk1"/>
-                </a:solidFill>
-                <a:latin typeface="Calibri"/>
-                <a:ea typeface="Calibri"/>
-                <a:cs typeface="Calibri"/>
-                <a:sym typeface="Calibri"/>
-              </a:rPr>
-              <a:t> INT;  </a:t>
-            </a:r>
-            <a:endParaRPr lang="en-US" sz="1600" dirty="0"/>
-          </a:p>
-          <a:p>
-            <a:pPr defTabSz="360000"/>
-            <a:r>
-              <a:rPr lang="en-US" sz="1600" dirty="0">
-                <a:solidFill>
-                  <a:schemeClr val="dk1"/>
-                </a:solidFill>
-                <a:latin typeface="Calibri"/>
-                <a:ea typeface="Calibri"/>
-                <a:cs typeface="Calibri"/>
-                <a:sym typeface="Calibri"/>
-              </a:rPr>
-              <a:t>SET </a:t>
-            </a:r>
-            <a:r>
-              <a:rPr lang="en-US" sz="1600" dirty="0" err="1">
-                <a:solidFill>
-                  <a:schemeClr val="dk1"/>
-                </a:solidFill>
-                <a:latin typeface="Calibri"/>
-                <a:ea typeface="Calibri"/>
-                <a:cs typeface="Calibri"/>
-                <a:sym typeface="Calibri"/>
-              </a:rPr>
-              <a:t>contador</a:t>
-            </a:r>
-            <a:r>
-              <a:rPr lang="en-US" sz="1600" dirty="0">
-                <a:solidFill>
-                  <a:schemeClr val="dk1"/>
-                </a:solidFill>
-                <a:latin typeface="Calibri"/>
-                <a:ea typeface="Calibri"/>
-                <a:cs typeface="Calibri"/>
-                <a:sym typeface="Calibri"/>
-              </a:rPr>
-              <a:t>=0;  </a:t>
-            </a:r>
-            <a:endParaRPr lang="en-US" sz="1600" dirty="0"/>
-          </a:p>
-          <a:p>
-            <a:pPr defTabSz="360000"/>
-            <a:r>
-              <a:rPr lang="en-US" sz="1600" dirty="0">
-                <a:solidFill>
-                  <a:schemeClr val="dk1"/>
-                </a:solidFill>
-                <a:latin typeface="Calibri"/>
-                <a:ea typeface="Calibri"/>
-                <a:cs typeface="Calibri"/>
-                <a:sym typeface="Calibri"/>
-              </a:rPr>
-              <a:t>SET n=num;  </a:t>
-            </a:r>
-          </a:p>
-          <a:p>
-            <a:pPr defTabSz="360000"/>
-            <a:r>
-              <a:rPr lang="en-US" sz="1600" dirty="0">
-                <a:solidFill>
-                  <a:schemeClr val="dk1"/>
-                </a:solidFill>
-                <a:latin typeface="Calibri"/>
-                <a:ea typeface="Calibri"/>
-                <a:cs typeface="Calibri"/>
-                <a:sym typeface="Calibri"/>
-              </a:rPr>
-              <a:t>IF n&lt;0 THEN       </a:t>
-            </a:r>
-            <a:endParaRPr lang="en-US" sz="1600" dirty="0"/>
-          </a:p>
-          <a:p>
-            <a:pPr defTabSz="360000"/>
-            <a:r>
-              <a:rPr lang="en-US" sz="1600" dirty="0">
-                <a:solidFill>
-                  <a:schemeClr val="dk1"/>
-                </a:solidFill>
-                <a:latin typeface="Calibri"/>
-                <a:ea typeface="Calibri"/>
-                <a:cs typeface="Calibri"/>
-                <a:sym typeface="Calibri"/>
-              </a:rPr>
-              <a:t>	SET n=-n;  </a:t>
-            </a:r>
-            <a:endParaRPr lang="en-US" sz="1600" dirty="0"/>
-          </a:p>
-          <a:p>
-            <a:pPr defTabSz="360000"/>
-            <a:r>
-              <a:rPr lang="en-US" sz="1600" dirty="0">
-                <a:solidFill>
-                  <a:schemeClr val="dk1"/>
-                </a:solidFill>
-                <a:latin typeface="Calibri"/>
-                <a:ea typeface="Calibri"/>
-                <a:cs typeface="Calibri"/>
-                <a:sym typeface="Calibri"/>
-              </a:rPr>
-              <a:t>END IF;  </a:t>
-            </a:r>
-            <a:endParaRPr lang="en-US" sz="1600" dirty="0"/>
-          </a:p>
-          <a:p>
-            <a:pPr defTabSz="360000"/>
-            <a:r>
-              <a:rPr lang="en-US" sz="1600" dirty="0">
-                <a:solidFill>
-                  <a:schemeClr val="dk1"/>
-                </a:solidFill>
-                <a:latin typeface="Calibri"/>
-                <a:ea typeface="Calibri"/>
-                <a:cs typeface="Calibri"/>
-                <a:sym typeface="Calibri"/>
-              </a:rPr>
-              <a:t>SET d=n;  </a:t>
-            </a:r>
-            <a:endParaRPr lang="en-US" sz="1600" dirty="0"/>
-          </a:p>
-          <a:p>
-            <a:pPr defTabSz="360000"/>
-            <a:r>
-              <a:rPr lang="en-US" sz="1600" dirty="0">
-                <a:solidFill>
-                  <a:schemeClr val="dk1"/>
-                </a:solidFill>
-                <a:latin typeface="Calibri"/>
-                <a:ea typeface="Calibri"/>
-                <a:cs typeface="Calibri"/>
-                <a:sym typeface="Calibri"/>
-              </a:rPr>
-              <a:t>IF d&gt;0 THEN</a:t>
-            </a:r>
-            <a:endParaRPr lang="en-US" sz="1600" dirty="0"/>
-          </a:p>
-          <a:p>
-            <a:pPr defTabSz="360000"/>
-            <a:r>
-              <a:rPr lang="en-US" sz="1600" dirty="0">
-                <a:solidFill>
-                  <a:schemeClr val="dk1"/>
-                </a:solidFill>
-                <a:latin typeface="Calibri"/>
-                <a:ea typeface="Calibri"/>
-                <a:cs typeface="Calibri"/>
-                <a:sym typeface="Calibri"/>
-              </a:rPr>
-              <a:t>	REPEAT  </a:t>
-            </a:r>
-            <a:endParaRPr lang="en-US" sz="1600" dirty="0"/>
-          </a:p>
-          <a:p>
-            <a:pPr defTabSz="360000"/>
-            <a:r>
-              <a:rPr lang="en-US" sz="1600" dirty="0">
-                <a:solidFill>
-                  <a:schemeClr val="dk1"/>
-                </a:solidFill>
-                <a:latin typeface="Calibri"/>
-                <a:ea typeface="Calibri"/>
-                <a:cs typeface="Calibri"/>
-                <a:sym typeface="Calibri"/>
-              </a:rPr>
-              <a:t>	  	IF </a:t>
-            </a:r>
-            <a:r>
-              <a:rPr lang="en-US" sz="1600" dirty="0" err="1">
-                <a:solidFill>
-                  <a:schemeClr val="dk1"/>
-                </a:solidFill>
-                <a:latin typeface="Calibri"/>
-                <a:ea typeface="Calibri"/>
-                <a:cs typeface="Calibri"/>
-                <a:sym typeface="Calibri"/>
-              </a:rPr>
-              <a:t>n%d</a:t>
-            </a:r>
-            <a:r>
-              <a:rPr lang="en-US" sz="1600" dirty="0">
-                <a:solidFill>
-                  <a:schemeClr val="dk1"/>
-                </a:solidFill>
-                <a:latin typeface="Calibri"/>
-                <a:ea typeface="Calibri"/>
-                <a:cs typeface="Calibri"/>
-                <a:sym typeface="Calibri"/>
-              </a:rPr>
-              <a:t>=0 THEN</a:t>
-            </a:r>
-            <a:endParaRPr lang="en-US" sz="1600" dirty="0"/>
-          </a:p>
-          <a:p>
-            <a:pPr defTabSz="360000"/>
-            <a:r>
-              <a:rPr lang="en-US" sz="1600" dirty="0">
-                <a:solidFill>
-                  <a:schemeClr val="dk1"/>
-                </a:solidFill>
-                <a:latin typeface="Calibri"/>
-                <a:ea typeface="Calibri"/>
-                <a:cs typeface="Calibri"/>
-                <a:sym typeface="Calibri"/>
-              </a:rPr>
-              <a:t>      		       SET </a:t>
-            </a:r>
-            <a:r>
-              <a:rPr lang="en-US" sz="1600" dirty="0" err="1">
-                <a:solidFill>
-                  <a:schemeClr val="dk1"/>
-                </a:solidFill>
-                <a:latin typeface="Calibri"/>
-                <a:ea typeface="Calibri"/>
-                <a:cs typeface="Calibri"/>
-                <a:sym typeface="Calibri"/>
-              </a:rPr>
-              <a:t>contador</a:t>
-            </a:r>
-            <a:r>
-              <a:rPr lang="en-US" sz="1600" dirty="0">
-                <a:solidFill>
-                  <a:schemeClr val="dk1"/>
-                </a:solidFill>
-                <a:latin typeface="Calibri"/>
-                <a:ea typeface="Calibri"/>
-                <a:cs typeface="Calibri"/>
-                <a:sym typeface="Calibri"/>
-              </a:rPr>
-              <a:t>=contador+1;			</a:t>
-            </a:r>
-          </a:p>
-          <a:p>
-            <a:pPr defTabSz="360000"/>
-            <a:r>
-              <a:rPr lang="en-US" sz="1600" dirty="0">
-                <a:solidFill>
-                  <a:schemeClr val="dk1"/>
-                </a:solidFill>
-                <a:latin typeface="Calibri"/>
-                <a:ea typeface="Calibri"/>
-                <a:cs typeface="Calibri"/>
-                <a:sym typeface="Calibri"/>
-              </a:rPr>
-              <a:t>		END IF;</a:t>
-            </a:r>
-            <a:endParaRPr lang="en-US" sz="1600" dirty="0"/>
-          </a:p>
-          <a:p>
-            <a:pPr defTabSz="360000"/>
-            <a:r>
-              <a:rPr lang="en-US" sz="1600" dirty="0">
-                <a:solidFill>
-                  <a:schemeClr val="dk1"/>
-                </a:solidFill>
-                <a:latin typeface="Calibri"/>
-                <a:ea typeface="Calibri"/>
-                <a:cs typeface="Calibri"/>
-                <a:sym typeface="Calibri"/>
-              </a:rPr>
-              <a:t>		SET d=d-1;</a:t>
-            </a:r>
-            <a:endParaRPr lang="en-US" sz="1600" dirty="0"/>
-          </a:p>
-          <a:p>
-            <a:pPr defTabSz="360000"/>
-            <a:r>
-              <a:rPr lang="en-US" sz="1600" dirty="0">
-                <a:solidFill>
-                  <a:schemeClr val="dk1"/>
-                </a:solidFill>
-                <a:latin typeface="Calibri"/>
-                <a:ea typeface="Calibri"/>
-                <a:cs typeface="Calibri"/>
-                <a:sym typeface="Calibri"/>
-              </a:rPr>
-              <a:t>	UNTIL d=0 END REPEAT;</a:t>
-            </a:r>
-          </a:p>
-          <a:p>
-            <a:pPr defTabSz="360000"/>
-            <a:r>
-              <a:rPr lang="en-US" sz="1600" dirty="0">
-                <a:solidFill>
-                  <a:schemeClr val="dk1"/>
-                </a:solidFill>
-                <a:latin typeface="Calibri"/>
-                <a:ea typeface="Calibri"/>
-                <a:cs typeface="Calibri"/>
-                <a:sym typeface="Calibri"/>
-              </a:rPr>
-              <a:t>END IF;</a:t>
-            </a:r>
-            <a:endParaRPr lang="en-US" sz="1600" dirty="0"/>
-          </a:p>
-          <a:p>
-            <a:pPr defTabSz="360000"/>
-            <a:r>
-              <a:rPr lang="en-US" sz="1600" dirty="0">
-                <a:solidFill>
-                  <a:schemeClr val="dk1"/>
-                </a:solidFill>
-                <a:latin typeface="Calibri"/>
-                <a:ea typeface="Calibri"/>
-                <a:cs typeface="Calibri"/>
-                <a:sym typeface="Calibri"/>
-              </a:rPr>
-              <a:t>SET c=</a:t>
-            </a:r>
-            <a:r>
-              <a:rPr lang="en-US" sz="1600" dirty="0" err="1">
-                <a:solidFill>
-                  <a:schemeClr val="dk1"/>
-                </a:solidFill>
-                <a:latin typeface="Calibri"/>
-                <a:ea typeface="Calibri"/>
-                <a:cs typeface="Calibri"/>
-                <a:sym typeface="Calibri"/>
-              </a:rPr>
-              <a:t>contador</a:t>
-            </a:r>
-            <a:r>
-              <a:rPr lang="en-US" sz="1600" dirty="0">
-                <a:solidFill>
-                  <a:schemeClr val="dk1"/>
-                </a:solidFill>
-                <a:latin typeface="Calibri"/>
-                <a:ea typeface="Calibri"/>
-                <a:cs typeface="Calibri"/>
-                <a:sym typeface="Calibri"/>
-              </a:rPr>
-              <a:t>;</a:t>
-            </a:r>
-            <a:endParaRPr lang="en-US" sz="1600" dirty="0">
-              <a:sym typeface="Calibri"/>
-            </a:endParaRPr>
-          </a:p>
-          <a:p>
-            <a:pPr defTabSz="360000"/>
-            <a:r>
-              <a:rPr lang="en-US" sz="1600" dirty="0">
-                <a:solidFill>
-                  <a:schemeClr val="dk1"/>
-                </a:solidFill>
-                <a:latin typeface="Calibri"/>
-                <a:ea typeface="Calibri"/>
-                <a:cs typeface="Calibri"/>
-                <a:sym typeface="Calibri"/>
-              </a:rPr>
-              <a:t>END</a:t>
-            </a:r>
-            <a:endParaRPr lang="es-ES" sz="1400" dirty="0">
-              <a:solidFill>
-                <a:schemeClr val="dk1"/>
-              </a:solidFill>
-              <a:latin typeface="Calibri"/>
-              <a:ea typeface="Calibri"/>
-              <a:cs typeface="Calibri"/>
-              <a:sym typeface="Calibri"/>
-            </a:endParaRPr>
-          </a:p>
-        </p:txBody>
-      </p:sp>
-      <p:sp>
-        <p:nvSpPr>
-          <p:cNvPr id="6" name="Marcador de contenido 2">
-            <a:extLst>
-              <a:ext uri="{FF2B5EF4-FFF2-40B4-BE49-F238E27FC236}">
-                <a16:creationId xmlns:a16="http://schemas.microsoft.com/office/drawing/2014/main" id="{F055FD31-77FB-07C3-2F4E-3A331FF33EEF}"/>
-              </a:ext>
-            </a:extLst>
-          </p:cNvPr>
-          <p:cNvSpPr txBox="1">
-            <a:spLocks/>
-          </p:cNvSpPr>
-          <p:nvPr/>
-        </p:nvSpPr>
-        <p:spPr>
-          <a:xfrm>
-            <a:off x="784485" y="677605"/>
-            <a:ext cx="1786650" cy="559324"/>
-          </a:xfrm>
-          <a:prstGeom prst="rect">
-            <a:avLst/>
-          </a:prstGeom>
-        </p:spPr>
-        <p:txBody>
-          <a:bodyPr vert="horz" lIns="91440" tIns="45720" rIns="91440" bIns="45720" rtlCol="0">
-            <a:normAutofit/>
-          </a:bodyPr>
-          <a:lstStyle>
-            <a:lvl1pPr marL="228600" indent="-228600" algn="l" defTabSz="914400" rtl="0" eaLnBrk="1" latinLnBrk="0" hangingPunct="1">
-              <a:lnSpc>
-                <a:spcPct val="110000"/>
-              </a:lnSpc>
-              <a:spcBef>
-                <a:spcPts val="1000"/>
-              </a:spcBef>
-              <a:buClr>
-                <a:schemeClr val="tx2">
-                  <a:lumMod val="50000"/>
-                  <a:lumOff val="50000"/>
-                </a:schemeClr>
-              </a:buClr>
-              <a:buSzPct val="75000"/>
-              <a:buFont typeface="Wingdings" panose="05000000000000000000" pitchFamily="2" charset="2"/>
-              <a:buChar char="§"/>
-              <a:defRPr sz="2000" kern="1200">
-                <a:solidFill>
-                  <a:schemeClr val="tx2"/>
-                </a:solidFill>
-                <a:latin typeface="+mn-lt"/>
-                <a:ea typeface="+mn-ea"/>
-                <a:cs typeface="+mn-cs"/>
-              </a:defRPr>
-            </a:lvl1pPr>
-            <a:lvl2pPr marL="457200" indent="-228600" algn="l" defTabSz="914400" rtl="0" eaLnBrk="1" latinLnBrk="0" hangingPunct="1">
-              <a:lnSpc>
-                <a:spcPct val="110000"/>
-              </a:lnSpc>
-              <a:spcBef>
-                <a:spcPts val="500"/>
-              </a:spcBef>
-              <a:buClr>
-                <a:schemeClr val="tx2">
-                  <a:lumMod val="50000"/>
-                  <a:lumOff val="50000"/>
-                </a:schemeClr>
-              </a:buClr>
-              <a:buSzPct val="75000"/>
-              <a:buFont typeface="Wingdings" panose="05000000000000000000" pitchFamily="2" charset="2"/>
-              <a:buChar char="§"/>
-              <a:defRPr sz="1800" kern="1200">
-                <a:solidFill>
-                  <a:schemeClr val="tx2"/>
-                </a:solidFill>
-                <a:latin typeface="+mn-lt"/>
-                <a:ea typeface="+mn-ea"/>
-                <a:cs typeface="+mn-cs"/>
-              </a:defRPr>
-            </a:lvl2pPr>
-            <a:lvl3pPr marL="685800" indent="-228600" algn="l" defTabSz="914400" rtl="0" eaLnBrk="1" latinLnBrk="0" hangingPunct="1">
-              <a:lnSpc>
-                <a:spcPct val="110000"/>
-              </a:lnSpc>
-              <a:spcBef>
-                <a:spcPts val="500"/>
-              </a:spcBef>
-              <a:buClr>
-                <a:schemeClr val="tx2">
-                  <a:lumMod val="50000"/>
-                  <a:lumOff val="50000"/>
-                </a:schemeClr>
-              </a:buClr>
-              <a:buSzPct val="75000"/>
-              <a:buFont typeface="Wingdings" panose="05000000000000000000" pitchFamily="2" charset="2"/>
-              <a:buChar char="§"/>
-              <a:defRPr sz="1600" kern="1200">
-                <a:solidFill>
-                  <a:schemeClr val="tx2"/>
-                </a:solidFill>
-                <a:latin typeface="+mn-lt"/>
-                <a:ea typeface="+mn-ea"/>
-                <a:cs typeface="+mn-cs"/>
-              </a:defRPr>
-            </a:lvl3pPr>
-            <a:lvl4pPr marL="914400" indent="-228600" algn="l" defTabSz="914400" rtl="0" eaLnBrk="1" latinLnBrk="0" hangingPunct="1">
-              <a:lnSpc>
-                <a:spcPct val="110000"/>
-              </a:lnSpc>
-              <a:spcBef>
-                <a:spcPts val="500"/>
-              </a:spcBef>
-              <a:buClr>
-                <a:schemeClr val="tx2">
-                  <a:lumMod val="50000"/>
-                  <a:lumOff val="50000"/>
-                </a:schemeClr>
-              </a:buClr>
-              <a:buSzPct val="75000"/>
-              <a:buFont typeface="Wingdings" panose="05000000000000000000" pitchFamily="2" charset="2"/>
-              <a:buChar char="§"/>
-              <a:defRPr sz="1400" kern="1200">
-                <a:solidFill>
-                  <a:schemeClr val="tx2"/>
-                </a:solidFill>
-                <a:latin typeface="+mn-lt"/>
-                <a:ea typeface="+mn-ea"/>
-                <a:cs typeface="+mn-cs"/>
-              </a:defRPr>
-            </a:lvl4pPr>
-            <a:lvl5pPr marL="1143000" indent="-228600" algn="l" defTabSz="914400" rtl="0" eaLnBrk="1" latinLnBrk="0" hangingPunct="1">
-              <a:lnSpc>
-                <a:spcPct val="110000"/>
-              </a:lnSpc>
-              <a:spcBef>
-                <a:spcPts val="500"/>
-              </a:spcBef>
-              <a:buClr>
-                <a:schemeClr val="tx2">
-                  <a:lumMod val="50000"/>
-                  <a:lumOff val="50000"/>
-                </a:schemeClr>
-              </a:buClr>
-              <a:buSzPct val="75000"/>
-              <a:buFont typeface="Wingdings" panose="05000000000000000000" pitchFamily="2" charset="2"/>
-              <a:buChar char="§"/>
-              <a:defRPr sz="1400" kern="1200">
-                <a:solidFill>
-                  <a:schemeClr val="tx2"/>
-                </a:solidFill>
-                <a:latin typeface="+mn-lt"/>
-                <a:ea typeface="+mn-ea"/>
-                <a:cs typeface="+mn-cs"/>
-              </a:defRPr>
-            </a:lvl5pPr>
-            <a:lvl6pPr marL="2514600" indent="-228600" algn="l" defTabSz="914400" rtl="0" eaLnBrk="1" latinLnBrk="0" hangingPunct="1">
-              <a:lnSpc>
-                <a:spcPct val="90000"/>
-              </a:lnSpc>
-              <a:spcBef>
-                <a:spcPts val="500"/>
-              </a:spcBef>
-              <a:buFont typeface="Arial" panose="020B0604020202020204" pitchFamily="34" charset="0"/>
-              <a:buChar char="•"/>
-              <a:defRPr sz="1800" kern="1200">
-                <a:solidFill>
-                  <a:schemeClr val="tx1"/>
-                </a:solidFill>
-                <a:latin typeface="+mn-lt"/>
-                <a:ea typeface="+mn-ea"/>
-                <a:cs typeface="+mn-cs"/>
-              </a:defRPr>
-            </a:lvl6pPr>
-            <a:lvl7pPr marL="2971800" indent="-228600" algn="l" defTabSz="914400" rtl="0" eaLnBrk="1" latinLnBrk="0" hangingPunct="1">
-              <a:lnSpc>
-                <a:spcPct val="90000"/>
-              </a:lnSpc>
-              <a:spcBef>
-                <a:spcPts val="500"/>
-              </a:spcBef>
-              <a:buFont typeface="Arial" panose="020B0604020202020204" pitchFamily="34" charset="0"/>
-              <a:buChar char="•"/>
-              <a:defRPr sz="1800" kern="1200">
-                <a:solidFill>
-                  <a:schemeClr val="tx1"/>
-                </a:solidFill>
-                <a:latin typeface="+mn-lt"/>
-                <a:ea typeface="+mn-ea"/>
-                <a:cs typeface="+mn-cs"/>
-              </a:defRPr>
-            </a:lvl7pPr>
-            <a:lvl8pPr marL="3429000" indent="-228600" algn="l" defTabSz="914400" rtl="0" eaLnBrk="1" latinLnBrk="0" hangingPunct="1">
-              <a:lnSpc>
-                <a:spcPct val="90000"/>
-              </a:lnSpc>
-              <a:spcBef>
-                <a:spcPts val="500"/>
-              </a:spcBef>
-              <a:buFont typeface="Arial" panose="020B0604020202020204" pitchFamily="34" charset="0"/>
-              <a:buChar char="•"/>
-              <a:defRPr sz="1800" kern="1200">
-                <a:solidFill>
-                  <a:schemeClr val="tx1"/>
-                </a:solidFill>
-                <a:latin typeface="+mn-lt"/>
-                <a:ea typeface="+mn-ea"/>
-                <a:cs typeface="+mn-cs"/>
-              </a:defRPr>
-            </a:lvl8pPr>
-            <a:lvl9pPr marL="3886200" indent="-228600" algn="l" defTabSz="914400" rtl="0" eaLnBrk="1" latinLnBrk="0" hangingPunct="1">
-              <a:lnSpc>
-                <a:spcPct val="90000"/>
-              </a:lnSpc>
-              <a:spcBef>
-                <a:spcPts val="500"/>
-              </a:spcBef>
-              <a:buFont typeface="Arial" panose="020B0604020202020204" pitchFamily="34" charset="0"/>
-              <a:buChar char="•"/>
-              <a:defRPr sz="1800" kern="1200">
-                <a:solidFill>
-                  <a:schemeClr val="tx1"/>
-                </a:solidFill>
-                <a:latin typeface="+mn-lt"/>
-                <a:ea typeface="+mn-ea"/>
-                <a:cs typeface="+mn-cs"/>
-              </a:defRPr>
-            </a:lvl9pPr>
-          </a:lstStyle>
-          <a:p>
-            <a:r>
-              <a:rPr lang="es-ES" dirty="0"/>
-              <a:t>Ejemplo 10:</a:t>
-            </a:r>
-          </a:p>
-        </p:txBody>
-      </p:sp>
-    </p:spTree>
-    <p:extLst>
-      <p:ext uri="{BB962C8B-B14F-4D97-AF65-F5344CB8AC3E}">
-        <p14:creationId xmlns:p14="http://schemas.microsoft.com/office/powerpoint/2010/main" val="3228217030"/>
+        <p14:creationId xmlns:p14="http://schemas.microsoft.com/office/powerpoint/2010/main" val="3211271813"/>
       </p:ext>
     </p:extLst>
   </p:cSld>
